--- a/DraftSlides/Lecture2.pptx
+++ b/DraftSlides/Lecture2.pptx
@@ -7,7 +7,7 @@
     <p:sldMasterId id="2147483711" r:id="rId3"/>
   </p:sldMasterIdLst>
   <p:notesMasterIdLst>
-    <p:notesMasterId r:id="rId27"/>
+    <p:notesMasterId r:id="rId25"/>
   </p:notesMasterIdLst>
   <p:sldIdLst>
     <p:sldId id="405" r:id="rId4"/>
@@ -15,24 +15,22 @@
     <p:sldId id="498" r:id="rId6"/>
     <p:sldId id="513" r:id="rId7"/>
     <p:sldId id="508" r:id="rId8"/>
-    <p:sldId id="509" r:id="rId9"/>
-    <p:sldId id="514" r:id="rId10"/>
-    <p:sldId id="506" r:id="rId11"/>
-    <p:sldId id="281" r:id="rId12"/>
-    <p:sldId id="391" r:id="rId13"/>
-    <p:sldId id="285" r:id="rId14"/>
-    <p:sldId id="510" r:id="rId15"/>
-    <p:sldId id="511" r:id="rId16"/>
-    <p:sldId id="287" r:id="rId17"/>
-    <p:sldId id="257" r:id="rId18"/>
-    <p:sldId id="258" r:id="rId19"/>
-    <p:sldId id="512" r:id="rId20"/>
-    <p:sldId id="515" r:id="rId21"/>
-    <p:sldId id="260" r:id="rId22"/>
-    <p:sldId id="259" r:id="rId23"/>
-    <p:sldId id="393" r:id="rId24"/>
-    <p:sldId id="394" r:id="rId25"/>
-    <p:sldId id="395" r:id="rId26"/>
+    <p:sldId id="506" r:id="rId9"/>
+    <p:sldId id="281" r:id="rId10"/>
+    <p:sldId id="391" r:id="rId11"/>
+    <p:sldId id="285" r:id="rId12"/>
+    <p:sldId id="510" r:id="rId13"/>
+    <p:sldId id="511" r:id="rId14"/>
+    <p:sldId id="287" r:id="rId15"/>
+    <p:sldId id="257" r:id="rId16"/>
+    <p:sldId id="258" r:id="rId17"/>
+    <p:sldId id="512" r:id="rId18"/>
+    <p:sldId id="515" r:id="rId19"/>
+    <p:sldId id="260" r:id="rId20"/>
+    <p:sldId id="259" r:id="rId21"/>
+    <p:sldId id="393" r:id="rId22"/>
+    <p:sldId id="394" r:id="rId23"/>
+    <p:sldId id="395" r:id="rId24"/>
   </p:sldIdLst>
   <p:sldSz cx="10077450" cy="7562850"/>
   <p:notesSz cx="6858000" cy="9144000"/>
@@ -162,14 +160,6 @@
 </p:cmAuthorLst>
 </file>
 
-<file path=ppt/revisionInfo.xml><?xml version="1.0" encoding="utf-8"?>
-<p1510:revInfo xmlns:a="http://schemas.openxmlformats.org/drawingml/2006/main" xmlns:r="http://schemas.openxmlformats.org/officeDocument/2006/relationships" xmlns:p1510="http://schemas.microsoft.com/office/powerpoint/2015/10/main">
-  <p1510:revLst>
-    <p1510:client id="{7B5D77A2-576A-40F5-A0DC-AA3C82179CBC}" v="8" dt="2021-09-13T14:27:42.135"/>
-  </p1510:revLst>
-</p1510:revInfo>
-</file>
-
 <file path=ppt/changesInfos/changesInfo1.xml><?xml version="1.0" encoding="utf-8"?>
 <pc:chgInfo xmlns:a="http://schemas.openxmlformats.org/drawingml/2006/main" xmlns:r="http://schemas.openxmlformats.org/officeDocument/2006/relationships" xmlns:ac="http://schemas.microsoft.com/office/drawing/2013/main/command" xmlns:pc="http://schemas.microsoft.com/office/powerpoint/2013/main/command">
   <pc:docChgLst>
@@ -193,6 +183,29 @@
             <ac:spMk id="3" creationId="{00000000-0000-0000-0000-000000000000}"/>
           </ac:spMkLst>
         </pc:spChg>
+      </pc:sldChg>
+    </pc:docChg>
+  </pc:docChgLst>
+  <pc:docChgLst>
+    <pc:chgData name="Khattab, Sherif" userId="c83b1e15-36f3-4f46-aceb-05aac24c545e" providerId="ADAL" clId="{54E55B30-C85D-AD4F-8921-6CFAD8FF9BDE}"/>
+    <pc:docChg chg="delSld">
+      <pc:chgData name="Khattab, Sherif" userId="c83b1e15-36f3-4f46-aceb-05aac24c545e" providerId="ADAL" clId="{54E55B30-C85D-AD4F-8921-6CFAD8FF9BDE}" dt="2022-01-12T17:40:33.711" v="0" actId="2696"/>
+      <pc:docMkLst>
+        <pc:docMk/>
+      </pc:docMkLst>
+      <pc:sldChg chg="del">
+        <pc:chgData name="Khattab, Sherif" userId="c83b1e15-36f3-4f46-aceb-05aac24c545e" providerId="ADAL" clId="{54E55B30-C85D-AD4F-8921-6CFAD8FF9BDE}" dt="2022-01-12T17:40:33.711" v="0" actId="2696"/>
+        <pc:sldMkLst>
+          <pc:docMk/>
+          <pc:sldMk cId="3714929240" sldId="509"/>
+        </pc:sldMkLst>
+      </pc:sldChg>
+      <pc:sldChg chg="del">
+        <pc:chgData name="Khattab, Sherif" userId="c83b1e15-36f3-4f46-aceb-05aac24c545e" providerId="ADAL" clId="{54E55B30-C85D-AD4F-8921-6CFAD8FF9BDE}" dt="2022-01-12T17:40:33.711" v="0" actId="2696"/>
+        <pc:sldMkLst>
+          <pc:docMk/>
+          <pc:sldMk cId="3175970271" sldId="514"/>
+        </pc:sldMkLst>
       </pc:sldChg>
     </pc:docChg>
   </pc:docChgLst>
@@ -1222,7 +1235,7 @@
           <a:p>
             <a:fld id="{A845D111-13B1-6540-9222-8BA23A0A1AF2}" type="datetimeFigureOut">
               <a:rPr lang="en-US" smtClean="0"/>
-              <a:t>9/13/2021</a:t>
+              <a:t>1/12/22</a:t>
             </a:fld>
             <a:endParaRPr lang="en-US"/>
           </a:p>
@@ -13901,3353 +13914,6 @@
   <p:cSld>
     <p:spTree>
       <p:nvGrpSpPr>
-        <p:cNvPr id="1" name="Shape 283"/>
-        <p:cNvGrpSpPr/>
-        <p:nvPr/>
-      </p:nvGrpSpPr>
-      <p:grpSpPr>
-        <a:xfrm>
-          <a:off x="0" y="0"/>
-          <a:ext cx="0" cy="0"/>
-          <a:chOff x="0" y="0"/>
-          <a:chExt cx="0" cy="0"/>
-        </a:xfrm>
-      </p:grpSpPr>
-      <p:sp>
-        <p:nvSpPr>
-          <p:cNvPr id="285" name="Google Shape;285;p36"/>
-          <p:cNvSpPr txBox="1">
-            <a:spLocks noGrp="1"/>
-          </p:cNvSpPr>
-          <p:nvPr>
-            <p:ph type="title"/>
-          </p:nvPr>
-        </p:nvSpPr>
-        <p:spPr>
-          <a:prstGeom prst="rect">
-            <a:avLst/>
-          </a:prstGeom>
-        </p:spPr>
-        <p:txBody>
-          <a:bodyPr spcFirstLastPara="1" vert="horz" wrap="square" lIns="100821" tIns="100821" rIns="100821" bIns="100821" numCol="1" anchor="b" anchorCtr="0" compatLnSpc="1">
-            <a:prstTxWarp prst="textNoShape">
-              <a:avLst/>
-            </a:prstTxWarp>
-            <a:noAutofit/>
-          </a:bodyPr>
-          <a:lstStyle/>
-          <a:p>
-            <a:r>
-              <a:rPr lang="en"/>
-              <a:t>Bubble sort</a:t>
-            </a:r>
-            <a:endParaRPr/>
-          </a:p>
-        </p:txBody>
-      </p:sp>
-      <p:sp>
-        <p:nvSpPr>
-          <p:cNvPr id="284" name="Google Shape;284;p36"/>
-          <p:cNvSpPr txBox="1">
-            <a:spLocks noGrp="1"/>
-          </p:cNvSpPr>
-          <p:nvPr>
-            <p:ph idx="1"/>
-          </p:nvPr>
-        </p:nvSpPr>
-        <p:spPr>
-          <a:prstGeom prst="rect">
-            <a:avLst/>
-          </a:prstGeom>
-        </p:spPr>
-        <p:txBody>
-          <a:bodyPr spcFirstLastPara="1" vert="horz" wrap="square" lIns="100821" tIns="100821" rIns="100821" bIns="100821" numCol="1" anchor="t" anchorCtr="0" compatLnSpc="1">
-            <a:prstTxWarp prst="textNoShape">
-              <a:avLst/>
-            </a:prstTxWarp>
-            <a:noAutofit/>
-          </a:bodyPr>
-          <a:lstStyle/>
-          <a:p>
-            <a:r>
-              <a:rPr lang="en"/>
-              <a:t>Simply go through the array comparing pairs of items, swap them if they are out of order</a:t>
-            </a:r>
-            <a:endParaRPr/>
-          </a:p>
-          <a:p>
-            <a:pPr lvl="1"/>
-            <a:r>
-              <a:rPr lang="en"/>
-              <a:t>Repeat until you make it through the array with 0 swaps</a:t>
-            </a:r>
-            <a:endParaRPr/>
-          </a:p>
-        </p:txBody>
-      </p:sp>
-      <p:sp>
-        <p:nvSpPr>
-          <p:cNvPr id="293" name="Google Shape;293;p36"/>
-          <p:cNvSpPr txBox="1">
-            <a:spLocks noGrp="1"/>
-          </p:cNvSpPr>
-          <p:nvPr>
-            <p:ph type="sldNum" idx="12"/>
-          </p:nvPr>
-        </p:nvSpPr>
-        <p:spPr>
-          <a:prstGeom prst="rect">
-            <a:avLst/>
-          </a:prstGeom>
-        </p:spPr>
-        <p:txBody>
-          <a:bodyPr spcFirstLastPara="1" vert="horz" wrap="square" lIns="100821" tIns="100821" rIns="100821" bIns="100821" numCol="1" anchor="ctr" anchorCtr="0" compatLnSpc="1">
-            <a:prstTxWarp prst="textNoShape">
-              <a:avLst/>
-            </a:prstTxWarp>
-            <a:noAutofit/>
-          </a:bodyPr>
-          <a:lstStyle/>
-          <a:p>
-            <a:pPr defTabSz="1008463">
-              <a:lnSpc>
-                <a:spcPct val="100000"/>
-              </a:lnSpc>
-              <a:buClr>
-                <a:srgbClr val="000000"/>
-              </a:buClr>
-            </a:pPr>
-            <a:fld id="{00000000-1234-1234-1234-123412341234}" type="slidenum">
-              <a:rPr lang="en" kern="0">
-                <a:cs typeface="Arial" panose="020B0604020202020204" pitchFamily="34" charset="0"/>
-              </a:rPr>
-              <a:pPr defTabSz="1008463">
-                <a:lnSpc>
-                  <a:spcPct val="100000"/>
-                </a:lnSpc>
-                <a:buClr>
-                  <a:srgbClr val="000000"/>
-                </a:buClr>
-              </a:pPr>
-              <a:t>10</a:t>
-            </a:fld>
-            <a:endParaRPr kern="0">
-              <a:cs typeface="Arial" panose="020B0604020202020204" pitchFamily="34" charset="0"/>
-            </a:endParaRPr>
-          </a:p>
-        </p:txBody>
-      </p:sp>
-      <p:sp>
-        <p:nvSpPr>
-          <p:cNvPr id="3" name="Footer Placeholder 2">
-            <a:extLst>
-              <a:ext uri="{FF2B5EF4-FFF2-40B4-BE49-F238E27FC236}">
-                <a16:creationId xmlns:a16="http://schemas.microsoft.com/office/drawing/2014/main" id="{CEAB4B0E-10AE-B542-A273-5230D3D07ED5}"/>
-              </a:ext>
-            </a:extLst>
-          </p:cNvPr>
-          <p:cNvSpPr>
-            <a:spLocks noGrp="1"/>
-          </p:cNvSpPr>
-          <p:nvPr>
-            <p:ph type="ftr" idx="11"/>
-          </p:nvPr>
-        </p:nvSpPr>
-        <p:spPr/>
-        <p:txBody>
-          <a:bodyPr/>
-          <a:lstStyle/>
-          <a:p>
-            <a:pPr defTabSz="457436" fontAlgn="base" hangingPunct="0">
-              <a:spcBef>
-                <a:spcPct val="0"/>
-              </a:spcBef>
-              <a:spcAft>
-                <a:spcPct val="0"/>
-              </a:spcAft>
-              <a:buClr>
-                <a:srgbClr val="000000"/>
-              </a:buClr>
-              <a:buSzPct val="100000"/>
-              <a:defRPr/>
-            </a:pPr>
-            <a:r>
-              <a:rPr lang="en-US">
-                <a:latin typeface="Arial"/>
-              </a:rPr>
-              <a:t>CS 1501 – Algorithms &amp; Data Structures 2 – Sherif Khattab</a:t>
-            </a:r>
-            <a:endParaRPr lang="en-GB"/>
-          </a:p>
-        </p:txBody>
-      </p:sp>
-      <p:sp>
-        <p:nvSpPr>
-          <p:cNvPr id="14" name="Google Shape;286;p36">
-            <a:extLst>
-              <a:ext uri="{FF2B5EF4-FFF2-40B4-BE49-F238E27FC236}">
-                <a16:creationId xmlns:a16="http://schemas.microsoft.com/office/drawing/2014/main" id="{39CF7B65-D792-464F-BB00-412CBEC22CB9}"/>
-              </a:ext>
-            </a:extLst>
-          </p:cNvPr>
-          <p:cNvSpPr/>
-          <p:nvPr/>
-        </p:nvSpPr>
-        <p:spPr>
-          <a:xfrm>
-            <a:off x="1264929" y="3171933"/>
-            <a:ext cx="7421816" cy="3154925"/>
-          </a:xfrm>
-          <a:prstGeom prst="rect">
-            <a:avLst/>
-          </a:prstGeom>
-          <a:solidFill>
-            <a:schemeClr val="lt2"/>
-          </a:solidFill>
-          <a:ln>
-            <a:noFill/>
-          </a:ln>
-        </p:spPr>
-        <p:txBody>
-          <a:bodyPr spcFirstLastPara="1" wrap="square" lIns="91463" tIns="91463" rIns="91463" bIns="91463" anchor="ctr" anchorCtr="0">
-            <a:noAutofit/>
-          </a:bodyPr>
-          <a:lstStyle/>
-          <a:p>
-            <a:pPr defTabSz="457436" fontAlgn="base" hangingPunct="0">
-              <a:lnSpc>
-                <a:spcPct val="69000"/>
-              </a:lnSpc>
-              <a:buClr>
-                <a:srgbClr val="000000"/>
-              </a:buClr>
-              <a:buSzPct val="100000"/>
-            </a:pPr>
-            <a:endParaRPr sz="1801">
-              <a:solidFill>
-                <a:srgbClr val="FFFFFF"/>
-              </a:solidFill>
-              <a:latin typeface="Arial" panose="020B0604020202020204" pitchFamily="34" charset="0"/>
-              <a:cs typeface="Arial" panose="020B0604020202020204" pitchFamily="34" charset="0"/>
-            </a:endParaRPr>
-          </a:p>
-        </p:txBody>
-      </p:sp>
-      <p:sp>
-        <p:nvSpPr>
-          <p:cNvPr id="15" name="Google Shape;287;p36">
-            <a:extLst>
-              <a:ext uri="{FF2B5EF4-FFF2-40B4-BE49-F238E27FC236}">
-                <a16:creationId xmlns:a16="http://schemas.microsoft.com/office/drawing/2014/main" id="{B1C29649-9822-8349-83C5-A1C689856AC7}"/>
-              </a:ext>
-            </a:extLst>
-          </p:cNvPr>
-          <p:cNvSpPr/>
-          <p:nvPr/>
-        </p:nvSpPr>
-        <p:spPr>
-          <a:xfrm>
-            <a:off x="1749032" y="3873052"/>
-            <a:ext cx="6744132" cy="2286961"/>
-          </a:xfrm>
-          <a:prstGeom prst="rect">
-            <a:avLst/>
-          </a:prstGeom>
-          <a:solidFill>
-            <a:srgbClr val="FFF2CC"/>
-          </a:solidFill>
-          <a:ln>
-            <a:noFill/>
-          </a:ln>
-        </p:spPr>
-        <p:txBody>
-          <a:bodyPr spcFirstLastPara="1" wrap="square" lIns="91463" tIns="91463" rIns="91463" bIns="91463" anchor="ctr" anchorCtr="0">
-            <a:noAutofit/>
-          </a:bodyPr>
-          <a:lstStyle/>
-          <a:p>
-            <a:pPr defTabSz="457436" fontAlgn="base" hangingPunct="0">
-              <a:lnSpc>
-                <a:spcPct val="69000"/>
-              </a:lnSpc>
-              <a:buClr>
-                <a:srgbClr val="000000"/>
-              </a:buClr>
-              <a:buSzPct val="100000"/>
-            </a:pPr>
-            <a:endParaRPr sz="1801">
-              <a:solidFill>
-                <a:srgbClr val="FFFFFF"/>
-              </a:solidFill>
-              <a:latin typeface="Arial" panose="020B0604020202020204" pitchFamily="34" charset="0"/>
-              <a:cs typeface="Arial" panose="020B0604020202020204" pitchFamily="34" charset="0"/>
-            </a:endParaRPr>
-          </a:p>
-        </p:txBody>
-      </p:sp>
-      <p:grpSp>
-        <p:nvGrpSpPr>
-          <p:cNvPr id="16" name="Google Shape;288;p36">
-            <a:extLst>
-              <a:ext uri="{FF2B5EF4-FFF2-40B4-BE49-F238E27FC236}">
-                <a16:creationId xmlns:a16="http://schemas.microsoft.com/office/drawing/2014/main" id="{8F1C1008-3DBF-264C-95FE-9AF121FAF36C}"/>
-              </a:ext>
-            </a:extLst>
-          </p:cNvPr>
-          <p:cNvGrpSpPr/>
-          <p:nvPr/>
-        </p:nvGrpSpPr>
-        <p:grpSpPr>
-          <a:xfrm>
-            <a:off x="2283234" y="4357130"/>
-            <a:ext cx="6026229" cy="1318803"/>
-            <a:chOff x="2252725" y="3554300"/>
-            <a:chExt cx="6023700" cy="1318250"/>
-          </a:xfrm>
-        </p:grpSpPr>
-        <p:sp>
-          <p:nvSpPr>
-            <p:cNvPr id="17" name="Google Shape;289;p36">
-              <a:extLst>
-                <a:ext uri="{FF2B5EF4-FFF2-40B4-BE49-F238E27FC236}">
-                  <a16:creationId xmlns:a16="http://schemas.microsoft.com/office/drawing/2014/main" id="{27AAD471-FB3A-C94A-B20E-0A1F776F5485}"/>
-                </a:ext>
-              </a:extLst>
-            </p:cNvPr>
-            <p:cNvSpPr/>
-            <p:nvPr/>
-          </p:nvSpPr>
-          <p:spPr>
-            <a:xfrm>
-              <a:off x="2252725" y="3854650"/>
-              <a:ext cx="6023700" cy="1017900"/>
-            </a:xfrm>
-            <a:prstGeom prst="rect">
-              <a:avLst/>
-            </a:prstGeom>
-            <a:solidFill>
-              <a:srgbClr val="CFE2F3"/>
-            </a:solidFill>
-            <a:ln>
-              <a:noFill/>
-            </a:ln>
-          </p:spPr>
-          <p:txBody>
-            <a:bodyPr spcFirstLastPara="1" wrap="square" lIns="91463" tIns="91463" rIns="91463" bIns="91463" anchor="ctr" anchorCtr="0">
-              <a:noAutofit/>
-            </a:bodyPr>
-            <a:lstStyle/>
-            <a:p>
-              <a:pPr defTabSz="457436" fontAlgn="base" hangingPunct="0">
-                <a:lnSpc>
-                  <a:spcPct val="69000"/>
-                </a:lnSpc>
-                <a:buClr>
-                  <a:srgbClr val="000000"/>
-                </a:buClr>
-                <a:buSzPct val="100000"/>
-              </a:pPr>
-              <a:endParaRPr sz="1801">
-                <a:solidFill>
-                  <a:srgbClr val="FFFFFF"/>
-                </a:solidFill>
-                <a:latin typeface="Arial" panose="020B0604020202020204" pitchFamily="34" charset="0"/>
-                <a:cs typeface="Arial" panose="020B0604020202020204" pitchFamily="34" charset="0"/>
-              </a:endParaRPr>
-            </a:p>
-          </p:txBody>
-        </p:sp>
-        <p:sp>
-          <p:nvSpPr>
-            <p:cNvPr id="18" name="Google Shape;290;p36">
-              <a:extLst>
-                <a:ext uri="{FF2B5EF4-FFF2-40B4-BE49-F238E27FC236}">
-                  <a16:creationId xmlns:a16="http://schemas.microsoft.com/office/drawing/2014/main" id="{51D6DFD0-E553-A440-A78D-AFCC2065CCCE}"/>
-                </a:ext>
-              </a:extLst>
-            </p:cNvPr>
-            <p:cNvSpPr/>
-            <p:nvPr/>
-          </p:nvSpPr>
-          <p:spPr>
-            <a:xfrm>
-              <a:off x="4021450" y="3554300"/>
-              <a:ext cx="2386200" cy="300300"/>
-            </a:xfrm>
-            <a:prstGeom prst="rect">
-              <a:avLst/>
-            </a:prstGeom>
-            <a:solidFill>
-              <a:srgbClr val="CFE2F3"/>
-            </a:solidFill>
-            <a:ln>
-              <a:noFill/>
-            </a:ln>
-          </p:spPr>
-          <p:txBody>
-            <a:bodyPr spcFirstLastPara="1" wrap="square" lIns="91463" tIns="91463" rIns="91463" bIns="91463" anchor="ctr" anchorCtr="0">
-              <a:noAutofit/>
-            </a:bodyPr>
-            <a:lstStyle/>
-            <a:p>
-              <a:pPr defTabSz="457436" fontAlgn="base" hangingPunct="0">
-                <a:lnSpc>
-                  <a:spcPct val="69000"/>
-                </a:lnSpc>
-                <a:buClr>
-                  <a:srgbClr val="000000"/>
-                </a:buClr>
-                <a:buSzPct val="100000"/>
-              </a:pPr>
-              <a:endParaRPr sz="1801">
-                <a:solidFill>
-                  <a:srgbClr val="FFFFFF"/>
-                </a:solidFill>
-                <a:latin typeface="Arial" panose="020B0604020202020204" pitchFamily="34" charset="0"/>
-                <a:cs typeface="Arial" panose="020B0604020202020204" pitchFamily="34" charset="0"/>
-              </a:endParaRPr>
-            </a:p>
-          </p:txBody>
-        </p:sp>
-      </p:grpSp>
-      <p:sp>
-        <p:nvSpPr>
-          <p:cNvPr id="19" name="Google Shape;291;p36">
-            <a:extLst>
-              <a:ext uri="{FF2B5EF4-FFF2-40B4-BE49-F238E27FC236}">
-                <a16:creationId xmlns:a16="http://schemas.microsoft.com/office/drawing/2014/main" id="{DA28DC6A-F846-584F-BB85-36DCFC566B06}"/>
-              </a:ext>
-            </a:extLst>
-          </p:cNvPr>
-          <p:cNvSpPr/>
-          <p:nvPr/>
-        </p:nvSpPr>
-        <p:spPr>
-          <a:xfrm>
-            <a:off x="3101175" y="5074682"/>
-            <a:ext cx="4624041" cy="317233"/>
-          </a:xfrm>
-          <a:prstGeom prst="rect">
-            <a:avLst/>
-          </a:prstGeom>
-          <a:solidFill>
-            <a:srgbClr val="E6B8AF"/>
-          </a:solidFill>
-          <a:ln>
-            <a:noFill/>
-          </a:ln>
-        </p:spPr>
-        <p:txBody>
-          <a:bodyPr spcFirstLastPara="1" wrap="square" lIns="91463" tIns="91463" rIns="91463" bIns="91463" anchor="ctr" anchorCtr="0">
-            <a:noAutofit/>
-          </a:bodyPr>
-          <a:lstStyle/>
-          <a:p>
-            <a:pPr defTabSz="457436" fontAlgn="base" hangingPunct="0">
-              <a:lnSpc>
-                <a:spcPct val="69000"/>
-              </a:lnSpc>
-              <a:buClr>
-                <a:srgbClr val="000000"/>
-              </a:buClr>
-              <a:buSzPct val="100000"/>
-            </a:pPr>
-            <a:endParaRPr sz="1801">
-              <a:solidFill>
-                <a:srgbClr val="FFFFFF"/>
-              </a:solidFill>
-              <a:latin typeface="Arial" panose="020B0604020202020204" pitchFamily="34" charset="0"/>
-              <a:cs typeface="Arial" panose="020B0604020202020204" pitchFamily="34" charset="0"/>
-            </a:endParaRPr>
-          </a:p>
-        </p:txBody>
-      </p:sp>
-      <p:sp>
-        <p:nvSpPr>
-          <p:cNvPr id="20" name="Google Shape;292;p36">
-            <a:extLst>
-              <a:ext uri="{FF2B5EF4-FFF2-40B4-BE49-F238E27FC236}">
-                <a16:creationId xmlns:a16="http://schemas.microsoft.com/office/drawing/2014/main" id="{64E38E5B-90D8-164C-8F8D-EA23C7EFA99D}"/>
-              </a:ext>
-            </a:extLst>
-          </p:cNvPr>
-          <p:cNvSpPr txBox="1">
-            <a:spLocks/>
-          </p:cNvSpPr>
-          <p:nvPr/>
-        </p:nvSpPr>
-        <p:spPr bwMode="auto">
-          <a:xfrm>
-            <a:off x="942443" y="2607320"/>
-            <a:ext cx="8644901" cy="3853017"/>
-          </a:xfrm>
-          <a:prstGeom prst="rect">
-            <a:avLst/>
-          </a:prstGeom>
-          <a:noFill/>
-          <a:ln>
-            <a:noFill/>
-          </a:ln>
-          <a:extLst>
-            <a:ext uri="{909E8E84-426E-40DD-AFC4-6F175D3DCCD1}">
-              <a14:hiddenFill xmlns:a14="http://schemas.microsoft.com/office/drawing/2010/main">
-                <a:solidFill>
-                  <a:srgbClr val="FFFFFF"/>
-                </a:solidFill>
-              </a14:hiddenFill>
-            </a:ext>
-            <a:ext uri="{91240B29-F687-4F45-9708-019B960494DF}">
-              <a14:hiddenLine xmlns:a14="http://schemas.microsoft.com/office/drawing/2010/main" w="9525">
-                <a:solidFill>
-                  <a:srgbClr val="000000"/>
-                </a:solidFill>
-                <a:round/>
-                <a:headEnd/>
-                <a:tailEnd/>
-              </a14:hiddenLine>
-            </a:ext>
-          </a:extLst>
-        </p:spPr>
-        <p:txBody>
-          <a:bodyPr spcFirstLastPara="1" vert="horz" wrap="square" lIns="91463" tIns="91463" rIns="91463" bIns="91463" numCol="1" anchor="t" anchorCtr="0" compatLnSpc="1">
-            <a:prstTxWarp prst="textNoShape">
-              <a:avLst/>
-            </a:prstTxWarp>
-            <a:noAutofit/>
-          </a:bodyPr>
-          <a:lstStyle>
-            <a:lvl1pPr marL="457200" indent="-457200" algn="l" defTabSz="457200" rtl="0" eaLnBrk="0" fontAlgn="base" hangingPunct="0">
-              <a:spcBef>
-                <a:spcPct val="0"/>
-              </a:spcBef>
-              <a:spcAft>
-                <a:spcPts val="1425"/>
-              </a:spcAft>
-              <a:buClr>
-                <a:srgbClr val="000000"/>
-              </a:buClr>
-              <a:buSzPct val="100000"/>
-              <a:buFont typeface="Arial" panose="020B0604020202020204" pitchFamily="34" charset="0"/>
-              <a:buChar char="•"/>
-              <a:defRPr sz="3200">
-                <a:solidFill>
-                  <a:srgbClr val="000000"/>
-                </a:solidFill>
-                <a:latin typeface="+mn-lt"/>
-                <a:ea typeface="+mn-ea"/>
-                <a:cs typeface="+mn-cs"/>
-              </a:defRPr>
-            </a:lvl1pPr>
-            <a:lvl2pPr marL="914400" indent="-457200" algn="l" defTabSz="457200" rtl="0" eaLnBrk="0" fontAlgn="base" hangingPunct="0">
-              <a:spcBef>
-                <a:spcPct val="0"/>
-              </a:spcBef>
-              <a:spcAft>
-                <a:spcPts val="1138"/>
-              </a:spcAft>
-              <a:buClr>
-                <a:srgbClr val="000000"/>
-              </a:buClr>
-              <a:buSzPct val="100000"/>
-              <a:buFont typeface="Arial" panose="020B0604020202020204" pitchFamily="34" charset="0"/>
-              <a:buChar char="•"/>
-              <a:defRPr sz="2800">
-                <a:solidFill>
-                  <a:srgbClr val="000000"/>
-                </a:solidFill>
-                <a:latin typeface="+mn-lt"/>
-                <a:cs typeface="+mn-cs"/>
-              </a:defRPr>
-            </a:lvl2pPr>
-            <a:lvl3pPr marL="1257300" indent="-342900" algn="l" defTabSz="457200" rtl="0" eaLnBrk="0" fontAlgn="base" hangingPunct="0">
-              <a:spcBef>
-                <a:spcPct val="0"/>
-              </a:spcBef>
-              <a:spcAft>
-                <a:spcPts val="850"/>
-              </a:spcAft>
-              <a:buClr>
-                <a:srgbClr val="000000"/>
-              </a:buClr>
-              <a:buSzPct val="100000"/>
-              <a:buFont typeface="Arial" panose="020B0604020202020204" pitchFamily="34" charset="0"/>
-              <a:buChar char="•"/>
-              <a:defRPr sz="2400">
-                <a:solidFill>
-                  <a:srgbClr val="000000"/>
-                </a:solidFill>
-                <a:latin typeface="+mn-lt"/>
-                <a:cs typeface="+mn-cs"/>
-              </a:defRPr>
-            </a:lvl3pPr>
-            <a:lvl4pPr marL="1714500" indent="-342900" algn="l" defTabSz="457200" rtl="0" eaLnBrk="0" fontAlgn="base" hangingPunct="0">
-              <a:spcBef>
-                <a:spcPct val="0"/>
-              </a:spcBef>
-              <a:spcAft>
-                <a:spcPts val="575"/>
-              </a:spcAft>
-              <a:buClr>
-                <a:srgbClr val="000000"/>
-              </a:buClr>
-              <a:buSzPct val="100000"/>
-              <a:buFont typeface="Arial" panose="020B0604020202020204" pitchFamily="34" charset="0"/>
-              <a:buChar char="•"/>
-              <a:defRPr sz="2000">
-                <a:solidFill>
-                  <a:srgbClr val="000000"/>
-                </a:solidFill>
-                <a:latin typeface="+mn-lt"/>
-                <a:cs typeface="+mn-cs"/>
-              </a:defRPr>
-            </a:lvl4pPr>
-            <a:lvl5pPr marL="2171700" indent="-342900" algn="l" defTabSz="457200" rtl="0" eaLnBrk="0" fontAlgn="base" hangingPunct="0">
-              <a:spcBef>
-                <a:spcPct val="0"/>
-              </a:spcBef>
-              <a:spcAft>
-                <a:spcPts val="288"/>
-              </a:spcAft>
-              <a:buClr>
-                <a:srgbClr val="000000"/>
-              </a:buClr>
-              <a:buSzPct val="100000"/>
-              <a:buFont typeface="Arial" panose="020B0604020202020204" pitchFamily="34" charset="0"/>
-              <a:buChar char="•"/>
-              <a:defRPr sz="2000">
-                <a:solidFill>
-                  <a:srgbClr val="000000"/>
-                </a:solidFill>
-                <a:latin typeface="+mn-lt"/>
-                <a:cs typeface="+mn-cs"/>
-              </a:defRPr>
-            </a:lvl5pPr>
-            <a:lvl6pPr marL="2514600" indent="-228600" algn="l" defTabSz="457200" rtl="0" fontAlgn="base" hangingPunct="0">
-              <a:lnSpc>
-                <a:spcPct val="69000"/>
-              </a:lnSpc>
-              <a:spcBef>
-                <a:spcPct val="0"/>
-              </a:spcBef>
-              <a:spcAft>
-                <a:spcPts val="288"/>
-              </a:spcAft>
-              <a:buClr>
-                <a:srgbClr val="000000"/>
-              </a:buClr>
-              <a:buSzPct val="100000"/>
-              <a:buFont typeface="Times New Roman" pitchFamily="16" charset="0"/>
-              <a:defRPr sz="2000">
-                <a:solidFill>
-                  <a:srgbClr val="000000"/>
-                </a:solidFill>
-                <a:latin typeface="+mn-lt"/>
-                <a:cs typeface="+mn-cs"/>
-              </a:defRPr>
-            </a:lvl6pPr>
-            <a:lvl7pPr marL="2971800" indent="-228600" algn="l" defTabSz="457200" rtl="0" fontAlgn="base" hangingPunct="0">
-              <a:lnSpc>
-                <a:spcPct val="69000"/>
-              </a:lnSpc>
-              <a:spcBef>
-                <a:spcPct val="0"/>
-              </a:spcBef>
-              <a:spcAft>
-                <a:spcPts val="288"/>
-              </a:spcAft>
-              <a:buClr>
-                <a:srgbClr val="000000"/>
-              </a:buClr>
-              <a:buSzPct val="100000"/>
-              <a:buFont typeface="Times New Roman" pitchFamily="16" charset="0"/>
-              <a:defRPr sz="2000">
-                <a:solidFill>
-                  <a:srgbClr val="000000"/>
-                </a:solidFill>
-                <a:latin typeface="+mn-lt"/>
-                <a:cs typeface="+mn-cs"/>
-              </a:defRPr>
-            </a:lvl7pPr>
-            <a:lvl8pPr marL="3429000" indent="-228600" algn="l" defTabSz="457200" rtl="0" fontAlgn="base" hangingPunct="0">
-              <a:lnSpc>
-                <a:spcPct val="69000"/>
-              </a:lnSpc>
-              <a:spcBef>
-                <a:spcPct val="0"/>
-              </a:spcBef>
-              <a:spcAft>
-                <a:spcPts val="288"/>
-              </a:spcAft>
-              <a:buClr>
-                <a:srgbClr val="000000"/>
-              </a:buClr>
-              <a:buSzPct val="100000"/>
-              <a:buFont typeface="Times New Roman" pitchFamily="16" charset="0"/>
-              <a:defRPr sz="2000">
-                <a:solidFill>
-                  <a:srgbClr val="000000"/>
-                </a:solidFill>
-                <a:latin typeface="+mn-lt"/>
-                <a:cs typeface="+mn-cs"/>
-              </a:defRPr>
-            </a:lvl8pPr>
-            <a:lvl9pPr marL="3886200" indent="-228600" algn="l" defTabSz="457200" rtl="0" fontAlgn="base" hangingPunct="0">
-              <a:lnSpc>
-                <a:spcPct val="69000"/>
-              </a:lnSpc>
-              <a:spcBef>
-                <a:spcPct val="0"/>
-              </a:spcBef>
-              <a:spcAft>
-                <a:spcPts val="288"/>
-              </a:spcAft>
-              <a:buClr>
-                <a:srgbClr val="000000"/>
-              </a:buClr>
-              <a:buSzPct val="100000"/>
-              <a:buFont typeface="Times New Roman" pitchFamily="16" charset="0"/>
-              <a:defRPr sz="2000">
-                <a:solidFill>
-                  <a:srgbClr val="000000"/>
-                </a:solidFill>
-                <a:latin typeface="+mn-lt"/>
-                <a:cs typeface="+mn-cs"/>
-              </a:defRPr>
-            </a:lvl9pPr>
-          </a:lstStyle>
-          <a:p>
-            <a:pPr marL="0" indent="0" defTabSz="457436">
-              <a:spcBef>
-                <a:spcPts val="600"/>
-              </a:spcBef>
-              <a:spcAft>
-                <a:spcPts val="0"/>
-              </a:spcAft>
-              <a:buNone/>
-            </a:pPr>
-            <a:r>
-              <a:rPr lang="en-US" sz="2001" kern="0">
-                <a:solidFill>
-                  <a:srgbClr val="783F04"/>
-                </a:solidFill>
-                <a:latin typeface="Consolas"/>
-                <a:ea typeface="Consolas"/>
-                <a:cs typeface="Consolas"/>
-                <a:sym typeface="Consolas"/>
-              </a:rPr>
-              <a:t>&lt;T extends Comparable&lt;? super T&gt;&gt; void </a:t>
-            </a:r>
-            <a:r>
-              <a:rPr lang="en-US" sz="2001" kern="0" err="1">
-                <a:solidFill>
-                  <a:srgbClr val="783F04"/>
-                </a:solidFill>
-                <a:latin typeface="Consolas"/>
-                <a:ea typeface="Consolas"/>
-                <a:cs typeface="Consolas"/>
-                <a:sym typeface="Consolas"/>
-              </a:rPr>
-              <a:t>bubbleSort</a:t>
-            </a:r>
-            <a:r>
-              <a:rPr lang="en-US" sz="2001" kern="0">
-                <a:solidFill>
-                  <a:srgbClr val="783F04"/>
-                </a:solidFill>
-                <a:latin typeface="Consolas"/>
-                <a:ea typeface="Consolas"/>
-                <a:cs typeface="Consolas"/>
-                <a:sym typeface="Consolas"/>
-              </a:rPr>
-              <a:t>(T [] a) {</a:t>
-            </a:r>
-          </a:p>
-          <a:p>
-            <a:pPr marL="0" indent="0" defTabSz="457436">
-              <a:spcBef>
-                <a:spcPts val="600"/>
-              </a:spcBef>
-              <a:spcAft>
-                <a:spcPts val="0"/>
-              </a:spcAft>
-              <a:buNone/>
-            </a:pPr>
-            <a:r>
-              <a:rPr lang="en-US" sz="2001" kern="0">
-                <a:solidFill>
-                  <a:srgbClr val="783F04"/>
-                </a:solidFill>
-                <a:latin typeface="Consolas"/>
-                <a:ea typeface="Consolas"/>
-                <a:cs typeface="Consolas"/>
-                <a:sym typeface="Consolas"/>
-              </a:rPr>
-              <a:t>	</a:t>
-            </a:r>
-            <a:r>
-              <a:rPr lang="en-US" sz="2001" kern="0" err="1">
-                <a:solidFill>
-                  <a:srgbClr val="783F04"/>
-                </a:solidFill>
-                <a:latin typeface="Consolas"/>
-                <a:ea typeface="Consolas"/>
-                <a:cs typeface="Consolas"/>
-                <a:sym typeface="Consolas"/>
-              </a:rPr>
-              <a:t>boolean</a:t>
-            </a:r>
-            <a:r>
-              <a:rPr lang="en-US" sz="2001" kern="0">
-                <a:solidFill>
-                  <a:srgbClr val="783F04"/>
-                </a:solidFill>
-                <a:latin typeface="Consolas"/>
-                <a:ea typeface="Consolas"/>
-                <a:cs typeface="Consolas"/>
-                <a:sym typeface="Consolas"/>
-              </a:rPr>
-              <a:t> swapped;</a:t>
-            </a:r>
-          </a:p>
-          <a:p>
-            <a:pPr marL="0" indent="457436" defTabSz="457436">
-              <a:spcBef>
-                <a:spcPts val="600"/>
-              </a:spcBef>
-              <a:spcAft>
-                <a:spcPts val="0"/>
-              </a:spcAft>
-              <a:buNone/>
-            </a:pPr>
-            <a:r>
-              <a:rPr lang="en-US" sz="2001" kern="0">
-                <a:solidFill>
-                  <a:srgbClr val="783F04"/>
-                </a:solidFill>
-                <a:latin typeface="Consolas"/>
-                <a:ea typeface="Consolas"/>
-                <a:cs typeface="Consolas"/>
-                <a:sym typeface="Consolas"/>
-              </a:rPr>
-              <a:t>do {</a:t>
-            </a:r>
-          </a:p>
-          <a:p>
-            <a:pPr marL="0" indent="0" defTabSz="457436">
-              <a:spcBef>
-                <a:spcPts val="600"/>
-              </a:spcBef>
-              <a:spcAft>
-                <a:spcPts val="0"/>
-              </a:spcAft>
-              <a:buNone/>
-            </a:pPr>
-            <a:r>
-              <a:rPr lang="en-US" sz="2001" kern="0">
-                <a:solidFill>
-                  <a:srgbClr val="783F04"/>
-                </a:solidFill>
-                <a:latin typeface="Consolas"/>
-                <a:ea typeface="Consolas"/>
-                <a:cs typeface="Consolas"/>
-                <a:sym typeface="Consolas"/>
-              </a:rPr>
-              <a:t>		swapped = false;</a:t>
-            </a:r>
-          </a:p>
-          <a:p>
-            <a:pPr marL="0" indent="0" defTabSz="457436">
-              <a:spcBef>
-                <a:spcPts val="600"/>
-              </a:spcBef>
-              <a:spcAft>
-                <a:spcPts val="0"/>
-              </a:spcAft>
-              <a:buNone/>
-            </a:pPr>
-            <a:r>
-              <a:rPr lang="en-US" sz="2001" kern="0">
-                <a:solidFill>
-                  <a:srgbClr val="783F04"/>
-                </a:solidFill>
-                <a:latin typeface="Consolas"/>
-                <a:ea typeface="Consolas"/>
-                <a:cs typeface="Consolas"/>
-                <a:sym typeface="Consolas"/>
-              </a:rPr>
-              <a:t>		for(int j = 1; j &lt; </a:t>
-            </a:r>
-            <a:r>
-              <a:rPr lang="en-US" sz="2001" kern="0" err="1">
-                <a:solidFill>
-                  <a:srgbClr val="783F04"/>
-                </a:solidFill>
-                <a:latin typeface="Consolas"/>
-                <a:ea typeface="Consolas"/>
-                <a:cs typeface="Consolas"/>
-                <a:sym typeface="Consolas"/>
-              </a:rPr>
-              <a:t>a.length</a:t>
-            </a:r>
-            <a:r>
-              <a:rPr lang="en-US" sz="2001" kern="0">
-                <a:solidFill>
-                  <a:srgbClr val="783F04"/>
-                </a:solidFill>
-                <a:latin typeface="Consolas"/>
-                <a:ea typeface="Consolas"/>
-                <a:cs typeface="Consolas"/>
-                <a:sym typeface="Consolas"/>
-              </a:rPr>
-              <a:t>; </a:t>
-            </a:r>
-            <a:r>
-              <a:rPr lang="en-US" sz="2001" kern="0" err="1">
-                <a:solidFill>
-                  <a:srgbClr val="783F04"/>
-                </a:solidFill>
-                <a:latin typeface="Consolas"/>
-                <a:ea typeface="Consolas"/>
-                <a:cs typeface="Consolas"/>
-                <a:sym typeface="Consolas"/>
-              </a:rPr>
-              <a:t>j++</a:t>
-            </a:r>
-            <a:r>
-              <a:rPr lang="en-US" sz="2001" kern="0">
-                <a:solidFill>
-                  <a:srgbClr val="783F04"/>
-                </a:solidFill>
-                <a:latin typeface="Consolas"/>
-                <a:ea typeface="Consolas"/>
-                <a:cs typeface="Consolas"/>
-                <a:sym typeface="Consolas"/>
-              </a:rPr>
-              <a:t>) {</a:t>
-            </a:r>
-          </a:p>
-          <a:p>
-            <a:pPr marL="0" indent="0" defTabSz="457436">
-              <a:spcBef>
-                <a:spcPts val="600"/>
-              </a:spcBef>
-              <a:spcAft>
-                <a:spcPts val="0"/>
-              </a:spcAft>
-              <a:buNone/>
-            </a:pPr>
-            <a:r>
-              <a:rPr lang="en-US" sz="2001" kern="0">
-                <a:solidFill>
-                  <a:srgbClr val="783F04"/>
-                </a:solidFill>
-                <a:latin typeface="Consolas"/>
-                <a:ea typeface="Consolas"/>
-                <a:cs typeface="Consolas"/>
-                <a:sym typeface="Consolas"/>
-              </a:rPr>
-              <a:t>			if (less(a[j], a[j-1]))</a:t>
-            </a:r>
-          </a:p>
-          <a:p>
-            <a:pPr marL="0" indent="0" defTabSz="457436">
-              <a:spcBef>
-                <a:spcPts val="600"/>
-              </a:spcBef>
-              <a:spcAft>
-                <a:spcPts val="0"/>
-              </a:spcAft>
-              <a:buNone/>
-            </a:pPr>
-            <a:r>
-              <a:rPr lang="en-US" sz="2001" kern="0">
-                <a:solidFill>
-                  <a:srgbClr val="783F04"/>
-                </a:solidFill>
-                <a:latin typeface="Consolas"/>
-                <a:ea typeface="Consolas"/>
-                <a:cs typeface="Consolas"/>
-                <a:sym typeface="Consolas"/>
-              </a:rPr>
-              <a:t>				{ </a:t>
-            </a:r>
-            <a:r>
-              <a:rPr lang="en-US" sz="2001" kern="0" err="1">
-                <a:solidFill>
-                  <a:srgbClr val="783F04"/>
-                </a:solidFill>
-                <a:latin typeface="Consolas"/>
-                <a:ea typeface="Consolas"/>
-                <a:cs typeface="Consolas"/>
-                <a:sym typeface="Consolas"/>
-              </a:rPr>
-              <a:t>exch</a:t>
-            </a:r>
-            <a:r>
-              <a:rPr lang="en-US" sz="2001" kern="0">
-                <a:solidFill>
-                  <a:srgbClr val="783F04"/>
-                </a:solidFill>
-                <a:latin typeface="Consolas"/>
-                <a:ea typeface="Consolas"/>
-                <a:cs typeface="Consolas"/>
-                <a:sym typeface="Consolas"/>
-              </a:rPr>
-              <a:t>(a, j-1, j); swapped = true; }</a:t>
-            </a:r>
-          </a:p>
-          <a:p>
-            <a:pPr marL="0" indent="0" defTabSz="457436">
-              <a:spcBef>
-                <a:spcPts val="600"/>
-              </a:spcBef>
-              <a:spcAft>
-                <a:spcPts val="0"/>
-              </a:spcAft>
-              <a:buNone/>
-            </a:pPr>
-            <a:r>
-              <a:rPr lang="en-US" sz="2001" kern="0">
-                <a:solidFill>
-                  <a:srgbClr val="783F04"/>
-                </a:solidFill>
-                <a:latin typeface="Consolas"/>
-                <a:ea typeface="Consolas"/>
-                <a:cs typeface="Consolas"/>
-                <a:sym typeface="Consolas"/>
-              </a:rPr>
-              <a:t>		}</a:t>
-            </a:r>
-          </a:p>
-          <a:p>
-            <a:pPr marL="0" indent="0" defTabSz="457436">
-              <a:spcBef>
-                <a:spcPts val="600"/>
-              </a:spcBef>
-              <a:spcAft>
-                <a:spcPts val="0"/>
-              </a:spcAft>
-              <a:buNone/>
-            </a:pPr>
-            <a:r>
-              <a:rPr lang="en-US" sz="2001" kern="0">
-                <a:solidFill>
-                  <a:srgbClr val="783F04"/>
-                </a:solidFill>
-                <a:latin typeface="Consolas"/>
-                <a:ea typeface="Consolas"/>
-                <a:cs typeface="Consolas"/>
-                <a:sym typeface="Consolas"/>
-              </a:rPr>
-              <a:t>	} while(swapped);</a:t>
-            </a:r>
-          </a:p>
-          <a:p>
-            <a:pPr marL="0" indent="0" defTabSz="457436">
-              <a:spcBef>
-                <a:spcPts val="600"/>
-              </a:spcBef>
-              <a:spcAft>
-                <a:spcPts val="0"/>
-              </a:spcAft>
-              <a:buNone/>
-            </a:pPr>
-            <a:r>
-              <a:rPr lang="en-US" sz="2001" kern="0">
-                <a:solidFill>
-                  <a:srgbClr val="783F04"/>
-                </a:solidFill>
-                <a:latin typeface="Consolas"/>
-                <a:ea typeface="Consolas"/>
-                <a:cs typeface="Consolas"/>
-                <a:sym typeface="Consolas"/>
-              </a:rPr>
-              <a:t>}</a:t>
-            </a:r>
-          </a:p>
-        </p:txBody>
-      </p:sp>
-      <p:pic>
-        <p:nvPicPr>
-          <p:cNvPr id="5" name="Picture 4">
-            <a:extLst>
-              <a:ext uri="{FF2B5EF4-FFF2-40B4-BE49-F238E27FC236}">
-                <a16:creationId xmlns:a16="http://schemas.microsoft.com/office/drawing/2014/main" id="{F32A00F2-37BD-4EAA-8246-BD992ACFADC3}"/>
-              </a:ext>
-            </a:extLst>
-          </p:cNvPr>
-          <p:cNvPicPr>
-            <a:picLocks noChangeAspect="1"/>
-          </p:cNvPicPr>
-          <p:nvPr/>
-        </p:nvPicPr>
-        <p:blipFill>
-          <a:blip r:embed="rId3"/>
-          <a:stretch>
-            <a:fillRect/>
-          </a:stretch>
-        </p:blipFill>
-        <p:spPr>
-          <a:xfrm>
-            <a:off x="6357154" y="3171878"/>
-            <a:ext cx="3326981" cy="1018327"/>
-          </a:xfrm>
-          <a:prstGeom prst="rect">
-            <a:avLst/>
-          </a:prstGeom>
-        </p:spPr>
-      </p:pic>
-    </p:spTree>
-    <p:extLst>
-      <p:ext uri="{BB962C8B-B14F-4D97-AF65-F5344CB8AC3E}">
-        <p14:creationId xmlns:p14="http://schemas.microsoft.com/office/powerpoint/2010/main" val="1092592367"/>
-      </p:ext>
-    </p:extLst>
-  </p:cSld>
-  <p:clrMapOvr>
-    <a:masterClrMapping/>
-  </p:clrMapOvr>
-  <p:timing>
-    <p:tnLst>
-      <p:par>
-        <p:cTn id="1" dur="indefinite" restart="never" nodeType="tmRoot">
-          <p:childTnLst>
-            <p:seq concurrent="1" nextAc="seek">
-              <p:cTn id="2" dur="indefinite" nodeType="mainSeq">
-                <p:childTnLst>
-                  <p:par>
-                    <p:cTn id="3" fill="hold">
-                      <p:stCondLst>
-                        <p:cond delay="indefinite"/>
-                      </p:stCondLst>
-                      <p:childTnLst>
-                        <p:par>
-                          <p:cTn id="4" fill="hold">
-                            <p:stCondLst>
-                              <p:cond delay="0"/>
-                            </p:stCondLst>
-                            <p:childTnLst>
-                              <p:par>
-                                <p:cTn id="5" presetID="10" presetClass="entr" presetSubtype="0" fill="hold" nodeType="clickEffect">
-                                  <p:stCondLst>
-                                    <p:cond delay="0"/>
-                                  </p:stCondLst>
-                                  <p:childTnLst>
-                                    <p:set>
-                                      <p:cBhvr>
-                                        <p:cTn id="6" dur="1" fill="hold">
-                                          <p:stCondLst>
-                                            <p:cond delay="0"/>
-                                          </p:stCondLst>
-                                        </p:cTn>
-                                        <p:tgtEl>
-                                          <p:spTgt spid="284">
-                                            <p:txEl>
-                                              <p:pRg st="0" end="0"/>
-                                            </p:txEl>
-                                          </p:spTgt>
-                                        </p:tgtEl>
-                                        <p:attrNameLst>
-                                          <p:attrName>style.visibility</p:attrName>
-                                        </p:attrNameLst>
-                                      </p:cBhvr>
-                                      <p:to>
-                                        <p:strVal val="visible"/>
-                                      </p:to>
-                                    </p:set>
-                                    <p:animEffect transition="in" filter="fade">
-                                      <p:cBhvr>
-                                        <p:cTn id="7" dur="100"/>
-                                        <p:tgtEl>
-                                          <p:spTgt spid="284">
-                                            <p:txEl>
-                                              <p:pRg st="0" end="0"/>
-                                            </p:txEl>
-                                          </p:spTgt>
-                                        </p:tgtEl>
-                                      </p:cBhvr>
-                                    </p:animEffect>
-                                  </p:childTnLst>
-                                </p:cTn>
-                              </p:par>
-                            </p:childTnLst>
-                          </p:cTn>
-                        </p:par>
-                      </p:childTnLst>
-                    </p:cTn>
-                  </p:par>
-                  <p:par>
-                    <p:cTn id="8" fill="hold">
-                      <p:stCondLst>
-                        <p:cond delay="indefinite"/>
-                      </p:stCondLst>
-                      <p:childTnLst>
-                        <p:par>
-                          <p:cTn id="9" fill="hold">
-                            <p:stCondLst>
-                              <p:cond delay="0"/>
-                            </p:stCondLst>
-                            <p:childTnLst>
-                              <p:par>
-                                <p:cTn id="10" presetID="10" presetClass="entr" presetSubtype="0" fill="hold" nodeType="clickEffect">
-                                  <p:stCondLst>
-                                    <p:cond delay="0"/>
-                                  </p:stCondLst>
-                                  <p:childTnLst>
-                                    <p:set>
-                                      <p:cBhvr>
-                                        <p:cTn id="11" dur="1" fill="hold">
-                                          <p:stCondLst>
-                                            <p:cond delay="0"/>
-                                          </p:stCondLst>
-                                        </p:cTn>
-                                        <p:tgtEl>
-                                          <p:spTgt spid="284">
-                                            <p:txEl>
-                                              <p:pRg st="1" end="1"/>
-                                            </p:txEl>
-                                          </p:spTgt>
-                                        </p:tgtEl>
-                                        <p:attrNameLst>
-                                          <p:attrName>style.visibility</p:attrName>
-                                        </p:attrNameLst>
-                                      </p:cBhvr>
-                                      <p:to>
-                                        <p:strVal val="visible"/>
-                                      </p:to>
-                                    </p:set>
-                                    <p:animEffect transition="in" filter="fade">
-                                      <p:cBhvr>
-                                        <p:cTn id="12" dur="100"/>
-                                        <p:tgtEl>
-                                          <p:spTgt spid="284">
-                                            <p:txEl>
-                                              <p:pRg st="1" end="1"/>
-                                            </p:txEl>
-                                          </p:spTgt>
-                                        </p:tgtEl>
-                                      </p:cBhvr>
-                                    </p:animEffect>
-                                  </p:childTnLst>
-                                </p:cTn>
-                              </p:par>
-                            </p:childTnLst>
-                          </p:cTn>
-                        </p:par>
-                      </p:childTnLst>
-                    </p:cTn>
-                  </p:par>
-                  <p:par>
-                    <p:cTn id="13" fill="hold">
-                      <p:stCondLst>
-                        <p:cond delay="indefinite"/>
-                      </p:stCondLst>
-                      <p:childTnLst>
-                        <p:par>
-                          <p:cTn id="14" fill="hold">
-                            <p:stCondLst>
-                              <p:cond delay="0"/>
-                            </p:stCondLst>
-                            <p:childTnLst>
-                              <p:par>
-                                <p:cTn id="15" presetID="10" presetClass="entr" presetSubtype="0" fill="hold" nodeType="clickEffect">
-                                  <p:stCondLst>
-                                    <p:cond delay="0"/>
-                                  </p:stCondLst>
-                                  <p:childTnLst>
-                                    <p:set>
-                                      <p:cBhvr>
-                                        <p:cTn id="16" dur="1" fill="hold">
-                                          <p:stCondLst>
-                                            <p:cond delay="0"/>
-                                          </p:stCondLst>
-                                        </p:cTn>
-                                        <p:tgtEl>
-                                          <p:spTgt spid="20"/>
-                                        </p:tgtEl>
-                                        <p:attrNameLst>
-                                          <p:attrName>style.visibility</p:attrName>
-                                        </p:attrNameLst>
-                                      </p:cBhvr>
-                                      <p:to>
-                                        <p:strVal val="visible"/>
-                                      </p:to>
-                                    </p:set>
-                                    <p:animEffect transition="in" filter="fade">
-                                      <p:cBhvr>
-                                        <p:cTn id="17" dur="100"/>
-                                        <p:tgtEl>
-                                          <p:spTgt spid="20"/>
-                                        </p:tgtEl>
-                                      </p:cBhvr>
-                                    </p:animEffect>
-                                  </p:childTnLst>
-                                </p:cTn>
-                              </p:par>
-                            </p:childTnLst>
-                          </p:cTn>
-                        </p:par>
-                      </p:childTnLst>
-                    </p:cTn>
-                  </p:par>
-                  <p:par>
-                    <p:cTn id="18" fill="hold">
-                      <p:stCondLst>
-                        <p:cond delay="indefinite"/>
-                      </p:stCondLst>
-                      <p:childTnLst>
-                        <p:par>
-                          <p:cTn id="19" fill="hold">
-                            <p:stCondLst>
-                              <p:cond delay="0"/>
-                            </p:stCondLst>
-                            <p:childTnLst>
-                              <p:par>
-                                <p:cTn id="20" presetID="10" presetClass="entr" presetSubtype="0" fill="hold" nodeType="clickEffect">
-                                  <p:stCondLst>
-                                    <p:cond delay="0"/>
-                                  </p:stCondLst>
-                                  <p:childTnLst>
-                                    <p:set>
-                                      <p:cBhvr>
-                                        <p:cTn id="21" dur="1" fill="hold">
-                                          <p:stCondLst>
-                                            <p:cond delay="0"/>
-                                          </p:stCondLst>
-                                        </p:cTn>
-                                        <p:tgtEl>
-                                          <p:spTgt spid="14"/>
-                                        </p:tgtEl>
-                                        <p:attrNameLst>
-                                          <p:attrName>style.visibility</p:attrName>
-                                        </p:attrNameLst>
-                                      </p:cBhvr>
-                                      <p:to>
-                                        <p:strVal val="visible"/>
-                                      </p:to>
-                                    </p:set>
-                                    <p:animEffect transition="in" filter="fade">
-                                      <p:cBhvr>
-                                        <p:cTn id="22" dur="100"/>
-                                        <p:tgtEl>
-                                          <p:spTgt spid="14"/>
-                                        </p:tgtEl>
-                                      </p:cBhvr>
-                                    </p:animEffect>
-                                  </p:childTnLst>
-                                </p:cTn>
-                              </p:par>
-                            </p:childTnLst>
-                          </p:cTn>
-                        </p:par>
-                      </p:childTnLst>
-                    </p:cTn>
-                  </p:par>
-                  <p:par>
-                    <p:cTn id="23" fill="hold">
-                      <p:stCondLst>
-                        <p:cond delay="indefinite"/>
-                      </p:stCondLst>
-                      <p:childTnLst>
-                        <p:par>
-                          <p:cTn id="24" fill="hold">
-                            <p:stCondLst>
-                              <p:cond delay="0"/>
-                            </p:stCondLst>
-                            <p:childTnLst>
-                              <p:par>
-                                <p:cTn id="25" presetID="10" presetClass="entr" presetSubtype="0" fill="hold" nodeType="clickEffect">
-                                  <p:stCondLst>
-                                    <p:cond delay="0"/>
-                                  </p:stCondLst>
-                                  <p:childTnLst>
-                                    <p:set>
-                                      <p:cBhvr>
-                                        <p:cTn id="26" dur="1" fill="hold">
-                                          <p:stCondLst>
-                                            <p:cond delay="0"/>
-                                          </p:stCondLst>
-                                        </p:cTn>
-                                        <p:tgtEl>
-                                          <p:spTgt spid="15"/>
-                                        </p:tgtEl>
-                                        <p:attrNameLst>
-                                          <p:attrName>style.visibility</p:attrName>
-                                        </p:attrNameLst>
-                                      </p:cBhvr>
-                                      <p:to>
-                                        <p:strVal val="visible"/>
-                                      </p:to>
-                                    </p:set>
-                                    <p:animEffect transition="in" filter="fade">
-                                      <p:cBhvr>
-                                        <p:cTn id="27" dur="100"/>
-                                        <p:tgtEl>
-                                          <p:spTgt spid="15"/>
-                                        </p:tgtEl>
-                                      </p:cBhvr>
-                                    </p:animEffect>
-                                  </p:childTnLst>
-                                </p:cTn>
-                              </p:par>
-                            </p:childTnLst>
-                          </p:cTn>
-                        </p:par>
-                      </p:childTnLst>
-                    </p:cTn>
-                  </p:par>
-                  <p:par>
-                    <p:cTn id="28" fill="hold">
-                      <p:stCondLst>
-                        <p:cond delay="indefinite"/>
-                      </p:stCondLst>
-                      <p:childTnLst>
-                        <p:par>
-                          <p:cTn id="29" fill="hold">
-                            <p:stCondLst>
-                              <p:cond delay="0"/>
-                            </p:stCondLst>
-                            <p:childTnLst>
-                              <p:par>
-                                <p:cTn id="30" presetID="10" presetClass="entr" presetSubtype="0" fill="hold" nodeType="clickEffect">
-                                  <p:stCondLst>
-                                    <p:cond delay="0"/>
-                                  </p:stCondLst>
-                                  <p:childTnLst>
-                                    <p:set>
-                                      <p:cBhvr>
-                                        <p:cTn id="31" dur="1" fill="hold">
-                                          <p:stCondLst>
-                                            <p:cond delay="0"/>
-                                          </p:stCondLst>
-                                        </p:cTn>
-                                        <p:tgtEl>
-                                          <p:spTgt spid="16"/>
-                                        </p:tgtEl>
-                                        <p:attrNameLst>
-                                          <p:attrName>style.visibility</p:attrName>
-                                        </p:attrNameLst>
-                                      </p:cBhvr>
-                                      <p:to>
-                                        <p:strVal val="visible"/>
-                                      </p:to>
-                                    </p:set>
-                                    <p:animEffect transition="in" filter="fade">
-                                      <p:cBhvr>
-                                        <p:cTn id="32" dur="100"/>
-                                        <p:tgtEl>
-                                          <p:spTgt spid="16"/>
-                                        </p:tgtEl>
-                                      </p:cBhvr>
-                                    </p:animEffect>
-                                  </p:childTnLst>
-                                </p:cTn>
-                              </p:par>
-                            </p:childTnLst>
-                          </p:cTn>
-                        </p:par>
-                      </p:childTnLst>
-                    </p:cTn>
-                  </p:par>
-                  <p:par>
-                    <p:cTn id="33" fill="hold">
-                      <p:stCondLst>
-                        <p:cond delay="indefinite"/>
-                      </p:stCondLst>
-                      <p:childTnLst>
-                        <p:par>
-                          <p:cTn id="34" fill="hold">
-                            <p:stCondLst>
-                              <p:cond delay="0"/>
-                            </p:stCondLst>
-                            <p:childTnLst>
-                              <p:par>
-                                <p:cTn id="35" presetID="10" presetClass="entr" presetSubtype="0" fill="hold" nodeType="clickEffect">
-                                  <p:stCondLst>
-                                    <p:cond delay="0"/>
-                                  </p:stCondLst>
-                                  <p:childTnLst>
-                                    <p:set>
-                                      <p:cBhvr>
-                                        <p:cTn id="36" dur="1" fill="hold">
-                                          <p:stCondLst>
-                                            <p:cond delay="0"/>
-                                          </p:stCondLst>
-                                        </p:cTn>
-                                        <p:tgtEl>
-                                          <p:spTgt spid="19"/>
-                                        </p:tgtEl>
-                                        <p:attrNameLst>
-                                          <p:attrName>style.visibility</p:attrName>
-                                        </p:attrNameLst>
-                                      </p:cBhvr>
-                                      <p:to>
-                                        <p:strVal val="visible"/>
-                                      </p:to>
-                                    </p:set>
-                                    <p:animEffect transition="in" filter="fade">
-                                      <p:cBhvr>
-                                        <p:cTn id="37" dur="100"/>
-                                        <p:tgtEl>
-                                          <p:spTgt spid="19"/>
-                                        </p:tgtEl>
-                                      </p:cBhvr>
-                                    </p:animEffect>
-                                  </p:childTnLst>
-                                </p:cTn>
-                              </p:par>
-                            </p:childTnLst>
-                          </p:cTn>
-                        </p:par>
-                      </p:childTnLst>
-                    </p:cTn>
-                  </p:par>
-                </p:childTnLst>
-              </p:cTn>
-              <p:prevCondLst>
-                <p:cond evt="onPrev" delay="0">
-                  <p:tgtEl>
-                    <p:sldTgt/>
-                  </p:tgtEl>
-                </p:cond>
-              </p:prevCondLst>
-              <p:nextCondLst>
-                <p:cond evt="onNext" delay="0">
-                  <p:tgtEl>
-                    <p:sldTgt/>
-                  </p:tgtEl>
-                </p:cond>
-              </p:nextCondLst>
-            </p:seq>
-          </p:childTnLst>
-        </p:cTn>
-      </p:par>
-    </p:tnLst>
-  </p:timing>
-</p:sld>
-</file>
-
-<file path=ppt/slides/slide11.xml><?xml version="1.0" encoding="utf-8"?>
-<p:sld xmlns:a="http://schemas.openxmlformats.org/drawingml/2006/main" xmlns:r="http://schemas.openxmlformats.org/officeDocument/2006/relationships" xmlns:p="http://schemas.openxmlformats.org/presentationml/2006/main">
-  <p:cSld>
-    <p:spTree>
-      <p:nvGrpSpPr>
-        <p:cNvPr id="1" name="Shape 297"/>
-        <p:cNvGrpSpPr/>
-        <p:nvPr/>
-      </p:nvGrpSpPr>
-      <p:grpSpPr>
-        <a:xfrm>
-          <a:off x="0" y="0"/>
-          <a:ext cx="0" cy="0"/>
-          <a:chOff x="0" y="0"/>
-          <a:chExt cx="0" cy="0"/>
-        </a:xfrm>
-      </p:grpSpPr>
-      <p:sp>
-        <p:nvSpPr>
-          <p:cNvPr id="298" name="Google Shape;298;p37"/>
-          <p:cNvSpPr txBox="1">
-            <a:spLocks noGrp="1"/>
-          </p:cNvSpPr>
-          <p:nvPr>
-            <p:ph type="title"/>
-          </p:nvPr>
-        </p:nvSpPr>
-        <p:spPr>
-          <a:prstGeom prst="rect">
-            <a:avLst/>
-          </a:prstGeom>
-        </p:spPr>
-        <p:txBody>
-          <a:bodyPr spcFirstLastPara="1" vert="horz" wrap="square" lIns="100821" tIns="100821" rIns="100821" bIns="100821" numCol="1" anchor="b" anchorCtr="0" compatLnSpc="1">
-            <a:prstTxWarp prst="textNoShape">
-              <a:avLst/>
-            </a:prstTxWarp>
-            <a:noAutofit/>
-          </a:bodyPr>
-          <a:lstStyle/>
-          <a:p>
-            <a:r>
-              <a:rPr lang="en"/>
-              <a:t>Bubble sort example</a:t>
-            </a:r>
-            <a:endParaRPr/>
-          </a:p>
-        </p:txBody>
-      </p:sp>
-      <p:sp>
-        <p:nvSpPr>
-          <p:cNvPr id="2" name="Content Placeholder 1">
-            <a:extLst>
-              <a:ext uri="{FF2B5EF4-FFF2-40B4-BE49-F238E27FC236}">
-                <a16:creationId xmlns:a16="http://schemas.microsoft.com/office/drawing/2014/main" id="{DB9D6C60-412A-9744-9628-836CD6F18233}"/>
-              </a:ext>
-            </a:extLst>
-          </p:cNvPr>
-          <p:cNvSpPr>
-            <a:spLocks noGrp="1"/>
-          </p:cNvSpPr>
-          <p:nvPr>
-            <p:ph idx="1"/>
-          </p:nvPr>
-        </p:nvSpPr>
-        <p:spPr/>
-        <p:txBody>
-          <a:bodyPr/>
-          <a:lstStyle/>
-          <a:p>
-            <a:endParaRPr lang="en-US"/>
-          </a:p>
-        </p:txBody>
-      </p:sp>
-      <p:sp>
-        <p:nvSpPr>
-          <p:cNvPr id="321" name="Google Shape;321;p37"/>
-          <p:cNvSpPr txBox="1">
-            <a:spLocks noGrp="1"/>
-          </p:cNvSpPr>
-          <p:nvPr>
-            <p:ph type="sldNum" idx="12"/>
-          </p:nvPr>
-        </p:nvSpPr>
-        <p:spPr>
-          <a:prstGeom prst="rect">
-            <a:avLst/>
-          </a:prstGeom>
-        </p:spPr>
-        <p:txBody>
-          <a:bodyPr spcFirstLastPara="1" vert="horz" wrap="square" lIns="100821" tIns="100821" rIns="100821" bIns="100821" numCol="1" anchor="ctr" anchorCtr="0" compatLnSpc="1">
-            <a:prstTxWarp prst="textNoShape">
-              <a:avLst/>
-            </a:prstTxWarp>
-            <a:noAutofit/>
-          </a:bodyPr>
-          <a:lstStyle/>
-          <a:p>
-            <a:pPr defTabSz="1008463">
-              <a:lnSpc>
-                <a:spcPct val="100000"/>
-              </a:lnSpc>
-              <a:buClr>
-                <a:srgbClr val="000000"/>
-              </a:buClr>
-            </a:pPr>
-            <a:fld id="{00000000-1234-1234-1234-123412341234}" type="slidenum">
-              <a:rPr lang="en" kern="0">
-                <a:cs typeface="Arial" panose="020B0604020202020204" pitchFamily="34" charset="0"/>
-              </a:rPr>
-              <a:pPr defTabSz="1008463">
-                <a:lnSpc>
-                  <a:spcPct val="100000"/>
-                </a:lnSpc>
-                <a:buClr>
-                  <a:srgbClr val="000000"/>
-                </a:buClr>
-              </a:pPr>
-              <a:t>11</a:t>
-            </a:fld>
-            <a:endParaRPr kern="0">
-              <a:cs typeface="Arial" panose="020B0604020202020204" pitchFamily="34" charset="0"/>
-            </a:endParaRPr>
-          </a:p>
-        </p:txBody>
-      </p:sp>
-      <p:grpSp>
-        <p:nvGrpSpPr>
-          <p:cNvPr id="299" name="Google Shape;299;p37"/>
-          <p:cNvGrpSpPr/>
-          <p:nvPr/>
-        </p:nvGrpSpPr>
-        <p:grpSpPr>
-          <a:xfrm>
-            <a:off x="898346" y="3174182"/>
-            <a:ext cx="8280758" cy="1214489"/>
-            <a:chOff x="1001275" y="2878350"/>
-            <a:chExt cx="7509000" cy="1101300"/>
-          </a:xfrm>
-        </p:grpSpPr>
-        <p:sp>
-          <p:nvSpPr>
-            <p:cNvPr id="300" name="Google Shape;300;p37"/>
-            <p:cNvSpPr/>
-            <p:nvPr/>
-          </p:nvSpPr>
-          <p:spPr>
-            <a:xfrm>
-              <a:off x="1001275" y="2878350"/>
-              <a:ext cx="1501800" cy="1101300"/>
-            </a:xfrm>
-            <a:prstGeom prst="rect">
-              <a:avLst/>
-            </a:prstGeom>
-            <a:solidFill>
-              <a:schemeClr val="lt2"/>
-            </a:solidFill>
-            <a:ln w="19050" cap="flat" cmpd="sng">
-              <a:solidFill>
-                <a:schemeClr val="dk2"/>
-              </a:solidFill>
-              <a:prstDash val="solid"/>
-              <a:round/>
-              <a:headEnd type="none" w="sm" len="sm"/>
-              <a:tailEnd type="none" w="sm" len="sm"/>
-            </a:ln>
-          </p:spPr>
-          <p:txBody>
-            <a:bodyPr spcFirstLastPara="1" wrap="square" lIns="100821" tIns="100821" rIns="100821" bIns="100821" anchor="ctr" anchorCtr="0">
-              <a:noAutofit/>
-            </a:bodyPr>
-            <a:lstStyle/>
-            <a:p>
-              <a:pPr algn="ctr" defTabSz="1008463">
-                <a:buClr>
-                  <a:srgbClr val="000000"/>
-                </a:buClr>
-              </a:pPr>
-              <a:r>
-                <a:rPr lang="en" sz="3970" kern="0">
-                  <a:solidFill>
-                    <a:srgbClr val="002B5E"/>
-                  </a:solidFill>
-                  <a:latin typeface="Droid Sans"/>
-                  <a:ea typeface="Droid Sans"/>
-                  <a:cs typeface="Droid Sans"/>
-                  <a:sym typeface="Droid Sans"/>
-                </a:rPr>
-                <a:t>5</a:t>
-              </a:r>
-              <a:endParaRPr sz="3970" kern="0">
-                <a:solidFill>
-                  <a:srgbClr val="002B5E"/>
-                </a:solidFill>
-                <a:latin typeface="Droid Sans"/>
-                <a:ea typeface="Droid Sans"/>
-                <a:cs typeface="Droid Sans"/>
-                <a:sym typeface="Droid Sans"/>
-              </a:endParaRPr>
-            </a:p>
-          </p:txBody>
-        </p:sp>
-        <p:sp>
-          <p:nvSpPr>
-            <p:cNvPr id="301" name="Google Shape;301;p37"/>
-            <p:cNvSpPr/>
-            <p:nvPr/>
-          </p:nvSpPr>
-          <p:spPr>
-            <a:xfrm>
-              <a:off x="2503075" y="2878350"/>
-              <a:ext cx="1501800" cy="1101300"/>
-            </a:xfrm>
-            <a:prstGeom prst="rect">
-              <a:avLst/>
-            </a:prstGeom>
-            <a:solidFill>
-              <a:schemeClr val="lt2"/>
-            </a:solidFill>
-            <a:ln w="19050" cap="flat" cmpd="sng">
-              <a:solidFill>
-                <a:schemeClr val="dk2"/>
-              </a:solidFill>
-              <a:prstDash val="solid"/>
-              <a:round/>
-              <a:headEnd type="none" w="sm" len="sm"/>
-              <a:tailEnd type="none" w="sm" len="sm"/>
-            </a:ln>
-          </p:spPr>
-          <p:txBody>
-            <a:bodyPr spcFirstLastPara="1" wrap="square" lIns="100821" tIns="100821" rIns="100821" bIns="100821" anchor="ctr" anchorCtr="0">
-              <a:noAutofit/>
-            </a:bodyPr>
-            <a:lstStyle/>
-            <a:p>
-              <a:pPr algn="ctr" defTabSz="1008463">
-                <a:buClr>
-                  <a:srgbClr val="000000"/>
-                </a:buClr>
-              </a:pPr>
-              <a:r>
-                <a:rPr lang="en" sz="3970" kern="0">
-                  <a:solidFill>
-                    <a:srgbClr val="002B5E"/>
-                  </a:solidFill>
-                  <a:latin typeface="Droid Sans"/>
-                  <a:ea typeface="Droid Sans"/>
-                  <a:cs typeface="Droid Sans"/>
-                  <a:sym typeface="Droid Sans"/>
-                </a:rPr>
-                <a:t>3</a:t>
-              </a:r>
-              <a:endParaRPr sz="3970" kern="0">
-                <a:solidFill>
-                  <a:srgbClr val="002B5E"/>
-                </a:solidFill>
-                <a:latin typeface="Droid Sans"/>
-                <a:ea typeface="Droid Sans"/>
-                <a:cs typeface="Droid Sans"/>
-                <a:sym typeface="Droid Sans"/>
-              </a:endParaRPr>
-            </a:p>
-          </p:txBody>
-        </p:sp>
-        <p:sp>
-          <p:nvSpPr>
-            <p:cNvPr id="302" name="Google Shape;302;p37"/>
-            <p:cNvSpPr/>
-            <p:nvPr/>
-          </p:nvSpPr>
-          <p:spPr>
-            <a:xfrm>
-              <a:off x="4004875" y="2878350"/>
-              <a:ext cx="1501800" cy="1101300"/>
-            </a:xfrm>
-            <a:prstGeom prst="rect">
-              <a:avLst/>
-            </a:prstGeom>
-            <a:solidFill>
-              <a:schemeClr val="lt2"/>
-            </a:solidFill>
-            <a:ln w="19050" cap="flat" cmpd="sng">
-              <a:solidFill>
-                <a:schemeClr val="dk2"/>
-              </a:solidFill>
-              <a:prstDash val="solid"/>
-              <a:round/>
-              <a:headEnd type="none" w="sm" len="sm"/>
-              <a:tailEnd type="none" w="sm" len="sm"/>
-            </a:ln>
-          </p:spPr>
-          <p:txBody>
-            <a:bodyPr spcFirstLastPara="1" wrap="square" lIns="100821" tIns="100821" rIns="100821" bIns="100821" anchor="ctr" anchorCtr="0">
-              <a:noAutofit/>
-            </a:bodyPr>
-            <a:lstStyle/>
-            <a:p>
-              <a:pPr algn="ctr" defTabSz="1008463">
-                <a:buClr>
-                  <a:srgbClr val="000000"/>
-                </a:buClr>
-              </a:pPr>
-              <a:r>
-                <a:rPr lang="en" sz="3970" kern="0">
-                  <a:solidFill>
-                    <a:srgbClr val="002B5E"/>
-                  </a:solidFill>
-                  <a:latin typeface="Droid Sans"/>
-                  <a:ea typeface="Droid Sans"/>
-                  <a:cs typeface="Droid Sans"/>
-                  <a:sym typeface="Droid Sans"/>
-                </a:rPr>
-                <a:t>4</a:t>
-              </a:r>
-              <a:endParaRPr sz="3970" kern="0">
-                <a:solidFill>
-                  <a:srgbClr val="002B5E"/>
-                </a:solidFill>
-                <a:latin typeface="Droid Sans"/>
-                <a:ea typeface="Droid Sans"/>
-                <a:cs typeface="Droid Sans"/>
-                <a:sym typeface="Droid Sans"/>
-              </a:endParaRPr>
-            </a:p>
-          </p:txBody>
-        </p:sp>
-        <p:sp>
-          <p:nvSpPr>
-            <p:cNvPr id="303" name="Google Shape;303;p37"/>
-            <p:cNvSpPr/>
-            <p:nvPr/>
-          </p:nvSpPr>
-          <p:spPr>
-            <a:xfrm>
-              <a:off x="7008475" y="2878350"/>
-              <a:ext cx="1501800" cy="1101300"/>
-            </a:xfrm>
-            <a:prstGeom prst="rect">
-              <a:avLst/>
-            </a:prstGeom>
-            <a:solidFill>
-              <a:schemeClr val="lt2"/>
-            </a:solidFill>
-            <a:ln w="19050" cap="flat" cmpd="sng">
-              <a:solidFill>
-                <a:schemeClr val="dk2"/>
-              </a:solidFill>
-              <a:prstDash val="solid"/>
-              <a:round/>
-              <a:headEnd type="none" w="sm" len="sm"/>
-              <a:tailEnd type="none" w="sm" len="sm"/>
-            </a:ln>
-          </p:spPr>
-          <p:txBody>
-            <a:bodyPr spcFirstLastPara="1" wrap="square" lIns="100821" tIns="100821" rIns="100821" bIns="100821" anchor="ctr" anchorCtr="0">
-              <a:noAutofit/>
-            </a:bodyPr>
-            <a:lstStyle/>
-            <a:p>
-              <a:pPr algn="ctr" defTabSz="1008463">
-                <a:buClr>
-                  <a:srgbClr val="000000"/>
-                </a:buClr>
-              </a:pPr>
-              <a:r>
-                <a:rPr lang="en" sz="3970" kern="0">
-                  <a:solidFill>
-                    <a:srgbClr val="002B5E"/>
-                  </a:solidFill>
-                  <a:latin typeface="Droid Sans"/>
-                  <a:ea typeface="Droid Sans"/>
-                  <a:cs typeface="Droid Sans"/>
-                  <a:sym typeface="Droid Sans"/>
-                </a:rPr>
-                <a:t>10</a:t>
-              </a:r>
-              <a:endParaRPr sz="3970" kern="0">
-                <a:solidFill>
-                  <a:srgbClr val="002B5E"/>
-                </a:solidFill>
-                <a:latin typeface="Droid Sans"/>
-                <a:ea typeface="Droid Sans"/>
-                <a:cs typeface="Droid Sans"/>
-                <a:sym typeface="Droid Sans"/>
-              </a:endParaRPr>
-            </a:p>
-          </p:txBody>
-        </p:sp>
-        <p:sp>
-          <p:nvSpPr>
-            <p:cNvPr id="304" name="Google Shape;304;p37"/>
-            <p:cNvSpPr/>
-            <p:nvPr/>
-          </p:nvSpPr>
-          <p:spPr>
-            <a:xfrm>
-              <a:off x="5506663" y="2878350"/>
-              <a:ext cx="1501800" cy="1101300"/>
-            </a:xfrm>
-            <a:prstGeom prst="rect">
-              <a:avLst/>
-            </a:prstGeom>
-            <a:solidFill>
-              <a:schemeClr val="lt2"/>
-            </a:solidFill>
-            <a:ln w="19050" cap="flat" cmpd="sng">
-              <a:solidFill>
-                <a:schemeClr val="dk2"/>
-              </a:solidFill>
-              <a:prstDash val="solid"/>
-              <a:round/>
-              <a:headEnd type="none" w="sm" len="sm"/>
-              <a:tailEnd type="none" w="sm" len="sm"/>
-            </a:ln>
-          </p:spPr>
-          <p:txBody>
-            <a:bodyPr spcFirstLastPara="1" wrap="square" lIns="100821" tIns="100821" rIns="100821" bIns="100821" anchor="ctr" anchorCtr="0">
-              <a:noAutofit/>
-            </a:bodyPr>
-            <a:lstStyle/>
-            <a:p>
-              <a:pPr algn="ctr" defTabSz="1008463">
-                <a:buClr>
-                  <a:srgbClr val="000000"/>
-                </a:buClr>
-              </a:pPr>
-              <a:r>
-                <a:rPr lang="en" sz="3970" kern="0">
-                  <a:solidFill>
-                    <a:srgbClr val="002B5E"/>
-                  </a:solidFill>
-                  <a:latin typeface="Droid Sans"/>
-                  <a:ea typeface="Droid Sans"/>
-                  <a:cs typeface="Droid Sans"/>
-                  <a:sym typeface="Droid Sans"/>
-                </a:rPr>
-                <a:t>1</a:t>
-              </a:r>
-              <a:endParaRPr sz="3970" kern="0">
-                <a:solidFill>
-                  <a:srgbClr val="002B5E"/>
-                </a:solidFill>
-                <a:latin typeface="Droid Sans"/>
-                <a:ea typeface="Droid Sans"/>
-                <a:cs typeface="Droid Sans"/>
-                <a:sym typeface="Droid Sans"/>
-              </a:endParaRPr>
-            </a:p>
-          </p:txBody>
-        </p:sp>
-      </p:grpSp>
-      <p:grpSp>
-        <p:nvGrpSpPr>
-          <p:cNvPr id="305" name="Google Shape;305;p37"/>
-          <p:cNvGrpSpPr/>
-          <p:nvPr/>
-        </p:nvGrpSpPr>
-        <p:grpSpPr>
-          <a:xfrm>
-            <a:off x="898347" y="3174182"/>
-            <a:ext cx="3312303" cy="1214489"/>
-            <a:chOff x="817500" y="2878350"/>
-            <a:chExt cx="3003600" cy="1101300"/>
-          </a:xfrm>
-        </p:grpSpPr>
-        <p:sp>
-          <p:nvSpPr>
-            <p:cNvPr id="306" name="Google Shape;306;p37"/>
-            <p:cNvSpPr/>
-            <p:nvPr/>
-          </p:nvSpPr>
-          <p:spPr>
-            <a:xfrm>
-              <a:off x="2319300" y="2878350"/>
-              <a:ext cx="1501800" cy="1101300"/>
-            </a:xfrm>
-            <a:prstGeom prst="rect">
-              <a:avLst/>
-            </a:prstGeom>
-            <a:solidFill>
-              <a:schemeClr val="lt2"/>
-            </a:solidFill>
-            <a:ln w="19050" cap="flat" cmpd="sng">
-              <a:solidFill>
-                <a:schemeClr val="dk2"/>
-              </a:solidFill>
-              <a:prstDash val="solid"/>
-              <a:round/>
-              <a:headEnd type="none" w="sm" len="sm"/>
-              <a:tailEnd type="none" w="sm" len="sm"/>
-            </a:ln>
-          </p:spPr>
-          <p:txBody>
-            <a:bodyPr spcFirstLastPara="1" wrap="square" lIns="100821" tIns="100821" rIns="100821" bIns="100821" anchor="ctr" anchorCtr="0">
-              <a:noAutofit/>
-            </a:bodyPr>
-            <a:lstStyle/>
-            <a:p>
-              <a:pPr algn="ctr" defTabSz="1008463">
-                <a:buClr>
-                  <a:srgbClr val="000000"/>
-                </a:buClr>
-              </a:pPr>
-              <a:r>
-                <a:rPr lang="en" sz="3970" kern="0">
-                  <a:solidFill>
-                    <a:srgbClr val="002B5E"/>
-                  </a:solidFill>
-                  <a:latin typeface="Droid Sans"/>
-                  <a:ea typeface="Droid Sans"/>
-                  <a:cs typeface="Droid Sans"/>
-                  <a:sym typeface="Droid Sans"/>
-                </a:rPr>
-                <a:t>5</a:t>
-              </a:r>
-              <a:endParaRPr sz="3970" kern="0">
-                <a:solidFill>
-                  <a:srgbClr val="002B5E"/>
-                </a:solidFill>
-                <a:latin typeface="Droid Sans"/>
-                <a:ea typeface="Droid Sans"/>
-                <a:cs typeface="Droid Sans"/>
-                <a:sym typeface="Droid Sans"/>
-              </a:endParaRPr>
-            </a:p>
-          </p:txBody>
-        </p:sp>
-        <p:sp>
-          <p:nvSpPr>
-            <p:cNvPr id="307" name="Google Shape;307;p37"/>
-            <p:cNvSpPr/>
-            <p:nvPr/>
-          </p:nvSpPr>
-          <p:spPr>
-            <a:xfrm>
-              <a:off x="817500" y="2878350"/>
-              <a:ext cx="1501800" cy="1101300"/>
-            </a:xfrm>
-            <a:prstGeom prst="rect">
-              <a:avLst/>
-            </a:prstGeom>
-            <a:solidFill>
-              <a:schemeClr val="lt2"/>
-            </a:solidFill>
-            <a:ln w="19050" cap="flat" cmpd="sng">
-              <a:solidFill>
-                <a:schemeClr val="dk2"/>
-              </a:solidFill>
-              <a:prstDash val="solid"/>
-              <a:round/>
-              <a:headEnd type="none" w="sm" len="sm"/>
-              <a:tailEnd type="none" w="sm" len="sm"/>
-            </a:ln>
-          </p:spPr>
-          <p:txBody>
-            <a:bodyPr spcFirstLastPara="1" wrap="square" lIns="100821" tIns="100821" rIns="100821" bIns="100821" anchor="ctr" anchorCtr="0">
-              <a:noAutofit/>
-            </a:bodyPr>
-            <a:lstStyle/>
-            <a:p>
-              <a:pPr algn="ctr" defTabSz="1008463">
-                <a:buClr>
-                  <a:srgbClr val="000000"/>
-                </a:buClr>
-              </a:pPr>
-              <a:r>
-                <a:rPr lang="en" sz="3970" kern="0">
-                  <a:solidFill>
-                    <a:srgbClr val="002B5E"/>
-                  </a:solidFill>
-                  <a:latin typeface="Droid Sans"/>
-                  <a:ea typeface="Droid Sans"/>
-                  <a:cs typeface="Droid Sans"/>
-                  <a:sym typeface="Droid Sans"/>
-                </a:rPr>
-                <a:t>3</a:t>
-              </a:r>
-              <a:endParaRPr sz="3970" kern="0">
-                <a:solidFill>
-                  <a:srgbClr val="002B5E"/>
-                </a:solidFill>
-                <a:latin typeface="Droid Sans"/>
-                <a:ea typeface="Droid Sans"/>
-                <a:cs typeface="Droid Sans"/>
-                <a:sym typeface="Droid Sans"/>
-              </a:endParaRPr>
-            </a:p>
-          </p:txBody>
-        </p:sp>
-      </p:grpSp>
-      <p:grpSp>
-        <p:nvGrpSpPr>
-          <p:cNvPr id="308" name="Google Shape;308;p37"/>
-          <p:cNvGrpSpPr/>
-          <p:nvPr/>
-        </p:nvGrpSpPr>
-        <p:grpSpPr>
-          <a:xfrm>
-            <a:off x="2557007" y="3174182"/>
-            <a:ext cx="3312303" cy="1214489"/>
-            <a:chOff x="3356100" y="4849550"/>
-            <a:chExt cx="3003600" cy="1101300"/>
-          </a:xfrm>
-        </p:grpSpPr>
-        <p:sp>
-          <p:nvSpPr>
-            <p:cNvPr id="309" name="Google Shape;309;p37"/>
-            <p:cNvSpPr/>
-            <p:nvPr/>
-          </p:nvSpPr>
-          <p:spPr>
-            <a:xfrm>
-              <a:off x="4857900" y="4849550"/>
-              <a:ext cx="1501800" cy="1101300"/>
-            </a:xfrm>
-            <a:prstGeom prst="rect">
-              <a:avLst/>
-            </a:prstGeom>
-            <a:solidFill>
-              <a:schemeClr val="lt2"/>
-            </a:solidFill>
-            <a:ln w="19050" cap="flat" cmpd="sng">
-              <a:solidFill>
-                <a:schemeClr val="dk2"/>
-              </a:solidFill>
-              <a:prstDash val="solid"/>
-              <a:round/>
-              <a:headEnd type="none" w="sm" len="sm"/>
-              <a:tailEnd type="none" w="sm" len="sm"/>
-            </a:ln>
-          </p:spPr>
-          <p:txBody>
-            <a:bodyPr spcFirstLastPara="1" wrap="square" lIns="100821" tIns="100821" rIns="100821" bIns="100821" anchor="ctr" anchorCtr="0">
-              <a:noAutofit/>
-            </a:bodyPr>
-            <a:lstStyle/>
-            <a:p>
-              <a:pPr algn="ctr" defTabSz="1008463">
-                <a:buClr>
-                  <a:srgbClr val="000000"/>
-                </a:buClr>
-              </a:pPr>
-              <a:r>
-                <a:rPr lang="en" sz="3970" kern="0">
-                  <a:solidFill>
-                    <a:srgbClr val="002B5E"/>
-                  </a:solidFill>
-                  <a:latin typeface="Droid Sans"/>
-                  <a:ea typeface="Droid Sans"/>
-                  <a:cs typeface="Droid Sans"/>
-                  <a:sym typeface="Droid Sans"/>
-                </a:rPr>
-                <a:t>5</a:t>
-              </a:r>
-              <a:endParaRPr sz="3970" kern="0">
-                <a:solidFill>
-                  <a:srgbClr val="002B5E"/>
-                </a:solidFill>
-                <a:latin typeface="Droid Sans"/>
-                <a:ea typeface="Droid Sans"/>
-                <a:cs typeface="Droid Sans"/>
-                <a:sym typeface="Droid Sans"/>
-              </a:endParaRPr>
-            </a:p>
-          </p:txBody>
-        </p:sp>
-        <p:sp>
-          <p:nvSpPr>
-            <p:cNvPr id="310" name="Google Shape;310;p37"/>
-            <p:cNvSpPr/>
-            <p:nvPr/>
-          </p:nvSpPr>
-          <p:spPr>
-            <a:xfrm>
-              <a:off x="3356100" y="4849550"/>
-              <a:ext cx="1501800" cy="1101300"/>
-            </a:xfrm>
-            <a:prstGeom prst="rect">
-              <a:avLst/>
-            </a:prstGeom>
-            <a:solidFill>
-              <a:schemeClr val="lt2"/>
-            </a:solidFill>
-            <a:ln w="19050" cap="flat" cmpd="sng">
-              <a:solidFill>
-                <a:schemeClr val="dk2"/>
-              </a:solidFill>
-              <a:prstDash val="solid"/>
-              <a:round/>
-              <a:headEnd type="none" w="sm" len="sm"/>
-              <a:tailEnd type="none" w="sm" len="sm"/>
-            </a:ln>
-          </p:spPr>
-          <p:txBody>
-            <a:bodyPr spcFirstLastPara="1" wrap="square" lIns="100821" tIns="100821" rIns="100821" bIns="100821" anchor="ctr" anchorCtr="0">
-              <a:noAutofit/>
-            </a:bodyPr>
-            <a:lstStyle/>
-            <a:p>
-              <a:pPr algn="ctr" defTabSz="1008463">
-                <a:buClr>
-                  <a:srgbClr val="000000"/>
-                </a:buClr>
-              </a:pPr>
-              <a:r>
-                <a:rPr lang="en" sz="3970" kern="0">
-                  <a:solidFill>
-                    <a:srgbClr val="002B5E"/>
-                  </a:solidFill>
-                  <a:latin typeface="Droid Sans"/>
-                  <a:ea typeface="Droid Sans"/>
-                  <a:cs typeface="Droid Sans"/>
-                  <a:sym typeface="Droid Sans"/>
-                </a:rPr>
-                <a:t>4</a:t>
-              </a:r>
-              <a:endParaRPr sz="3970" kern="0">
-                <a:solidFill>
-                  <a:srgbClr val="002B5E"/>
-                </a:solidFill>
-                <a:latin typeface="Droid Sans"/>
-                <a:ea typeface="Droid Sans"/>
-                <a:cs typeface="Droid Sans"/>
-                <a:sym typeface="Droid Sans"/>
-              </a:endParaRPr>
-            </a:p>
-          </p:txBody>
-        </p:sp>
-      </p:grpSp>
-      <p:grpSp>
-        <p:nvGrpSpPr>
-          <p:cNvPr id="311" name="Google Shape;311;p37"/>
-          <p:cNvGrpSpPr/>
-          <p:nvPr/>
-        </p:nvGrpSpPr>
-        <p:grpSpPr>
-          <a:xfrm>
-            <a:off x="4210638" y="3174182"/>
-            <a:ext cx="3312318" cy="1214489"/>
-            <a:chOff x="2423888" y="5450250"/>
-            <a:chExt cx="3003613" cy="1101300"/>
-          </a:xfrm>
-        </p:grpSpPr>
-        <p:sp>
-          <p:nvSpPr>
-            <p:cNvPr id="312" name="Google Shape;312;p37"/>
-            <p:cNvSpPr/>
-            <p:nvPr/>
-          </p:nvSpPr>
-          <p:spPr>
-            <a:xfrm>
-              <a:off x="3925700" y="5450250"/>
-              <a:ext cx="1501800" cy="1101300"/>
-            </a:xfrm>
-            <a:prstGeom prst="rect">
-              <a:avLst/>
-            </a:prstGeom>
-            <a:solidFill>
-              <a:schemeClr val="lt2"/>
-            </a:solidFill>
-            <a:ln w="19050" cap="flat" cmpd="sng">
-              <a:solidFill>
-                <a:schemeClr val="dk2"/>
-              </a:solidFill>
-              <a:prstDash val="solid"/>
-              <a:round/>
-              <a:headEnd type="none" w="sm" len="sm"/>
-              <a:tailEnd type="none" w="sm" len="sm"/>
-            </a:ln>
-          </p:spPr>
-          <p:txBody>
-            <a:bodyPr spcFirstLastPara="1" wrap="square" lIns="100821" tIns="100821" rIns="100821" bIns="100821" anchor="ctr" anchorCtr="0">
-              <a:noAutofit/>
-            </a:bodyPr>
-            <a:lstStyle/>
-            <a:p>
-              <a:pPr algn="ctr" defTabSz="1008463">
-                <a:buClr>
-                  <a:srgbClr val="000000"/>
-                </a:buClr>
-              </a:pPr>
-              <a:r>
-                <a:rPr lang="en" sz="3970" kern="0">
-                  <a:solidFill>
-                    <a:srgbClr val="002B5E"/>
-                  </a:solidFill>
-                  <a:latin typeface="Droid Sans"/>
-                  <a:ea typeface="Droid Sans"/>
-                  <a:cs typeface="Droid Sans"/>
-                  <a:sym typeface="Droid Sans"/>
-                </a:rPr>
-                <a:t>5</a:t>
-              </a:r>
-              <a:endParaRPr sz="3970" kern="0">
-                <a:solidFill>
-                  <a:srgbClr val="002B5E"/>
-                </a:solidFill>
-                <a:latin typeface="Droid Sans"/>
-                <a:ea typeface="Droid Sans"/>
-                <a:cs typeface="Droid Sans"/>
-                <a:sym typeface="Droid Sans"/>
-              </a:endParaRPr>
-            </a:p>
-          </p:txBody>
-        </p:sp>
-        <p:sp>
-          <p:nvSpPr>
-            <p:cNvPr id="313" name="Google Shape;313;p37"/>
-            <p:cNvSpPr/>
-            <p:nvPr/>
-          </p:nvSpPr>
-          <p:spPr>
-            <a:xfrm>
-              <a:off x="2423888" y="5450250"/>
-              <a:ext cx="1501800" cy="1101300"/>
-            </a:xfrm>
-            <a:prstGeom prst="rect">
-              <a:avLst/>
-            </a:prstGeom>
-            <a:solidFill>
-              <a:schemeClr val="lt2"/>
-            </a:solidFill>
-            <a:ln w="19050" cap="flat" cmpd="sng">
-              <a:solidFill>
-                <a:schemeClr val="dk2"/>
-              </a:solidFill>
-              <a:prstDash val="solid"/>
-              <a:round/>
-              <a:headEnd type="none" w="sm" len="sm"/>
-              <a:tailEnd type="none" w="sm" len="sm"/>
-            </a:ln>
-          </p:spPr>
-          <p:txBody>
-            <a:bodyPr spcFirstLastPara="1" wrap="square" lIns="100821" tIns="100821" rIns="100821" bIns="100821" anchor="ctr" anchorCtr="0">
-              <a:noAutofit/>
-            </a:bodyPr>
-            <a:lstStyle/>
-            <a:p>
-              <a:pPr algn="ctr" defTabSz="1008463">
-                <a:buClr>
-                  <a:srgbClr val="000000"/>
-                </a:buClr>
-              </a:pPr>
-              <a:r>
-                <a:rPr lang="en" sz="3970" kern="0">
-                  <a:solidFill>
-                    <a:srgbClr val="002B5E"/>
-                  </a:solidFill>
-                  <a:latin typeface="Droid Sans"/>
-                  <a:ea typeface="Droid Sans"/>
-                  <a:cs typeface="Droid Sans"/>
-                  <a:sym typeface="Droid Sans"/>
-                </a:rPr>
-                <a:t>1</a:t>
-              </a:r>
-              <a:endParaRPr sz="3970" kern="0">
-                <a:solidFill>
-                  <a:srgbClr val="002B5E"/>
-                </a:solidFill>
-                <a:latin typeface="Droid Sans"/>
-                <a:ea typeface="Droid Sans"/>
-                <a:cs typeface="Droid Sans"/>
-                <a:sym typeface="Droid Sans"/>
-              </a:endParaRPr>
-            </a:p>
-          </p:txBody>
-        </p:sp>
-      </p:grpSp>
-      <p:grpSp>
-        <p:nvGrpSpPr>
-          <p:cNvPr id="314" name="Google Shape;314;p37"/>
-          <p:cNvGrpSpPr/>
-          <p:nvPr/>
-        </p:nvGrpSpPr>
-        <p:grpSpPr>
-          <a:xfrm>
-            <a:off x="2556994" y="3174182"/>
-            <a:ext cx="3312318" cy="1214489"/>
-            <a:chOff x="905413" y="4649325"/>
-            <a:chExt cx="3003613" cy="1101300"/>
-          </a:xfrm>
-        </p:grpSpPr>
-        <p:sp>
-          <p:nvSpPr>
-            <p:cNvPr id="315" name="Google Shape;315;p37"/>
-            <p:cNvSpPr/>
-            <p:nvPr/>
-          </p:nvSpPr>
-          <p:spPr>
-            <a:xfrm>
-              <a:off x="2407225" y="4649325"/>
-              <a:ext cx="1501800" cy="1101300"/>
-            </a:xfrm>
-            <a:prstGeom prst="rect">
-              <a:avLst/>
-            </a:prstGeom>
-            <a:solidFill>
-              <a:schemeClr val="lt2"/>
-            </a:solidFill>
-            <a:ln w="19050" cap="flat" cmpd="sng">
-              <a:solidFill>
-                <a:schemeClr val="dk2"/>
-              </a:solidFill>
-              <a:prstDash val="solid"/>
-              <a:round/>
-              <a:headEnd type="none" w="sm" len="sm"/>
-              <a:tailEnd type="none" w="sm" len="sm"/>
-            </a:ln>
-          </p:spPr>
-          <p:txBody>
-            <a:bodyPr spcFirstLastPara="1" wrap="square" lIns="100821" tIns="100821" rIns="100821" bIns="100821" anchor="ctr" anchorCtr="0">
-              <a:noAutofit/>
-            </a:bodyPr>
-            <a:lstStyle/>
-            <a:p>
-              <a:pPr algn="ctr" defTabSz="1008463">
-                <a:buClr>
-                  <a:srgbClr val="000000"/>
-                </a:buClr>
-              </a:pPr>
-              <a:r>
-                <a:rPr lang="en" sz="3970" kern="0">
-                  <a:solidFill>
-                    <a:srgbClr val="002B5E"/>
-                  </a:solidFill>
-                  <a:latin typeface="Droid Sans"/>
-                  <a:ea typeface="Droid Sans"/>
-                  <a:cs typeface="Droid Sans"/>
-                  <a:sym typeface="Droid Sans"/>
-                </a:rPr>
-                <a:t>4</a:t>
-              </a:r>
-              <a:endParaRPr sz="3970" kern="0">
-                <a:solidFill>
-                  <a:srgbClr val="002B5E"/>
-                </a:solidFill>
-                <a:latin typeface="Droid Sans"/>
-                <a:ea typeface="Droid Sans"/>
-                <a:cs typeface="Droid Sans"/>
-                <a:sym typeface="Droid Sans"/>
-              </a:endParaRPr>
-            </a:p>
-          </p:txBody>
-        </p:sp>
-        <p:sp>
-          <p:nvSpPr>
-            <p:cNvPr id="316" name="Google Shape;316;p37"/>
-            <p:cNvSpPr/>
-            <p:nvPr/>
-          </p:nvSpPr>
-          <p:spPr>
-            <a:xfrm>
-              <a:off x="905413" y="4649325"/>
-              <a:ext cx="1501800" cy="1101300"/>
-            </a:xfrm>
-            <a:prstGeom prst="rect">
-              <a:avLst/>
-            </a:prstGeom>
-            <a:solidFill>
-              <a:schemeClr val="lt2"/>
-            </a:solidFill>
-            <a:ln w="19050" cap="flat" cmpd="sng">
-              <a:solidFill>
-                <a:schemeClr val="dk2"/>
-              </a:solidFill>
-              <a:prstDash val="solid"/>
-              <a:round/>
-              <a:headEnd type="none" w="sm" len="sm"/>
-              <a:tailEnd type="none" w="sm" len="sm"/>
-            </a:ln>
-          </p:spPr>
-          <p:txBody>
-            <a:bodyPr spcFirstLastPara="1" wrap="square" lIns="100821" tIns="100821" rIns="100821" bIns="100821" anchor="ctr" anchorCtr="0">
-              <a:noAutofit/>
-            </a:bodyPr>
-            <a:lstStyle/>
-            <a:p>
-              <a:pPr algn="ctr" defTabSz="1008463">
-                <a:buClr>
-                  <a:srgbClr val="000000"/>
-                </a:buClr>
-              </a:pPr>
-              <a:r>
-                <a:rPr lang="en" sz="3970" kern="0">
-                  <a:solidFill>
-                    <a:srgbClr val="002B5E"/>
-                  </a:solidFill>
-                  <a:latin typeface="Droid Sans"/>
-                  <a:ea typeface="Droid Sans"/>
-                  <a:cs typeface="Droid Sans"/>
-                  <a:sym typeface="Droid Sans"/>
-                </a:rPr>
-                <a:t>1</a:t>
-              </a:r>
-              <a:endParaRPr sz="3970" kern="0">
-                <a:solidFill>
-                  <a:srgbClr val="002B5E"/>
-                </a:solidFill>
-                <a:latin typeface="Droid Sans"/>
-                <a:ea typeface="Droid Sans"/>
-                <a:cs typeface="Droid Sans"/>
-                <a:sym typeface="Droid Sans"/>
-              </a:endParaRPr>
-            </a:p>
-          </p:txBody>
-        </p:sp>
-      </p:grpSp>
-      <p:grpSp>
-        <p:nvGrpSpPr>
-          <p:cNvPr id="317" name="Google Shape;317;p37"/>
-          <p:cNvGrpSpPr/>
-          <p:nvPr/>
-        </p:nvGrpSpPr>
-        <p:grpSpPr>
-          <a:xfrm>
-            <a:off x="898334" y="3174182"/>
-            <a:ext cx="3312318" cy="1214489"/>
-            <a:chOff x="919788" y="4582550"/>
-            <a:chExt cx="3003613" cy="1101300"/>
-          </a:xfrm>
-        </p:grpSpPr>
-        <p:sp>
-          <p:nvSpPr>
-            <p:cNvPr id="318" name="Google Shape;318;p37"/>
-            <p:cNvSpPr/>
-            <p:nvPr/>
-          </p:nvSpPr>
-          <p:spPr>
-            <a:xfrm>
-              <a:off x="2421600" y="4582550"/>
-              <a:ext cx="1501800" cy="1101300"/>
-            </a:xfrm>
-            <a:prstGeom prst="rect">
-              <a:avLst/>
-            </a:prstGeom>
-            <a:solidFill>
-              <a:schemeClr val="lt2"/>
-            </a:solidFill>
-            <a:ln w="19050" cap="flat" cmpd="sng">
-              <a:solidFill>
-                <a:schemeClr val="dk2"/>
-              </a:solidFill>
-              <a:prstDash val="solid"/>
-              <a:round/>
-              <a:headEnd type="none" w="sm" len="sm"/>
-              <a:tailEnd type="none" w="sm" len="sm"/>
-            </a:ln>
-          </p:spPr>
-          <p:txBody>
-            <a:bodyPr spcFirstLastPara="1" wrap="square" lIns="100821" tIns="100821" rIns="100821" bIns="100821" anchor="ctr" anchorCtr="0">
-              <a:noAutofit/>
-            </a:bodyPr>
-            <a:lstStyle/>
-            <a:p>
-              <a:pPr algn="ctr" defTabSz="1008463">
-                <a:buClr>
-                  <a:srgbClr val="000000"/>
-                </a:buClr>
-              </a:pPr>
-              <a:r>
-                <a:rPr lang="en" sz="3970" kern="0">
-                  <a:solidFill>
-                    <a:srgbClr val="002B5E"/>
-                  </a:solidFill>
-                  <a:latin typeface="Droid Sans"/>
-                  <a:ea typeface="Droid Sans"/>
-                  <a:cs typeface="Droid Sans"/>
-                  <a:sym typeface="Droid Sans"/>
-                </a:rPr>
-                <a:t>3</a:t>
-              </a:r>
-              <a:endParaRPr sz="3970" kern="0">
-                <a:solidFill>
-                  <a:srgbClr val="002B5E"/>
-                </a:solidFill>
-                <a:latin typeface="Droid Sans"/>
-                <a:ea typeface="Droid Sans"/>
-                <a:cs typeface="Droid Sans"/>
-                <a:sym typeface="Droid Sans"/>
-              </a:endParaRPr>
-            </a:p>
-          </p:txBody>
-        </p:sp>
-        <p:sp>
-          <p:nvSpPr>
-            <p:cNvPr id="319" name="Google Shape;319;p37"/>
-            <p:cNvSpPr/>
-            <p:nvPr/>
-          </p:nvSpPr>
-          <p:spPr>
-            <a:xfrm>
-              <a:off x="919788" y="4582550"/>
-              <a:ext cx="1501800" cy="1101300"/>
-            </a:xfrm>
-            <a:prstGeom prst="rect">
-              <a:avLst/>
-            </a:prstGeom>
-            <a:solidFill>
-              <a:schemeClr val="lt2"/>
-            </a:solidFill>
-            <a:ln w="19050" cap="flat" cmpd="sng">
-              <a:solidFill>
-                <a:schemeClr val="dk2"/>
-              </a:solidFill>
-              <a:prstDash val="solid"/>
-              <a:round/>
-              <a:headEnd type="none" w="sm" len="sm"/>
-              <a:tailEnd type="none" w="sm" len="sm"/>
-            </a:ln>
-          </p:spPr>
-          <p:txBody>
-            <a:bodyPr spcFirstLastPara="1" wrap="square" lIns="100821" tIns="100821" rIns="100821" bIns="100821" anchor="ctr" anchorCtr="0">
-              <a:noAutofit/>
-            </a:bodyPr>
-            <a:lstStyle/>
-            <a:p>
-              <a:pPr algn="ctr" defTabSz="1008463">
-                <a:buClr>
-                  <a:srgbClr val="000000"/>
-                </a:buClr>
-              </a:pPr>
-              <a:r>
-                <a:rPr lang="en" sz="3970" kern="0">
-                  <a:solidFill>
-                    <a:srgbClr val="002B5E"/>
-                  </a:solidFill>
-                  <a:latin typeface="Droid Sans"/>
-                  <a:ea typeface="Droid Sans"/>
-                  <a:cs typeface="Droid Sans"/>
-                  <a:sym typeface="Droid Sans"/>
-                </a:rPr>
-                <a:t>1</a:t>
-              </a:r>
-              <a:endParaRPr sz="3970" kern="0">
-                <a:solidFill>
-                  <a:srgbClr val="002B5E"/>
-                </a:solidFill>
-                <a:latin typeface="Droid Sans"/>
-                <a:ea typeface="Droid Sans"/>
-                <a:cs typeface="Droid Sans"/>
-                <a:sym typeface="Droid Sans"/>
-              </a:endParaRPr>
-            </a:p>
-          </p:txBody>
-        </p:sp>
-      </p:grpSp>
-      <p:sp>
-        <p:nvSpPr>
-          <p:cNvPr id="320" name="Google Shape;320;p37"/>
-          <p:cNvSpPr txBox="1"/>
-          <p:nvPr/>
-        </p:nvSpPr>
-        <p:spPr>
-          <a:xfrm>
-            <a:off x="3207894" y="1619458"/>
-            <a:ext cx="3661663" cy="1048742"/>
-          </a:xfrm>
-          <a:prstGeom prst="rect">
-            <a:avLst/>
-          </a:prstGeom>
-          <a:noFill/>
-          <a:ln>
-            <a:noFill/>
-          </a:ln>
-        </p:spPr>
-        <p:txBody>
-          <a:bodyPr spcFirstLastPara="1" wrap="square" lIns="100821" tIns="100821" rIns="100821" bIns="100821" anchor="t" anchorCtr="0">
-            <a:noAutofit/>
-          </a:bodyPr>
-          <a:lstStyle/>
-          <a:p>
-            <a:pPr algn="ctr" defTabSz="1008463">
-              <a:buClr>
-                <a:srgbClr val="000000"/>
-              </a:buClr>
-            </a:pPr>
-            <a:r>
-              <a:rPr lang="en" sz="3970" kern="0">
-                <a:solidFill>
-                  <a:srgbClr val="980000"/>
-                </a:solidFill>
-                <a:latin typeface="Droid Sans"/>
-                <a:ea typeface="Droid Sans"/>
-                <a:cs typeface="Droid Sans"/>
-                <a:sym typeface="Droid Sans"/>
-              </a:rPr>
-              <a:t>SWAPPED!</a:t>
-            </a:r>
-            <a:endParaRPr sz="3970" kern="0">
-              <a:solidFill>
-                <a:srgbClr val="980000"/>
-              </a:solidFill>
-              <a:latin typeface="Droid Sans"/>
-              <a:ea typeface="Droid Sans"/>
-              <a:cs typeface="Droid Sans"/>
-              <a:sym typeface="Droid Sans"/>
-            </a:endParaRPr>
-          </a:p>
-        </p:txBody>
-      </p:sp>
-      <p:sp>
-        <p:nvSpPr>
-          <p:cNvPr id="4" name="Footer Placeholder 3">
-            <a:extLst>
-              <a:ext uri="{FF2B5EF4-FFF2-40B4-BE49-F238E27FC236}">
-                <a16:creationId xmlns:a16="http://schemas.microsoft.com/office/drawing/2014/main" id="{98A77443-4060-3C48-BCD2-144C9C69D23A}"/>
-              </a:ext>
-            </a:extLst>
-          </p:cNvPr>
-          <p:cNvSpPr>
-            <a:spLocks noGrp="1"/>
-          </p:cNvSpPr>
-          <p:nvPr>
-            <p:ph type="ftr" idx="11"/>
-          </p:nvPr>
-        </p:nvSpPr>
-        <p:spPr/>
-        <p:txBody>
-          <a:bodyPr/>
-          <a:lstStyle/>
-          <a:p>
-            <a:pPr defTabSz="457436" fontAlgn="base" hangingPunct="0">
-              <a:spcBef>
-                <a:spcPct val="0"/>
-              </a:spcBef>
-              <a:spcAft>
-                <a:spcPct val="0"/>
-              </a:spcAft>
-              <a:buClr>
-                <a:srgbClr val="000000"/>
-              </a:buClr>
-              <a:buSzPct val="100000"/>
-              <a:defRPr/>
-            </a:pPr>
-            <a:r>
-              <a:rPr lang="en-US">
-                <a:latin typeface="Arial"/>
-              </a:rPr>
-              <a:t>CS 1501 – Algorithms &amp; Data Structures 2 – Sherif Khattab</a:t>
-            </a:r>
-            <a:endParaRPr lang="en-GB"/>
-          </a:p>
-        </p:txBody>
-      </p:sp>
-    </p:spTree>
-    <p:extLst>
-      <p:ext uri="{BB962C8B-B14F-4D97-AF65-F5344CB8AC3E}">
-        <p14:creationId xmlns:p14="http://schemas.microsoft.com/office/powerpoint/2010/main" val="2865696446"/>
-      </p:ext>
-    </p:extLst>
-  </p:cSld>
-  <p:clrMapOvr>
-    <a:masterClrMapping/>
-  </p:clrMapOvr>
-  <p:timing>
-    <p:tnLst>
-      <p:par>
-        <p:cTn id="1" dur="indefinite" restart="never" nodeType="tmRoot">
-          <p:childTnLst>
-            <p:seq concurrent="1" nextAc="seek">
-              <p:cTn id="2" dur="indefinite" nodeType="mainSeq">
-                <p:childTnLst>
-                  <p:par>
-                    <p:cTn id="3" fill="hold">
-                      <p:stCondLst>
-                        <p:cond delay="indefinite"/>
-                      </p:stCondLst>
-                      <p:childTnLst>
-                        <p:par>
-                          <p:cTn id="4" fill="hold">
-                            <p:stCondLst>
-                              <p:cond delay="0"/>
-                            </p:stCondLst>
-                            <p:childTnLst>
-                              <p:par>
-                                <p:cTn id="5" presetID="10" presetClass="entr" presetSubtype="0" fill="hold" nodeType="clickEffect">
-                                  <p:stCondLst>
-                                    <p:cond delay="0"/>
-                                  </p:stCondLst>
-                                  <p:childTnLst>
-                                    <p:set>
-                                      <p:cBhvr>
-                                        <p:cTn id="6" dur="1" fill="hold">
-                                          <p:stCondLst>
-                                            <p:cond delay="0"/>
-                                          </p:stCondLst>
-                                        </p:cTn>
-                                        <p:tgtEl>
-                                          <p:spTgt spid="305"/>
-                                        </p:tgtEl>
-                                        <p:attrNameLst>
-                                          <p:attrName>style.visibility</p:attrName>
-                                        </p:attrNameLst>
-                                      </p:cBhvr>
-                                      <p:to>
-                                        <p:strVal val="visible"/>
-                                      </p:to>
-                                    </p:set>
-                                    <p:animEffect transition="in" filter="fade">
-                                      <p:cBhvr>
-                                        <p:cTn id="7" dur="100"/>
-                                        <p:tgtEl>
-                                          <p:spTgt spid="305"/>
-                                        </p:tgtEl>
-                                      </p:cBhvr>
-                                    </p:animEffect>
-                                  </p:childTnLst>
-                                </p:cTn>
-                              </p:par>
-                              <p:par>
-                                <p:cTn id="8" presetID="10" presetClass="entr" presetSubtype="0" fill="hold" nodeType="withEffect">
-                                  <p:stCondLst>
-                                    <p:cond delay="0"/>
-                                  </p:stCondLst>
-                                  <p:childTnLst>
-                                    <p:set>
-                                      <p:cBhvr>
-                                        <p:cTn id="9" dur="1" fill="hold">
-                                          <p:stCondLst>
-                                            <p:cond delay="0"/>
-                                          </p:stCondLst>
-                                        </p:cTn>
-                                        <p:tgtEl>
-                                          <p:spTgt spid="320"/>
-                                        </p:tgtEl>
-                                        <p:attrNameLst>
-                                          <p:attrName>style.visibility</p:attrName>
-                                        </p:attrNameLst>
-                                      </p:cBhvr>
-                                      <p:to>
-                                        <p:strVal val="visible"/>
-                                      </p:to>
-                                    </p:set>
-                                    <p:animEffect transition="in" filter="fade">
-                                      <p:cBhvr>
-                                        <p:cTn id="10" dur="100"/>
-                                        <p:tgtEl>
-                                          <p:spTgt spid="320"/>
-                                        </p:tgtEl>
-                                      </p:cBhvr>
-                                    </p:animEffect>
-                                  </p:childTnLst>
-                                </p:cTn>
-                              </p:par>
-                            </p:childTnLst>
-                          </p:cTn>
-                        </p:par>
-                      </p:childTnLst>
-                    </p:cTn>
-                  </p:par>
-                  <p:par>
-                    <p:cTn id="11" fill="hold">
-                      <p:stCondLst>
-                        <p:cond delay="indefinite"/>
-                      </p:stCondLst>
-                      <p:childTnLst>
-                        <p:par>
-                          <p:cTn id="12" fill="hold">
-                            <p:stCondLst>
-                              <p:cond delay="0"/>
-                            </p:stCondLst>
-                            <p:childTnLst>
-                              <p:par>
-                                <p:cTn id="13" presetID="10" presetClass="entr" presetSubtype="0" fill="hold" nodeType="clickEffect">
-                                  <p:stCondLst>
-                                    <p:cond delay="0"/>
-                                  </p:stCondLst>
-                                  <p:childTnLst>
-                                    <p:set>
-                                      <p:cBhvr>
-                                        <p:cTn id="14" dur="1" fill="hold">
-                                          <p:stCondLst>
-                                            <p:cond delay="0"/>
-                                          </p:stCondLst>
-                                        </p:cTn>
-                                        <p:tgtEl>
-                                          <p:spTgt spid="308"/>
-                                        </p:tgtEl>
-                                        <p:attrNameLst>
-                                          <p:attrName>style.visibility</p:attrName>
-                                        </p:attrNameLst>
-                                      </p:cBhvr>
-                                      <p:to>
-                                        <p:strVal val="visible"/>
-                                      </p:to>
-                                    </p:set>
-                                    <p:animEffect transition="in" filter="fade">
-                                      <p:cBhvr>
-                                        <p:cTn id="15" dur="100"/>
-                                        <p:tgtEl>
-                                          <p:spTgt spid="308"/>
-                                        </p:tgtEl>
-                                      </p:cBhvr>
-                                    </p:animEffect>
-                                  </p:childTnLst>
-                                </p:cTn>
-                              </p:par>
-                            </p:childTnLst>
-                          </p:cTn>
-                        </p:par>
-                      </p:childTnLst>
-                    </p:cTn>
-                  </p:par>
-                  <p:par>
-                    <p:cTn id="16" fill="hold">
-                      <p:stCondLst>
-                        <p:cond delay="indefinite"/>
-                      </p:stCondLst>
-                      <p:childTnLst>
-                        <p:par>
-                          <p:cTn id="17" fill="hold">
-                            <p:stCondLst>
-                              <p:cond delay="0"/>
-                            </p:stCondLst>
-                            <p:childTnLst>
-                              <p:par>
-                                <p:cTn id="18" presetID="10" presetClass="entr" presetSubtype="0" fill="hold" nodeType="clickEffect">
-                                  <p:stCondLst>
-                                    <p:cond delay="0"/>
-                                  </p:stCondLst>
-                                  <p:childTnLst>
-                                    <p:set>
-                                      <p:cBhvr>
-                                        <p:cTn id="19" dur="1" fill="hold">
-                                          <p:stCondLst>
-                                            <p:cond delay="0"/>
-                                          </p:stCondLst>
-                                        </p:cTn>
-                                        <p:tgtEl>
-                                          <p:spTgt spid="311"/>
-                                        </p:tgtEl>
-                                        <p:attrNameLst>
-                                          <p:attrName>style.visibility</p:attrName>
-                                        </p:attrNameLst>
-                                      </p:cBhvr>
-                                      <p:to>
-                                        <p:strVal val="visible"/>
-                                      </p:to>
-                                    </p:set>
-                                    <p:animEffect transition="in" filter="fade">
-                                      <p:cBhvr>
-                                        <p:cTn id="20" dur="100"/>
-                                        <p:tgtEl>
-                                          <p:spTgt spid="311"/>
-                                        </p:tgtEl>
-                                      </p:cBhvr>
-                                    </p:animEffect>
-                                  </p:childTnLst>
-                                </p:cTn>
-                              </p:par>
-                            </p:childTnLst>
-                          </p:cTn>
-                        </p:par>
-                      </p:childTnLst>
-                    </p:cTn>
-                  </p:par>
-                  <p:par>
-                    <p:cTn id="21" fill="hold">
-                      <p:stCondLst>
-                        <p:cond delay="indefinite"/>
-                      </p:stCondLst>
-                      <p:childTnLst>
-                        <p:par>
-                          <p:cTn id="22" fill="hold">
-                            <p:stCondLst>
-                              <p:cond delay="0"/>
-                            </p:stCondLst>
-                            <p:childTnLst>
-                              <p:par>
-                                <p:cTn id="23" presetID="10" presetClass="exit" presetSubtype="0" fill="hold" nodeType="clickEffect">
-                                  <p:stCondLst>
-                                    <p:cond delay="0"/>
-                                  </p:stCondLst>
-                                  <p:childTnLst>
-                                    <p:animEffect transition="out" filter="fade">
-                                      <p:cBhvr>
-                                        <p:cTn id="24" dur="100"/>
-                                        <p:tgtEl>
-                                          <p:spTgt spid="320"/>
-                                        </p:tgtEl>
-                                      </p:cBhvr>
-                                    </p:animEffect>
-                                    <p:set>
-                                      <p:cBhvr>
-                                        <p:cTn id="25" dur="1" fill="hold">
-                                          <p:stCondLst>
-                                            <p:cond delay="100"/>
-                                          </p:stCondLst>
-                                        </p:cTn>
-                                        <p:tgtEl>
-                                          <p:spTgt spid="320"/>
-                                        </p:tgtEl>
-                                        <p:attrNameLst>
-                                          <p:attrName>style.visibility</p:attrName>
-                                        </p:attrNameLst>
-                                      </p:cBhvr>
-                                      <p:to>
-                                        <p:strVal val="hidden"/>
-                                      </p:to>
-                                    </p:set>
-                                  </p:childTnLst>
-                                </p:cTn>
-                              </p:par>
-                            </p:childTnLst>
-                          </p:cTn>
-                        </p:par>
-                      </p:childTnLst>
-                    </p:cTn>
-                  </p:par>
-                  <p:par>
-                    <p:cTn id="26" fill="hold">
-                      <p:stCondLst>
-                        <p:cond delay="indefinite"/>
-                      </p:stCondLst>
-                      <p:childTnLst>
-                        <p:par>
-                          <p:cTn id="27" fill="hold">
-                            <p:stCondLst>
-                              <p:cond delay="0"/>
-                            </p:stCondLst>
-                            <p:childTnLst>
-                              <p:par>
-                                <p:cTn id="28" presetID="10" presetClass="entr" presetSubtype="0" fill="hold" nodeType="clickEffect">
-                                  <p:stCondLst>
-                                    <p:cond delay="0"/>
-                                  </p:stCondLst>
-                                  <p:childTnLst>
-                                    <p:set>
-                                      <p:cBhvr>
-                                        <p:cTn id="29" dur="1" fill="hold">
-                                          <p:stCondLst>
-                                            <p:cond delay="0"/>
-                                          </p:stCondLst>
-                                        </p:cTn>
-                                        <p:tgtEl>
-                                          <p:spTgt spid="314"/>
-                                        </p:tgtEl>
-                                        <p:attrNameLst>
-                                          <p:attrName>style.visibility</p:attrName>
-                                        </p:attrNameLst>
-                                      </p:cBhvr>
-                                      <p:to>
-                                        <p:strVal val="visible"/>
-                                      </p:to>
-                                    </p:set>
-                                    <p:animEffect transition="in" filter="fade">
-                                      <p:cBhvr>
-                                        <p:cTn id="30" dur="100"/>
-                                        <p:tgtEl>
-                                          <p:spTgt spid="314"/>
-                                        </p:tgtEl>
-                                      </p:cBhvr>
-                                    </p:animEffect>
-                                  </p:childTnLst>
-                                </p:cTn>
-                              </p:par>
-                              <p:par>
-                                <p:cTn id="31" presetID="10" presetClass="entr" presetSubtype="0" fill="hold" nodeType="withEffect">
-                                  <p:stCondLst>
-                                    <p:cond delay="0"/>
-                                  </p:stCondLst>
-                                  <p:childTnLst>
-                                    <p:set>
-                                      <p:cBhvr>
-                                        <p:cTn id="32" dur="1" fill="hold">
-                                          <p:stCondLst>
-                                            <p:cond delay="0"/>
-                                          </p:stCondLst>
-                                        </p:cTn>
-                                        <p:tgtEl>
-                                          <p:spTgt spid="320"/>
-                                        </p:tgtEl>
-                                        <p:attrNameLst>
-                                          <p:attrName>style.visibility</p:attrName>
-                                        </p:attrNameLst>
-                                      </p:cBhvr>
-                                      <p:to>
-                                        <p:strVal val="visible"/>
-                                      </p:to>
-                                    </p:set>
-                                    <p:animEffect transition="in" filter="fade">
-                                      <p:cBhvr>
-                                        <p:cTn id="33" dur="100"/>
-                                        <p:tgtEl>
-                                          <p:spTgt spid="320"/>
-                                        </p:tgtEl>
-                                      </p:cBhvr>
-                                    </p:animEffect>
-                                  </p:childTnLst>
-                                </p:cTn>
-                              </p:par>
-                            </p:childTnLst>
-                          </p:cTn>
-                        </p:par>
-                      </p:childTnLst>
-                    </p:cTn>
-                  </p:par>
-                  <p:par>
-                    <p:cTn id="34" fill="hold">
-                      <p:stCondLst>
-                        <p:cond delay="indefinite"/>
-                      </p:stCondLst>
-                      <p:childTnLst>
-                        <p:par>
-                          <p:cTn id="35" fill="hold">
-                            <p:stCondLst>
-                              <p:cond delay="0"/>
-                            </p:stCondLst>
-                            <p:childTnLst>
-                              <p:par>
-                                <p:cTn id="36" presetID="10" presetClass="exit" presetSubtype="0" fill="hold" nodeType="clickEffect">
-                                  <p:stCondLst>
-                                    <p:cond delay="0"/>
-                                  </p:stCondLst>
-                                  <p:childTnLst>
-                                    <p:animEffect transition="out" filter="fade">
-                                      <p:cBhvr>
-                                        <p:cTn id="37" dur="100"/>
-                                        <p:tgtEl>
-                                          <p:spTgt spid="320"/>
-                                        </p:tgtEl>
-                                      </p:cBhvr>
-                                    </p:animEffect>
-                                    <p:set>
-                                      <p:cBhvr>
-                                        <p:cTn id="38" dur="1" fill="hold">
-                                          <p:stCondLst>
-                                            <p:cond delay="100"/>
-                                          </p:stCondLst>
-                                        </p:cTn>
-                                        <p:tgtEl>
-                                          <p:spTgt spid="320"/>
-                                        </p:tgtEl>
-                                        <p:attrNameLst>
-                                          <p:attrName>style.visibility</p:attrName>
-                                        </p:attrNameLst>
-                                      </p:cBhvr>
-                                      <p:to>
-                                        <p:strVal val="hidden"/>
-                                      </p:to>
-                                    </p:set>
-                                  </p:childTnLst>
-                                </p:cTn>
-                              </p:par>
-                            </p:childTnLst>
-                          </p:cTn>
-                        </p:par>
-                      </p:childTnLst>
-                    </p:cTn>
-                  </p:par>
-                  <p:par>
-                    <p:cTn id="39" fill="hold">
-                      <p:stCondLst>
-                        <p:cond delay="indefinite"/>
-                      </p:stCondLst>
-                      <p:childTnLst>
-                        <p:par>
-                          <p:cTn id="40" fill="hold">
-                            <p:stCondLst>
-                              <p:cond delay="0"/>
-                            </p:stCondLst>
-                            <p:childTnLst>
-                              <p:par>
-                                <p:cTn id="41" presetID="10" presetClass="entr" presetSubtype="0" fill="hold" nodeType="clickEffect">
-                                  <p:stCondLst>
-                                    <p:cond delay="0"/>
-                                  </p:stCondLst>
-                                  <p:childTnLst>
-                                    <p:set>
-                                      <p:cBhvr>
-                                        <p:cTn id="42" dur="1" fill="hold">
-                                          <p:stCondLst>
-                                            <p:cond delay="0"/>
-                                          </p:stCondLst>
-                                        </p:cTn>
-                                        <p:tgtEl>
-                                          <p:spTgt spid="317"/>
-                                        </p:tgtEl>
-                                        <p:attrNameLst>
-                                          <p:attrName>style.visibility</p:attrName>
-                                        </p:attrNameLst>
-                                      </p:cBhvr>
-                                      <p:to>
-                                        <p:strVal val="visible"/>
-                                      </p:to>
-                                    </p:set>
-                                    <p:animEffect transition="in" filter="fade">
-                                      <p:cBhvr>
-                                        <p:cTn id="43" dur="100"/>
-                                        <p:tgtEl>
-                                          <p:spTgt spid="317"/>
-                                        </p:tgtEl>
-                                      </p:cBhvr>
-                                    </p:animEffect>
-                                  </p:childTnLst>
-                                </p:cTn>
-                              </p:par>
-                              <p:par>
-                                <p:cTn id="44" presetID="10" presetClass="entr" presetSubtype="0" fill="hold" nodeType="withEffect">
-                                  <p:stCondLst>
-                                    <p:cond delay="0"/>
-                                  </p:stCondLst>
-                                  <p:childTnLst>
-                                    <p:set>
-                                      <p:cBhvr>
-                                        <p:cTn id="45" dur="1" fill="hold">
-                                          <p:stCondLst>
-                                            <p:cond delay="0"/>
-                                          </p:stCondLst>
-                                        </p:cTn>
-                                        <p:tgtEl>
-                                          <p:spTgt spid="320"/>
-                                        </p:tgtEl>
-                                        <p:attrNameLst>
-                                          <p:attrName>style.visibility</p:attrName>
-                                        </p:attrNameLst>
-                                      </p:cBhvr>
-                                      <p:to>
-                                        <p:strVal val="visible"/>
-                                      </p:to>
-                                    </p:set>
-                                    <p:animEffect transition="in" filter="fade">
-                                      <p:cBhvr>
-                                        <p:cTn id="46" dur="100"/>
-                                        <p:tgtEl>
-                                          <p:spTgt spid="320"/>
-                                        </p:tgtEl>
-                                      </p:cBhvr>
-                                    </p:animEffect>
-                                  </p:childTnLst>
-                                </p:cTn>
-                              </p:par>
-                            </p:childTnLst>
-                          </p:cTn>
-                        </p:par>
-                      </p:childTnLst>
-                    </p:cTn>
-                  </p:par>
-                  <p:par>
-                    <p:cTn id="47" fill="hold">
-                      <p:stCondLst>
-                        <p:cond delay="indefinite"/>
-                      </p:stCondLst>
-                      <p:childTnLst>
-                        <p:par>
-                          <p:cTn id="48" fill="hold">
-                            <p:stCondLst>
-                              <p:cond delay="0"/>
-                            </p:stCondLst>
-                            <p:childTnLst>
-                              <p:par>
-                                <p:cTn id="49" presetID="10" presetClass="exit" presetSubtype="0" fill="hold" nodeType="clickEffect">
-                                  <p:stCondLst>
-                                    <p:cond delay="0"/>
-                                  </p:stCondLst>
-                                  <p:childTnLst>
-                                    <p:animEffect transition="out" filter="fade">
-                                      <p:cBhvr>
-                                        <p:cTn id="50" dur="100"/>
-                                        <p:tgtEl>
-                                          <p:spTgt spid="320"/>
-                                        </p:tgtEl>
-                                      </p:cBhvr>
-                                    </p:animEffect>
-                                    <p:set>
-                                      <p:cBhvr>
-                                        <p:cTn id="51" dur="1" fill="hold">
-                                          <p:stCondLst>
-                                            <p:cond delay="100"/>
-                                          </p:stCondLst>
-                                        </p:cTn>
-                                        <p:tgtEl>
-                                          <p:spTgt spid="320"/>
-                                        </p:tgtEl>
-                                        <p:attrNameLst>
-                                          <p:attrName>style.visibility</p:attrName>
-                                        </p:attrNameLst>
-                                      </p:cBhvr>
-                                      <p:to>
-                                        <p:strVal val="hidden"/>
-                                      </p:to>
-                                    </p:set>
-                                  </p:childTnLst>
-                                </p:cTn>
-                              </p:par>
-                            </p:childTnLst>
-                          </p:cTn>
-                        </p:par>
-                      </p:childTnLst>
-                    </p:cTn>
-                  </p:par>
-                </p:childTnLst>
-              </p:cTn>
-              <p:prevCondLst>
-                <p:cond evt="onPrev" delay="0">
-                  <p:tgtEl>
-                    <p:sldTgt/>
-                  </p:tgtEl>
-                </p:cond>
-              </p:prevCondLst>
-              <p:nextCondLst>
-                <p:cond evt="onNext" delay="0">
-                  <p:tgtEl>
-                    <p:sldTgt/>
-                  </p:tgtEl>
-                </p:cond>
-              </p:nextCondLst>
-            </p:seq>
-          </p:childTnLst>
-        </p:cTn>
-      </p:par>
-    </p:tnLst>
-  </p:timing>
-</p:sld>
-</file>
-
-<file path=ppt/slides/slide12.xml><?xml version="1.0" encoding="utf-8"?>
-<p:sld xmlns:a="http://schemas.openxmlformats.org/drawingml/2006/main" xmlns:r="http://schemas.openxmlformats.org/officeDocument/2006/relationships" xmlns:p="http://schemas.openxmlformats.org/presentationml/2006/main">
-  <p:cSld>
-    <p:spTree>
-      <p:nvGrpSpPr>
         <p:cNvPr id="1" name=""/>
         <p:cNvGrpSpPr/>
         <p:nvPr/>
@@ -17346,7 +14012,7 @@
             <a:fld id="{65E435D9-63B0-4660-8D04-E83F5E2CA2AE}" type="slidenum">
               <a:rPr lang="en-GB" altLang="en-US" smtClean="0"/>
               <a:pPr/>
-              <a:t>12</a:t>
+              <a:t>10</a:t>
             </a:fld>
             <a:endParaRPr lang="en-GB" altLang="en-US"/>
           </a:p>
@@ -17395,7 +14061,7 @@
 </p:sld>
 </file>
 
-<file path=ppt/slides/slide13.xml><?xml version="1.0" encoding="utf-8"?>
+<file path=ppt/slides/slide11.xml><?xml version="1.0" encoding="utf-8"?>
 <p:sld xmlns:a="http://schemas.openxmlformats.org/drawingml/2006/main" xmlns:r="http://schemas.openxmlformats.org/officeDocument/2006/relationships" xmlns:p="http://schemas.openxmlformats.org/presentationml/2006/main">
   <p:cSld>
     <p:spTree>
@@ -17488,7 +14154,7 @@
                   <a:srgbClr val="000000"/>
                 </a:buClr>
               </a:pPr>
-              <a:t>13</a:t>
+              <a:t>11</a:t>
             </a:fld>
             <a:endParaRPr kern="0">
               <a:cs typeface="Arial" panose="020B0604020202020204" pitchFamily="34" charset="0"/>
@@ -18695,7 +15361,7 @@
 </p:sld>
 </file>
 
-<file path=ppt/slides/slide14.xml><?xml version="1.0" encoding="utf-8"?>
+<file path=ppt/slides/slide12.xml><?xml version="1.0" encoding="utf-8"?>
 <p:sld xmlns:a="http://schemas.openxmlformats.org/drawingml/2006/main" xmlns:r="http://schemas.openxmlformats.org/officeDocument/2006/relationships" xmlns:p="http://schemas.openxmlformats.org/presentationml/2006/main">
   <p:cSld>
     <p:spTree>
@@ -18842,7 +15508,7 @@
                   <a:srgbClr val="000000"/>
                 </a:buClr>
               </a:pPr>
-              <a:t>14</a:t>
+              <a:t>12</a:t>
             </a:fld>
             <a:endParaRPr kern="0">
               <a:cs typeface="Arial" panose="020B0604020202020204" pitchFamily="34" charset="0"/>
@@ -19319,7 +15985,7 @@
 </p:sld>
 </file>
 
-<file path=ppt/slides/slide15.xml><?xml version="1.0" encoding="utf-8"?>
+<file path=ppt/slides/slide13.xml><?xml version="1.0" encoding="utf-8"?>
 <p:sld xmlns:a="http://schemas.openxmlformats.org/drawingml/2006/main" xmlns:r="http://schemas.openxmlformats.org/officeDocument/2006/relationships" xmlns:p="http://schemas.openxmlformats.org/presentationml/2006/main">
   <p:cSld>
     <p:spTree>
@@ -19504,7 +16170,7 @@
                   <a:srgbClr val="000000"/>
                 </a:buClr>
               </a:pPr>
-              <a:t>15</a:t>
+              <a:t>13</a:t>
             </a:fld>
             <a:endParaRPr kern="0">
               <a:cs typeface="Arial" panose="020B0604020202020204" pitchFamily="34" charset="0"/>
@@ -19843,7 +16509,7 @@
 </p:sld>
 </file>
 
-<file path=ppt/slides/slide16.xml><?xml version="1.0" encoding="utf-8"?>
+<file path=ppt/slides/slide14.xml><?xml version="1.0" encoding="utf-8"?>
 <p:sld xmlns:a="http://schemas.openxmlformats.org/drawingml/2006/main" xmlns:r="http://schemas.openxmlformats.org/officeDocument/2006/relationships" xmlns:p="http://schemas.openxmlformats.org/presentationml/2006/main">
   <p:cSld>
     <p:spTree>
@@ -20041,7 +16707,7 @@
                   <a:srgbClr val="000000"/>
                 </a:buClr>
               </a:pPr>
-              <a:t>16</a:t>
+              <a:t>14</a:t>
             </a:fld>
             <a:endParaRPr kern="0">
               <a:cs typeface="Arial" panose="020B0604020202020204" pitchFamily="34" charset="0"/>
@@ -20062,7 +16728,7 @@
 </p:sld>
 </file>
 
-<file path=ppt/slides/slide17.xml><?xml version="1.0" encoding="utf-8"?>
+<file path=ppt/slides/slide15.xml><?xml version="1.0" encoding="utf-8"?>
 <p:sld xmlns:a="http://schemas.openxmlformats.org/drawingml/2006/main" xmlns:r="http://schemas.openxmlformats.org/officeDocument/2006/relationships" xmlns:p="http://schemas.openxmlformats.org/presentationml/2006/main">
   <p:cSld>
     <p:spTree>
@@ -20180,7 +16846,7 @@
                   <a:srgbClr val="000000"/>
                 </a:buClr>
               </a:pPr>
-              <a:t>17</a:t>
+              <a:t>15</a:t>
             </a:fld>
             <a:endParaRPr kern="0">
               <a:cs typeface="Arial" panose="020B0604020202020204" pitchFamily="34" charset="0"/>
@@ -24319,7 +20985,7 @@
 </p:sld>
 </file>
 
-<file path=ppt/slides/slide18.xml><?xml version="1.0" encoding="utf-8"?>
+<file path=ppt/slides/slide16.xml><?xml version="1.0" encoding="utf-8"?>
 <p:sld xmlns:a="http://schemas.openxmlformats.org/drawingml/2006/main" xmlns:r="http://schemas.openxmlformats.org/officeDocument/2006/relationships" xmlns:p="http://schemas.openxmlformats.org/presentationml/2006/main">
   <p:cSld>
     <p:spTree>
@@ -24447,7 +21113,7 @@
             <a:fld id="{65E435D9-63B0-4660-8D04-E83F5E2CA2AE}" type="slidenum">
               <a:rPr lang="en-GB" altLang="en-US" smtClean="0"/>
               <a:pPr/>
-              <a:t>18</a:t>
+              <a:t>16</a:t>
             </a:fld>
             <a:endParaRPr lang="en-GB" altLang="en-US"/>
           </a:p>
@@ -24496,7 +21162,7 @@
 </p:sld>
 </file>
 
-<file path=ppt/slides/slide19.xml><?xml version="1.0" encoding="utf-8"?>
+<file path=ppt/slides/slide17.xml><?xml version="1.0" encoding="utf-8"?>
 <p:sld xmlns:a="http://schemas.openxmlformats.org/drawingml/2006/main" xmlns:r="http://schemas.openxmlformats.org/officeDocument/2006/relationships" xmlns:p="http://schemas.openxmlformats.org/presentationml/2006/main">
   <p:cSld>
     <p:spTree>
@@ -24789,7 +21455,7 @@
                   <a:srgbClr val="000000"/>
                 </a:buClr>
               </a:pPr>
-              <a:t>19</a:t>
+              <a:t>17</a:t>
             </a:fld>
             <a:endParaRPr kern="0">
               <a:cs typeface="Arial" panose="020B0604020202020204" pitchFamily="34" charset="0"/>
@@ -25555,220 +22221,7 @@
 </p:sld>
 </file>
 
-<file path=ppt/slides/slide2.xml><?xml version="1.0" encoding="utf-8"?>
-<p:sld xmlns:a="http://schemas.openxmlformats.org/drawingml/2006/main" xmlns:r="http://schemas.openxmlformats.org/officeDocument/2006/relationships" xmlns:p="http://schemas.openxmlformats.org/presentationml/2006/main">
-  <p:cSld>
-    <p:spTree>
-      <p:nvGrpSpPr>
-        <p:cNvPr id="1" name=""/>
-        <p:cNvGrpSpPr/>
-        <p:nvPr/>
-      </p:nvGrpSpPr>
-      <p:grpSpPr>
-        <a:xfrm>
-          <a:off x="0" y="0"/>
-          <a:ext cx="0" cy="0"/>
-          <a:chOff x="0" y="0"/>
-          <a:chExt cx="0" cy="0"/>
-        </a:xfrm>
-      </p:grpSpPr>
-      <p:sp>
-        <p:nvSpPr>
-          <p:cNvPr id="2" name="Title 1">
-            <a:extLst>
-              <a:ext uri="{FF2B5EF4-FFF2-40B4-BE49-F238E27FC236}">
-                <a16:creationId xmlns:a16="http://schemas.microsoft.com/office/drawing/2014/main" id="{AB9EA720-F5B4-463B-B14C-1970BB85B2C8}"/>
-              </a:ext>
-            </a:extLst>
-          </p:cNvPr>
-          <p:cNvSpPr>
-            <a:spLocks noGrp="1"/>
-          </p:cNvSpPr>
-          <p:nvPr>
-            <p:ph type="title"/>
-          </p:nvPr>
-        </p:nvSpPr>
-        <p:spPr/>
-        <p:txBody>
-          <a:bodyPr/>
-          <a:lstStyle/>
-          <a:p>
-            <a:r>
-              <a:rPr lang="en-US"/>
-              <a:t>Announcements</a:t>
-            </a:r>
-          </a:p>
-        </p:txBody>
-      </p:sp>
-      <p:sp>
-        <p:nvSpPr>
-          <p:cNvPr id="3" name="Content Placeholder 2">
-            <a:extLst>
-              <a:ext uri="{FF2B5EF4-FFF2-40B4-BE49-F238E27FC236}">
-                <a16:creationId xmlns:a16="http://schemas.microsoft.com/office/drawing/2014/main" id="{2466C52D-9A48-4683-BE7F-268D8DB7FAAD}"/>
-              </a:ext>
-            </a:extLst>
-          </p:cNvPr>
-          <p:cNvSpPr>
-            <a:spLocks noGrp="1"/>
-          </p:cNvSpPr>
-          <p:nvPr>
-            <p:ph idx="1"/>
-          </p:nvPr>
-        </p:nvSpPr>
-        <p:spPr/>
-        <p:txBody>
-          <a:bodyPr/>
-          <a:lstStyle/>
-          <a:p>
-            <a:r>
-              <a:rPr lang="en-US" dirty="0"/>
-              <a:t>Homework 1 is due this Friday at 11:59 pm</a:t>
-            </a:r>
-          </a:p>
-          <a:p>
-            <a:r>
-              <a:rPr lang="en-US" dirty="0"/>
-              <a:t>Lab 1 posted on Canvas</a:t>
-            </a:r>
-          </a:p>
-          <a:p>
-            <a:pPr lvl="1"/>
-            <a:r>
-              <a:rPr lang="en-US" dirty="0"/>
-              <a:t>Explained in recitations of this week</a:t>
-            </a:r>
-          </a:p>
-          <a:p>
-            <a:pPr lvl="1"/>
-            <a:r>
-              <a:rPr lang="en-US" dirty="0"/>
-              <a:t>Github Classroom</a:t>
-            </a:r>
-          </a:p>
-          <a:p>
-            <a:r>
-              <a:rPr lang="en-US" dirty="0"/>
-              <a:t>Assignment 1</a:t>
-            </a:r>
-          </a:p>
-        </p:txBody>
-      </p:sp>
-      <p:sp>
-        <p:nvSpPr>
-          <p:cNvPr id="4" name="Footer Placeholder 3">
-            <a:extLst>
-              <a:ext uri="{FF2B5EF4-FFF2-40B4-BE49-F238E27FC236}">
-                <a16:creationId xmlns:a16="http://schemas.microsoft.com/office/drawing/2014/main" id="{1F01509E-F3AE-471C-8BB2-E55078C4C863}"/>
-              </a:ext>
-            </a:extLst>
-          </p:cNvPr>
-          <p:cNvSpPr>
-            <a:spLocks noGrp="1"/>
-          </p:cNvSpPr>
-          <p:nvPr>
-            <p:ph type="ftr" idx="11"/>
-          </p:nvPr>
-        </p:nvSpPr>
-        <p:spPr/>
-        <p:txBody>
-          <a:bodyPr/>
-          <a:lstStyle/>
-          <a:p>
-            <a:pPr defTabSz="457063" fontAlgn="base" hangingPunct="0">
-              <a:spcBef>
-                <a:spcPct val="0"/>
-              </a:spcBef>
-              <a:spcAft>
-                <a:spcPct val="0"/>
-              </a:spcAft>
-              <a:buClr>
-                <a:srgbClr val="000000"/>
-              </a:buClr>
-              <a:buSzPct val="100000"/>
-              <a:defRPr/>
-            </a:pPr>
-            <a:r>
-              <a:rPr lang="en-US">
-                <a:latin typeface="Arial"/>
-              </a:rPr>
-              <a:t>CS 1501 – Algorithms &amp; Data Structures 2 – Sherif Khattab</a:t>
-            </a:r>
-            <a:endParaRPr lang="en-GB"/>
-          </a:p>
-        </p:txBody>
-      </p:sp>
-      <p:sp>
-        <p:nvSpPr>
-          <p:cNvPr id="5" name="Slide Number Placeholder 4">
-            <a:extLst>
-              <a:ext uri="{FF2B5EF4-FFF2-40B4-BE49-F238E27FC236}">
-                <a16:creationId xmlns:a16="http://schemas.microsoft.com/office/drawing/2014/main" id="{481CF72B-4081-461A-85F0-AEE6A7897B6A}"/>
-              </a:ext>
-            </a:extLst>
-          </p:cNvPr>
-          <p:cNvSpPr>
-            <a:spLocks noGrp="1"/>
-          </p:cNvSpPr>
-          <p:nvPr>
-            <p:ph type="sldNum" idx="12"/>
-          </p:nvPr>
-        </p:nvSpPr>
-        <p:spPr/>
-        <p:txBody>
-          <a:bodyPr/>
-          <a:lstStyle/>
-          <a:p>
-            <a:pPr defTabSz="457063" fontAlgn="base" hangingPunct="0">
-              <a:spcBef>
-                <a:spcPct val="0"/>
-              </a:spcBef>
-              <a:spcAft>
-                <a:spcPct val="0"/>
-              </a:spcAft>
-              <a:buClr>
-                <a:srgbClr val="000000"/>
-              </a:buClr>
-              <a:buSzPct val="100000"/>
-            </a:pPr>
-            <a:fld id="{65E435D9-63B0-4660-8D04-E83F5E2CA2AE}" type="slidenum">
-              <a:rPr lang="en-GB" altLang="en-US">
-                <a:cs typeface="Arial" panose="020B0604020202020204" pitchFamily="34" charset="0"/>
-              </a:rPr>
-              <a:pPr defTabSz="457063" fontAlgn="base" hangingPunct="0">
-                <a:spcBef>
-                  <a:spcPct val="0"/>
-                </a:spcBef>
-                <a:spcAft>
-                  <a:spcPct val="0"/>
-                </a:spcAft>
-                <a:buClr>
-                  <a:srgbClr val="000000"/>
-                </a:buClr>
-                <a:buSzPct val="100000"/>
-              </a:pPr>
-              <a:t>2</a:t>
-            </a:fld>
-            <a:endParaRPr lang="en-GB" altLang="en-US">
-              <a:cs typeface="Arial" panose="020B0604020202020204" pitchFamily="34" charset="0"/>
-            </a:endParaRPr>
-          </a:p>
-        </p:txBody>
-      </p:sp>
-    </p:spTree>
-    <p:extLst>
-      <p:ext uri="{BB962C8B-B14F-4D97-AF65-F5344CB8AC3E}">
-        <p14:creationId xmlns:p14="http://schemas.microsoft.com/office/powerpoint/2010/main" val="1068465410"/>
-      </p:ext>
-    </p:extLst>
-  </p:cSld>
-  <p:clrMapOvr>
-    <a:masterClrMapping/>
-  </p:clrMapOvr>
-</p:sld>
-</file>
-
-<file path=ppt/slides/slide20.xml><?xml version="1.0" encoding="utf-8"?>
+<file path=ppt/slides/slide18.xml><?xml version="1.0" encoding="utf-8"?>
 <p:sld xmlns:a="http://schemas.openxmlformats.org/drawingml/2006/main" xmlns:r="http://schemas.openxmlformats.org/officeDocument/2006/relationships" xmlns:p="http://schemas.openxmlformats.org/presentationml/2006/main">
   <p:cSld>
     <p:spTree>
@@ -25886,7 +22339,7 @@
                   <a:srgbClr val="000000"/>
                 </a:buClr>
               </a:pPr>
-              <a:t>20</a:t>
+              <a:t>18</a:t>
             </a:fld>
             <a:endParaRPr kern="0">
               <a:cs typeface="Arial" panose="020B0604020202020204" pitchFamily="34" charset="0"/>
@@ -30025,7 +26478,7 @@
 </p:sld>
 </file>
 
-<file path=ppt/slides/slide21.xml><?xml version="1.0" encoding="utf-8"?>
+<file path=ppt/slides/slide19.xml><?xml version="1.0" encoding="utf-8"?>
 <p:sld xmlns:a="http://schemas.openxmlformats.org/drawingml/2006/main" xmlns:r="http://schemas.openxmlformats.org/officeDocument/2006/relationships" xmlns:p="http://schemas.openxmlformats.org/presentationml/2006/main">
   <p:cSld>
     <p:spTree>
@@ -30150,7 +26603,7 @@
                   <a:srgbClr val="000000"/>
                 </a:buClr>
               </a:pPr>
-              <a:t>21</a:t>
+              <a:t>19</a:t>
             </a:fld>
             <a:endParaRPr kern="0">
               <a:cs typeface="Arial" panose="020B0604020202020204" pitchFamily="34" charset="0"/>
@@ -33788,7 +30241,220 @@
 </p:sld>
 </file>
 
-<file path=ppt/slides/slide22.xml><?xml version="1.0" encoding="utf-8"?>
+<file path=ppt/slides/slide2.xml><?xml version="1.0" encoding="utf-8"?>
+<p:sld xmlns:a="http://schemas.openxmlformats.org/drawingml/2006/main" xmlns:r="http://schemas.openxmlformats.org/officeDocument/2006/relationships" xmlns:p="http://schemas.openxmlformats.org/presentationml/2006/main">
+  <p:cSld>
+    <p:spTree>
+      <p:nvGrpSpPr>
+        <p:cNvPr id="1" name=""/>
+        <p:cNvGrpSpPr/>
+        <p:nvPr/>
+      </p:nvGrpSpPr>
+      <p:grpSpPr>
+        <a:xfrm>
+          <a:off x="0" y="0"/>
+          <a:ext cx="0" cy="0"/>
+          <a:chOff x="0" y="0"/>
+          <a:chExt cx="0" cy="0"/>
+        </a:xfrm>
+      </p:grpSpPr>
+      <p:sp>
+        <p:nvSpPr>
+          <p:cNvPr id="2" name="Title 1">
+            <a:extLst>
+              <a:ext uri="{FF2B5EF4-FFF2-40B4-BE49-F238E27FC236}">
+                <a16:creationId xmlns:a16="http://schemas.microsoft.com/office/drawing/2014/main" id="{AB9EA720-F5B4-463B-B14C-1970BB85B2C8}"/>
+              </a:ext>
+            </a:extLst>
+          </p:cNvPr>
+          <p:cNvSpPr>
+            <a:spLocks noGrp="1"/>
+          </p:cNvSpPr>
+          <p:nvPr>
+            <p:ph type="title"/>
+          </p:nvPr>
+        </p:nvSpPr>
+        <p:spPr/>
+        <p:txBody>
+          <a:bodyPr/>
+          <a:lstStyle/>
+          <a:p>
+            <a:r>
+              <a:rPr lang="en-US"/>
+              <a:t>Announcements</a:t>
+            </a:r>
+          </a:p>
+        </p:txBody>
+      </p:sp>
+      <p:sp>
+        <p:nvSpPr>
+          <p:cNvPr id="3" name="Content Placeholder 2">
+            <a:extLst>
+              <a:ext uri="{FF2B5EF4-FFF2-40B4-BE49-F238E27FC236}">
+                <a16:creationId xmlns:a16="http://schemas.microsoft.com/office/drawing/2014/main" id="{2466C52D-9A48-4683-BE7F-268D8DB7FAAD}"/>
+              </a:ext>
+            </a:extLst>
+          </p:cNvPr>
+          <p:cNvSpPr>
+            <a:spLocks noGrp="1"/>
+          </p:cNvSpPr>
+          <p:nvPr>
+            <p:ph idx="1"/>
+          </p:nvPr>
+        </p:nvSpPr>
+        <p:spPr/>
+        <p:txBody>
+          <a:bodyPr/>
+          <a:lstStyle/>
+          <a:p>
+            <a:r>
+              <a:rPr lang="en-US" dirty="0"/>
+              <a:t>Homework 1 is due this Friday at 11:59 pm</a:t>
+            </a:r>
+          </a:p>
+          <a:p>
+            <a:r>
+              <a:rPr lang="en-US" dirty="0"/>
+              <a:t>Lab 1 posted on Canvas</a:t>
+            </a:r>
+          </a:p>
+          <a:p>
+            <a:pPr lvl="1"/>
+            <a:r>
+              <a:rPr lang="en-US" dirty="0"/>
+              <a:t>Explained in recitations of this week</a:t>
+            </a:r>
+          </a:p>
+          <a:p>
+            <a:pPr lvl="1"/>
+            <a:r>
+              <a:rPr lang="en-US" dirty="0"/>
+              <a:t>Github Classroom</a:t>
+            </a:r>
+          </a:p>
+          <a:p>
+            <a:r>
+              <a:rPr lang="en-US" dirty="0"/>
+              <a:t>Assignment 1</a:t>
+            </a:r>
+          </a:p>
+        </p:txBody>
+      </p:sp>
+      <p:sp>
+        <p:nvSpPr>
+          <p:cNvPr id="4" name="Footer Placeholder 3">
+            <a:extLst>
+              <a:ext uri="{FF2B5EF4-FFF2-40B4-BE49-F238E27FC236}">
+                <a16:creationId xmlns:a16="http://schemas.microsoft.com/office/drawing/2014/main" id="{1F01509E-F3AE-471C-8BB2-E55078C4C863}"/>
+              </a:ext>
+            </a:extLst>
+          </p:cNvPr>
+          <p:cNvSpPr>
+            <a:spLocks noGrp="1"/>
+          </p:cNvSpPr>
+          <p:nvPr>
+            <p:ph type="ftr" idx="11"/>
+          </p:nvPr>
+        </p:nvSpPr>
+        <p:spPr/>
+        <p:txBody>
+          <a:bodyPr/>
+          <a:lstStyle/>
+          <a:p>
+            <a:pPr defTabSz="457063" fontAlgn="base" hangingPunct="0">
+              <a:spcBef>
+                <a:spcPct val="0"/>
+              </a:spcBef>
+              <a:spcAft>
+                <a:spcPct val="0"/>
+              </a:spcAft>
+              <a:buClr>
+                <a:srgbClr val="000000"/>
+              </a:buClr>
+              <a:buSzPct val="100000"/>
+              <a:defRPr/>
+            </a:pPr>
+            <a:r>
+              <a:rPr lang="en-US">
+                <a:latin typeface="Arial"/>
+              </a:rPr>
+              <a:t>CS 1501 – Algorithms &amp; Data Structures 2 – Sherif Khattab</a:t>
+            </a:r>
+            <a:endParaRPr lang="en-GB"/>
+          </a:p>
+        </p:txBody>
+      </p:sp>
+      <p:sp>
+        <p:nvSpPr>
+          <p:cNvPr id="5" name="Slide Number Placeholder 4">
+            <a:extLst>
+              <a:ext uri="{FF2B5EF4-FFF2-40B4-BE49-F238E27FC236}">
+                <a16:creationId xmlns:a16="http://schemas.microsoft.com/office/drawing/2014/main" id="{481CF72B-4081-461A-85F0-AEE6A7897B6A}"/>
+              </a:ext>
+            </a:extLst>
+          </p:cNvPr>
+          <p:cNvSpPr>
+            <a:spLocks noGrp="1"/>
+          </p:cNvSpPr>
+          <p:nvPr>
+            <p:ph type="sldNum" idx="12"/>
+          </p:nvPr>
+        </p:nvSpPr>
+        <p:spPr/>
+        <p:txBody>
+          <a:bodyPr/>
+          <a:lstStyle/>
+          <a:p>
+            <a:pPr defTabSz="457063" fontAlgn="base" hangingPunct="0">
+              <a:spcBef>
+                <a:spcPct val="0"/>
+              </a:spcBef>
+              <a:spcAft>
+                <a:spcPct val="0"/>
+              </a:spcAft>
+              <a:buClr>
+                <a:srgbClr val="000000"/>
+              </a:buClr>
+              <a:buSzPct val="100000"/>
+            </a:pPr>
+            <a:fld id="{65E435D9-63B0-4660-8D04-E83F5E2CA2AE}" type="slidenum">
+              <a:rPr lang="en-GB" altLang="en-US">
+                <a:cs typeface="Arial" panose="020B0604020202020204" pitchFamily="34" charset="0"/>
+              </a:rPr>
+              <a:pPr defTabSz="457063" fontAlgn="base" hangingPunct="0">
+                <a:spcBef>
+                  <a:spcPct val="0"/>
+                </a:spcBef>
+                <a:spcAft>
+                  <a:spcPct val="0"/>
+                </a:spcAft>
+                <a:buClr>
+                  <a:srgbClr val="000000"/>
+                </a:buClr>
+                <a:buSzPct val="100000"/>
+              </a:pPr>
+              <a:t>2</a:t>
+            </a:fld>
+            <a:endParaRPr lang="en-GB" altLang="en-US">
+              <a:cs typeface="Arial" panose="020B0604020202020204" pitchFamily="34" charset="0"/>
+            </a:endParaRPr>
+          </a:p>
+        </p:txBody>
+      </p:sp>
+    </p:spTree>
+    <p:extLst>
+      <p:ext uri="{BB962C8B-B14F-4D97-AF65-F5344CB8AC3E}">
+        <p14:creationId xmlns:p14="http://schemas.microsoft.com/office/powerpoint/2010/main" val="1068465410"/>
+      </p:ext>
+    </p:extLst>
+  </p:cSld>
+  <p:clrMapOvr>
+    <a:masterClrMapping/>
+  </p:clrMapOvr>
+</p:sld>
+</file>
+
+<file path=ppt/slides/slide20.xml><?xml version="1.0" encoding="utf-8"?>
 <p:sld xmlns:a="http://schemas.openxmlformats.org/drawingml/2006/main" xmlns:r="http://schemas.openxmlformats.org/officeDocument/2006/relationships" xmlns:p="http://schemas.openxmlformats.org/presentationml/2006/main">
   <p:cSld>
     <p:spTree>
@@ -33960,7 +30626,7 @@
                   <a:srgbClr val="000000"/>
                 </a:buClr>
               </a:pPr>
-              <a:t>22</a:t>
+              <a:t>20</a:t>
             </a:fld>
             <a:endParaRPr kern="0">
               <a:cs typeface="Arial" panose="020B0604020202020204" pitchFamily="34" charset="0"/>
@@ -34299,7 +30965,7 @@
 </p:sld>
 </file>
 
-<file path=ppt/slides/slide23.xml><?xml version="1.0" encoding="utf-8"?>
+<file path=ppt/slides/slide21.xml><?xml version="1.0" encoding="utf-8"?>
 <p:sld xmlns:a="http://schemas.openxmlformats.org/drawingml/2006/main" xmlns:r="http://schemas.openxmlformats.org/officeDocument/2006/relationships" xmlns:p="http://schemas.openxmlformats.org/presentationml/2006/main">
   <p:cSld>
     <p:spTree>
@@ -34516,7 +31182,7 @@
                   <a:srgbClr val="000000"/>
                 </a:buClr>
               </a:pPr>
-              <a:t>23</a:t>
+              <a:t>21</a:t>
             </a:fld>
             <a:endParaRPr kern="0">
               <a:cs typeface="Arial" panose="020B0604020202020204" pitchFamily="34" charset="0"/>
@@ -35526,372 +32192,6 @@
           <p:cNvPr id="2" name="Title 1">
             <a:extLst>
               <a:ext uri="{FF2B5EF4-FFF2-40B4-BE49-F238E27FC236}">
-                <a16:creationId xmlns:a16="http://schemas.microsoft.com/office/drawing/2014/main" id="{BC72EBE0-8817-4DA1-BFA1-9EFED06EF86F}"/>
-              </a:ext>
-            </a:extLst>
-          </p:cNvPr>
-          <p:cNvSpPr>
-            <a:spLocks noGrp="1"/>
-          </p:cNvSpPr>
-          <p:nvPr>
-            <p:ph type="title"/>
-          </p:nvPr>
-        </p:nvSpPr>
-        <p:spPr/>
-        <p:txBody>
-          <a:bodyPr/>
-          <a:lstStyle/>
-          <a:p>
-            <a:r>
-              <a:rPr lang="en-US"/>
-              <a:t>A couple useful Math formulae</a:t>
-            </a:r>
-          </a:p>
-        </p:txBody>
-      </p:sp>
-      <p:sp>
-        <p:nvSpPr>
-          <p:cNvPr id="4" name="Footer Placeholder 3">
-            <a:extLst>
-              <a:ext uri="{FF2B5EF4-FFF2-40B4-BE49-F238E27FC236}">
-                <a16:creationId xmlns:a16="http://schemas.microsoft.com/office/drawing/2014/main" id="{3622EDF2-677F-47BF-B16F-D5EE7CE45252}"/>
-              </a:ext>
-            </a:extLst>
-          </p:cNvPr>
-          <p:cNvSpPr>
-            <a:spLocks noGrp="1"/>
-          </p:cNvSpPr>
-          <p:nvPr>
-            <p:ph type="ftr" idx="11"/>
-          </p:nvPr>
-        </p:nvSpPr>
-        <p:spPr/>
-        <p:txBody>
-          <a:bodyPr/>
-          <a:lstStyle/>
-          <a:p>
-            <a:pPr>
-              <a:defRPr/>
-            </a:pPr>
-            <a:r>
-              <a:rPr lang="en-US">
-                <a:latin typeface="+mn-lt"/>
-              </a:rPr>
-              <a:t>CS 1501 – Algorithms &amp; Data Structures 2 – Sherif Khattab</a:t>
-            </a:r>
-            <a:endParaRPr lang="en-GB"/>
-          </a:p>
-        </p:txBody>
-      </p:sp>
-      <p:sp>
-        <p:nvSpPr>
-          <p:cNvPr id="5" name="Slide Number Placeholder 4">
-            <a:extLst>
-              <a:ext uri="{FF2B5EF4-FFF2-40B4-BE49-F238E27FC236}">
-                <a16:creationId xmlns:a16="http://schemas.microsoft.com/office/drawing/2014/main" id="{4D691E89-09B6-4A9D-AEBF-3495A35914A9}"/>
-              </a:ext>
-            </a:extLst>
-          </p:cNvPr>
-          <p:cNvSpPr>
-            <a:spLocks noGrp="1"/>
-          </p:cNvSpPr>
-          <p:nvPr>
-            <p:ph type="sldNum" idx="12"/>
-          </p:nvPr>
-        </p:nvSpPr>
-        <p:spPr/>
-        <p:txBody>
-          <a:bodyPr/>
-          <a:lstStyle/>
-          <a:p>
-            <a:fld id="{65E435D9-63B0-4660-8D04-E83F5E2CA2AE}" type="slidenum">
-              <a:rPr lang="en-GB" altLang="en-US" smtClean="0"/>
-              <a:pPr/>
-              <a:t>6</a:t>
-            </a:fld>
-            <a:endParaRPr lang="en-GB" altLang="en-US"/>
-          </a:p>
-        </p:txBody>
-      </p:sp>
-      <p:pic>
-        <p:nvPicPr>
-          <p:cNvPr id="7" name="Picture 6">
-            <a:extLst>
-              <a:ext uri="{FF2B5EF4-FFF2-40B4-BE49-F238E27FC236}">
-                <a16:creationId xmlns:a16="http://schemas.microsoft.com/office/drawing/2014/main" id="{34802B9A-3D14-42D2-9B34-EEB09292A38C}"/>
-              </a:ext>
-            </a:extLst>
-          </p:cNvPr>
-          <p:cNvPicPr>
-            <a:picLocks noChangeAspect="1"/>
-          </p:cNvPicPr>
-          <p:nvPr/>
-        </p:nvPicPr>
-        <p:blipFill>
-          <a:blip r:embed="rId2"/>
-          <a:stretch>
-            <a:fillRect/>
-          </a:stretch>
-        </p:blipFill>
-        <p:spPr>
-          <a:xfrm>
-            <a:off x="163286" y="714675"/>
-            <a:ext cx="9554713" cy="6371083"/>
-          </a:xfrm>
-          <a:prstGeom prst="rect">
-            <a:avLst/>
-          </a:prstGeom>
-        </p:spPr>
-      </p:pic>
-    </p:spTree>
-    <p:extLst>
-      <p:ext uri="{BB962C8B-B14F-4D97-AF65-F5344CB8AC3E}">
-        <p14:creationId xmlns:p14="http://schemas.microsoft.com/office/powerpoint/2010/main" val="3714929240"/>
-      </p:ext>
-    </p:extLst>
-  </p:cSld>
-  <p:clrMapOvr>
-    <a:masterClrMapping/>
-  </p:clrMapOvr>
-</p:sld>
-</file>
-
-<file path=ppt/slides/slide7.xml><?xml version="1.0" encoding="utf-8"?>
-<p:sld xmlns:a="http://schemas.openxmlformats.org/drawingml/2006/main" xmlns:r="http://schemas.openxmlformats.org/officeDocument/2006/relationships" xmlns:p="http://schemas.openxmlformats.org/presentationml/2006/main">
-  <p:cSld>
-    <p:spTree>
-      <p:nvGrpSpPr>
-        <p:cNvPr id="1" name=""/>
-        <p:cNvGrpSpPr/>
-        <p:nvPr/>
-      </p:nvGrpSpPr>
-      <p:grpSpPr>
-        <a:xfrm>
-          <a:off x="0" y="0"/>
-          <a:ext cx="0" cy="0"/>
-          <a:chOff x="0" y="0"/>
-          <a:chExt cx="0" cy="0"/>
-        </a:xfrm>
-      </p:grpSpPr>
-      <p:sp>
-        <p:nvSpPr>
-          <p:cNvPr id="2" name="Title 1">
-            <a:extLst>
-              <a:ext uri="{FF2B5EF4-FFF2-40B4-BE49-F238E27FC236}">
-                <a16:creationId xmlns:a16="http://schemas.microsoft.com/office/drawing/2014/main" id="{BBFC4EFB-2F2F-4162-B4E3-9238CF184286}"/>
-              </a:ext>
-            </a:extLst>
-          </p:cNvPr>
-          <p:cNvSpPr>
-            <a:spLocks noGrp="1"/>
-          </p:cNvSpPr>
-          <p:nvPr>
-            <p:ph type="title"/>
-          </p:nvPr>
-        </p:nvSpPr>
-        <p:spPr/>
-        <p:txBody>
-          <a:bodyPr>
-            <a:noAutofit/>
-          </a:bodyPr>
-          <a:lstStyle/>
-          <a:p>
-            <a:r>
-              <a:rPr lang="en-US" sz="3200" dirty="0"/>
-              <a:t>Runtime Analysis of 3-loop Algorithm for </a:t>
-            </a:r>
-            <a:r>
-              <a:rPr lang="en-US" sz="3200" dirty="0" err="1"/>
-              <a:t>ThreeSum</a:t>
-            </a:r>
-            <a:endParaRPr lang="en-US" sz="3200" dirty="0"/>
-          </a:p>
-        </p:txBody>
-      </p:sp>
-      <p:sp>
-        <p:nvSpPr>
-          <p:cNvPr id="3" name="Content Placeholder 2">
-            <a:extLst>
-              <a:ext uri="{FF2B5EF4-FFF2-40B4-BE49-F238E27FC236}">
-                <a16:creationId xmlns:a16="http://schemas.microsoft.com/office/drawing/2014/main" id="{5F84E833-5DB1-4184-BF63-AD156BBB4347}"/>
-              </a:ext>
-            </a:extLst>
-          </p:cNvPr>
-          <p:cNvSpPr>
-            <a:spLocks noGrp="1"/>
-          </p:cNvSpPr>
-          <p:nvPr>
-            <p:ph idx="1"/>
-          </p:nvPr>
-        </p:nvSpPr>
-        <p:spPr/>
-        <p:txBody>
-          <a:bodyPr/>
-          <a:lstStyle/>
-          <a:p>
-            <a:endParaRPr lang="en-US"/>
-          </a:p>
-        </p:txBody>
-      </p:sp>
-      <p:sp>
-        <p:nvSpPr>
-          <p:cNvPr id="4" name="Footer Placeholder 3">
-            <a:extLst>
-              <a:ext uri="{FF2B5EF4-FFF2-40B4-BE49-F238E27FC236}">
-                <a16:creationId xmlns:a16="http://schemas.microsoft.com/office/drawing/2014/main" id="{95F932CF-B833-4C8A-950A-0104A7B8CEF8}"/>
-              </a:ext>
-            </a:extLst>
-          </p:cNvPr>
-          <p:cNvSpPr>
-            <a:spLocks noGrp="1"/>
-          </p:cNvSpPr>
-          <p:nvPr>
-            <p:ph type="ftr" idx="11"/>
-          </p:nvPr>
-        </p:nvSpPr>
-        <p:spPr/>
-        <p:txBody>
-          <a:bodyPr/>
-          <a:lstStyle/>
-          <a:p>
-            <a:pPr>
-              <a:defRPr/>
-            </a:pPr>
-            <a:r>
-              <a:rPr lang="en-US">
-                <a:latin typeface="+mn-lt"/>
-              </a:rPr>
-              <a:t>CS 1501 – Algorithms &amp; Data Structures 2 – Sherif Khattab</a:t>
-            </a:r>
-            <a:endParaRPr lang="en-GB"/>
-          </a:p>
-        </p:txBody>
-      </p:sp>
-      <p:sp>
-        <p:nvSpPr>
-          <p:cNvPr id="5" name="Slide Number Placeholder 4">
-            <a:extLst>
-              <a:ext uri="{FF2B5EF4-FFF2-40B4-BE49-F238E27FC236}">
-                <a16:creationId xmlns:a16="http://schemas.microsoft.com/office/drawing/2014/main" id="{FCC68E0E-7110-40FF-95E4-33AD99C5C124}"/>
-              </a:ext>
-            </a:extLst>
-          </p:cNvPr>
-          <p:cNvSpPr>
-            <a:spLocks noGrp="1"/>
-          </p:cNvSpPr>
-          <p:nvPr>
-            <p:ph type="sldNum" idx="12"/>
-          </p:nvPr>
-        </p:nvSpPr>
-        <p:spPr/>
-        <p:txBody>
-          <a:bodyPr/>
-          <a:lstStyle/>
-          <a:p>
-            <a:fld id="{65E435D9-63B0-4660-8D04-E83F5E2CA2AE}" type="slidenum">
-              <a:rPr lang="en-GB" altLang="en-US" smtClean="0"/>
-              <a:pPr/>
-              <a:t>7</a:t>
-            </a:fld>
-            <a:endParaRPr lang="en-GB" altLang="en-US"/>
-          </a:p>
-        </p:txBody>
-      </p:sp>
-      <p:pic>
-        <p:nvPicPr>
-          <p:cNvPr id="8" name="Picture 7">
-            <a:extLst>
-              <a:ext uri="{FF2B5EF4-FFF2-40B4-BE49-F238E27FC236}">
-                <a16:creationId xmlns:a16="http://schemas.microsoft.com/office/drawing/2014/main" id="{6EE50FA9-AF00-4BAA-B918-7CE10007F253}"/>
-              </a:ext>
-            </a:extLst>
-          </p:cNvPr>
-          <p:cNvPicPr>
-            <a:picLocks noChangeAspect="1"/>
-          </p:cNvPicPr>
-          <p:nvPr/>
-        </p:nvPicPr>
-        <p:blipFill>
-          <a:blip r:embed="rId2"/>
-          <a:stretch>
-            <a:fillRect/>
-          </a:stretch>
-        </p:blipFill>
-        <p:spPr>
-          <a:xfrm>
-            <a:off x="690465" y="967066"/>
-            <a:ext cx="9026200" cy="6018670"/>
-          </a:xfrm>
-          <a:prstGeom prst="rect">
-            <a:avLst/>
-          </a:prstGeom>
-        </p:spPr>
-      </p:pic>
-      <p:pic>
-        <p:nvPicPr>
-          <p:cNvPr id="12" name="Picture 11">
-            <a:extLst>
-              <a:ext uri="{FF2B5EF4-FFF2-40B4-BE49-F238E27FC236}">
-                <a16:creationId xmlns:a16="http://schemas.microsoft.com/office/drawing/2014/main" id="{ED2498F0-9691-4C81-A007-2F9D104EE6BF}"/>
-              </a:ext>
-            </a:extLst>
-          </p:cNvPr>
-          <p:cNvPicPr>
-            <a:picLocks noChangeAspect="1"/>
-          </p:cNvPicPr>
-          <p:nvPr/>
-        </p:nvPicPr>
-        <p:blipFill>
-          <a:blip r:embed="rId3"/>
-          <a:stretch>
-            <a:fillRect/>
-          </a:stretch>
-        </p:blipFill>
-        <p:spPr>
-          <a:xfrm>
-            <a:off x="2817845" y="6041136"/>
-            <a:ext cx="5779147" cy="1109295"/>
-          </a:xfrm>
-          <a:prstGeom prst="rect">
-            <a:avLst/>
-          </a:prstGeom>
-        </p:spPr>
-      </p:pic>
-    </p:spTree>
-    <p:extLst>
-      <p:ext uri="{BB962C8B-B14F-4D97-AF65-F5344CB8AC3E}">
-        <p14:creationId xmlns:p14="http://schemas.microsoft.com/office/powerpoint/2010/main" val="3175970271"/>
-      </p:ext>
-    </p:extLst>
-  </p:cSld>
-  <p:clrMapOvr>
-    <a:masterClrMapping/>
-  </p:clrMapOvr>
-</p:sld>
-</file>
-
-<file path=ppt/slides/slide8.xml><?xml version="1.0" encoding="utf-8"?>
-<p:sld xmlns:a="http://schemas.openxmlformats.org/drawingml/2006/main" xmlns:r="http://schemas.openxmlformats.org/officeDocument/2006/relationships" xmlns:p="http://schemas.openxmlformats.org/presentationml/2006/main">
-  <p:cSld>
-    <p:spTree>
-      <p:nvGrpSpPr>
-        <p:cNvPr id="1" name=""/>
-        <p:cNvGrpSpPr/>
-        <p:nvPr/>
-      </p:nvGrpSpPr>
-      <p:grpSpPr>
-        <a:xfrm>
-          <a:off x="0" y="0"/>
-          <a:ext cx="0" cy="0"/>
-          <a:chOff x="0" y="0"/>
-          <a:chExt cx="0" cy="0"/>
-        </a:xfrm>
-      </p:grpSpPr>
-      <p:sp>
-        <p:nvSpPr>
-          <p:cNvPr id="2" name="Title 1">
-            <a:extLst>
-              <a:ext uri="{FF2B5EF4-FFF2-40B4-BE49-F238E27FC236}">
                 <a16:creationId xmlns:a16="http://schemas.microsoft.com/office/drawing/2014/main" id="{09964AE1-DBFC-2848-B191-FE3ED1AFB0DB}"/>
               </a:ext>
             </a:extLst>
@@ -36082,7 +32382,7 @@
             <a:fld id="{65E435D9-63B0-4660-8D04-E83F5E2CA2AE}" type="slidenum">
               <a:rPr lang="en-GB" altLang="en-US" smtClean="0"/>
               <a:pPr/>
-              <a:t>8</a:t>
+              <a:t>6</a:t>
             </a:fld>
             <a:endParaRPr lang="en-GB" altLang="en-US"/>
           </a:p>
@@ -36101,7 +32401,7 @@
 </p:sld>
 </file>
 
-<file path=ppt/slides/slide9.xml><?xml version="1.0" encoding="utf-8"?>
+<file path=ppt/slides/slide7.xml><?xml version="1.0" encoding="utf-8"?>
 <p:sld xmlns:a="http://schemas.openxmlformats.org/drawingml/2006/main" xmlns:r="http://schemas.openxmlformats.org/officeDocument/2006/relationships" xmlns:p="http://schemas.openxmlformats.org/presentationml/2006/main">
   <p:cSld>
     <p:spTree>
@@ -36317,7 +32617,7 @@
                   <a:srgbClr val="000000"/>
                 </a:buClr>
               </a:pPr>
-              <a:t>9</a:t>
+              <a:t>7</a:t>
             </a:fld>
             <a:endParaRPr kern="0">
               <a:cs typeface="Arial" panose="020B0604020202020204" pitchFamily="34" charset="0"/>
@@ -36835,6 +33135,3353 @@
                                         </p:tgtEl>
                                       </p:cBhvr>
                                     </p:animEffect>
+                                  </p:childTnLst>
+                                </p:cTn>
+                              </p:par>
+                            </p:childTnLst>
+                          </p:cTn>
+                        </p:par>
+                      </p:childTnLst>
+                    </p:cTn>
+                  </p:par>
+                </p:childTnLst>
+              </p:cTn>
+              <p:prevCondLst>
+                <p:cond evt="onPrev" delay="0">
+                  <p:tgtEl>
+                    <p:sldTgt/>
+                  </p:tgtEl>
+                </p:cond>
+              </p:prevCondLst>
+              <p:nextCondLst>
+                <p:cond evt="onNext" delay="0">
+                  <p:tgtEl>
+                    <p:sldTgt/>
+                  </p:tgtEl>
+                </p:cond>
+              </p:nextCondLst>
+            </p:seq>
+          </p:childTnLst>
+        </p:cTn>
+      </p:par>
+    </p:tnLst>
+  </p:timing>
+</p:sld>
+</file>
+
+<file path=ppt/slides/slide8.xml><?xml version="1.0" encoding="utf-8"?>
+<p:sld xmlns:a="http://schemas.openxmlformats.org/drawingml/2006/main" xmlns:r="http://schemas.openxmlformats.org/officeDocument/2006/relationships" xmlns:p="http://schemas.openxmlformats.org/presentationml/2006/main">
+  <p:cSld>
+    <p:spTree>
+      <p:nvGrpSpPr>
+        <p:cNvPr id="1" name="Shape 283"/>
+        <p:cNvGrpSpPr/>
+        <p:nvPr/>
+      </p:nvGrpSpPr>
+      <p:grpSpPr>
+        <a:xfrm>
+          <a:off x="0" y="0"/>
+          <a:ext cx="0" cy="0"/>
+          <a:chOff x="0" y="0"/>
+          <a:chExt cx="0" cy="0"/>
+        </a:xfrm>
+      </p:grpSpPr>
+      <p:sp>
+        <p:nvSpPr>
+          <p:cNvPr id="285" name="Google Shape;285;p36"/>
+          <p:cNvSpPr txBox="1">
+            <a:spLocks noGrp="1"/>
+          </p:cNvSpPr>
+          <p:nvPr>
+            <p:ph type="title"/>
+          </p:nvPr>
+        </p:nvSpPr>
+        <p:spPr>
+          <a:prstGeom prst="rect">
+            <a:avLst/>
+          </a:prstGeom>
+        </p:spPr>
+        <p:txBody>
+          <a:bodyPr spcFirstLastPara="1" vert="horz" wrap="square" lIns="100821" tIns="100821" rIns="100821" bIns="100821" numCol="1" anchor="b" anchorCtr="0" compatLnSpc="1">
+            <a:prstTxWarp prst="textNoShape">
+              <a:avLst/>
+            </a:prstTxWarp>
+            <a:noAutofit/>
+          </a:bodyPr>
+          <a:lstStyle/>
+          <a:p>
+            <a:r>
+              <a:rPr lang="en"/>
+              <a:t>Bubble sort</a:t>
+            </a:r>
+            <a:endParaRPr/>
+          </a:p>
+        </p:txBody>
+      </p:sp>
+      <p:sp>
+        <p:nvSpPr>
+          <p:cNvPr id="284" name="Google Shape;284;p36"/>
+          <p:cNvSpPr txBox="1">
+            <a:spLocks noGrp="1"/>
+          </p:cNvSpPr>
+          <p:nvPr>
+            <p:ph idx="1"/>
+          </p:nvPr>
+        </p:nvSpPr>
+        <p:spPr>
+          <a:prstGeom prst="rect">
+            <a:avLst/>
+          </a:prstGeom>
+        </p:spPr>
+        <p:txBody>
+          <a:bodyPr spcFirstLastPara="1" vert="horz" wrap="square" lIns="100821" tIns="100821" rIns="100821" bIns="100821" numCol="1" anchor="t" anchorCtr="0" compatLnSpc="1">
+            <a:prstTxWarp prst="textNoShape">
+              <a:avLst/>
+            </a:prstTxWarp>
+            <a:noAutofit/>
+          </a:bodyPr>
+          <a:lstStyle/>
+          <a:p>
+            <a:r>
+              <a:rPr lang="en"/>
+              <a:t>Simply go through the array comparing pairs of items, swap them if they are out of order</a:t>
+            </a:r>
+            <a:endParaRPr/>
+          </a:p>
+          <a:p>
+            <a:pPr lvl="1"/>
+            <a:r>
+              <a:rPr lang="en"/>
+              <a:t>Repeat until you make it through the array with 0 swaps</a:t>
+            </a:r>
+            <a:endParaRPr/>
+          </a:p>
+        </p:txBody>
+      </p:sp>
+      <p:sp>
+        <p:nvSpPr>
+          <p:cNvPr id="293" name="Google Shape;293;p36"/>
+          <p:cNvSpPr txBox="1">
+            <a:spLocks noGrp="1"/>
+          </p:cNvSpPr>
+          <p:nvPr>
+            <p:ph type="sldNum" idx="12"/>
+          </p:nvPr>
+        </p:nvSpPr>
+        <p:spPr>
+          <a:prstGeom prst="rect">
+            <a:avLst/>
+          </a:prstGeom>
+        </p:spPr>
+        <p:txBody>
+          <a:bodyPr spcFirstLastPara="1" vert="horz" wrap="square" lIns="100821" tIns="100821" rIns="100821" bIns="100821" numCol="1" anchor="ctr" anchorCtr="0" compatLnSpc="1">
+            <a:prstTxWarp prst="textNoShape">
+              <a:avLst/>
+            </a:prstTxWarp>
+            <a:noAutofit/>
+          </a:bodyPr>
+          <a:lstStyle/>
+          <a:p>
+            <a:pPr defTabSz="1008463">
+              <a:lnSpc>
+                <a:spcPct val="100000"/>
+              </a:lnSpc>
+              <a:buClr>
+                <a:srgbClr val="000000"/>
+              </a:buClr>
+            </a:pPr>
+            <a:fld id="{00000000-1234-1234-1234-123412341234}" type="slidenum">
+              <a:rPr lang="en" kern="0">
+                <a:cs typeface="Arial" panose="020B0604020202020204" pitchFamily="34" charset="0"/>
+              </a:rPr>
+              <a:pPr defTabSz="1008463">
+                <a:lnSpc>
+                  <a:spcPct val="100000"/>
+                </a:lnSpc>
+                <a:buClr>
+                  <a:srgbClr val="000000"/>
+                </a:buClr>
+              </a:pPr>
+              <a:t>8</a:t>
+            </a:fld>
+            <a:endParaRPr kern="0">
+              <a:cs typeface="Arial" panose="020B0604020202020204" pitchFamily="34" charset="0"/>
+            </a:endParaRPr>
+          </a:p>
+        </p:txBody>
+      </p:sp>
+      <p:sp>
+        <p:nvSpPr>
+          <p:cNvPr id="3" name="Footer Placeholder 2">
+            <a:extLst>
+              <a:ext uri="{FF2B5EF4-FFF2-40B4-BE49-F238E27FC236}">
+                <a16:creationId xmlns:a16="http://schemas.microsoft.com/office/drawing/2014/main" id="{CEAB4B0E-10AE-B542-A273-5230D3D07ED5}"/>
+              </a:ext>
+            </a:extLst>
+          </p:cNvPr>
+          <p:cNvSpPr>
+            <a:spLocks noGrp="1"/>
+          </p:cNvSpPr>
+          <p:nvPr>
+            <p:ph type="ftr" idx="11"/>
+          </p:nvPr>
+        </p:nvSpPr>
+        <p:spPr/>
+        <p:txBody>
+          <a:bodyPr/>
+          <a:lstStyle/>
+          <a:p>
+            <a:pPr defTabSz="457436" fontAlgn="base" hangingPunct="0">
+              <a:spcBef>
+                <a:spcPct val="0"/>
+              </a:spcBef>
+              <a:spcAft>
+                <a:spcPct val="0"/>
+              </a:spcAft>
+              <a:buClr>
+                <a:srgbClr val="000000"/>
+              </a:buClr>
+              <a:buSzPct val="100000"/>
+              <a:defRPr/>
+            </a:pPr>
+            <a:r>
+              <a:rPr lang="en-US">
+                <a:latin typeface="Arial"/>
+              </a:rPr>
+              <a:t>CS 1501 – Algorithms &amp; Data Structures 2 – Sherif Khattab</a:t>
+            </a:r>
+            <a:endParaRPr lang="en-GB"/>
+          </a:p>
+        </p:txBody>
+      </p:sp>
+      <p:sp>
+        <p:nvSpPr>
+          <p:cNvPr id="14" name="Google Shape;286;p36">
+            <a:extLst>
+              <a:ext uri="{FF2B5EF4-FFF2-40B4-BE49-F238E27FC236}">
+                <a16:creationId xmlns:a16="http://schemas.microsoft.com/office/drawing/2014/main" id="{39CF7B65-D792-464F-BB00-412CBEC22CB9}"/>
+              </a:ext>
+            </a:extLst>
+          </p:cNvPr>
+          <p:cNvSpPr/>
+          <p:nvPr/>
+        </p:nvSpPr>
+        <p:spPr>
+          <a:xfrm>
+            <a:off x="1264929" y="3171933"/>
+            <a:ext cx="7421816" cy="3154925"/>
+          </a:xfrm>
+          <a:prstGeom prst="rect">
+            <a:avLst/>
+          </a:prstGeom>
+          <a:solidFill>
+            <a:schemeClr val="lt2"/>
+          </a:solidFill>
+          <a:ln>
+            <a:noFill/>
+          </a:ln>
+        </p:spPr>
+        <p:txBody>
+          <a:bodyPr spcFirstLastPara="1" wrap="square" lIns="91463" tIns="91463" rIns="91463" bIns="91463" anchor="ctr" anchorCtr="0">
+            <a:noAutofit/>
+          </a:bodyPr>
+          <a:lstStyle/>
+          <a:p>
+            <a:pPr defTabSz="457436" fontAlgn="base" hangingPunct="0">
+              <a:lnSpc>
+                <a:spcPct val="69000"/>
+              </a:lnSpc>
+              <a:buClr>
+                <a:srgbClr val="000000"/>
+              </a:buClr>
+              <a:buSzPct val="100000"/>
+            </a:pPr>
+            <a:endParaRPr sz="1801">
+              <a:solidFill>
+                <a:srgbClr val="FFFFFF"/>
+              </a:solidFill>
+              <a:latin typeface="Arial" panose="020B0604020202020204" pitchFamily="34" charset="0"/>
+              <a:cs typeface="Arial" panose="020B0604020202020204" pitchFamily="34" charset="0"/>
+            </a:endParaRPr>
+          </a:p>
+        </p:txBody>
+      </p:sp>
+      <p:sp>
+        <p:nvSpPr>
+          <p:cNvPr id="15" name="Google Shape;287;p36">
+            <a:extLst>
+              <a:ext uri="{FF2B5EF4-FFF2-40B4-BE49-F238E27FC236}">
+                <a16:creationId xmlns:a16="http://schemas.microsoft.com/office/drawing/2014/main" id="{B1C29649-9822-8349-83C5-A1C689856AC7}"/>
+              </a:ext>
+            </a:extLst>
+          </p:cNvPr>
+          <p:cNvSpPr/>
+          <p:nvPr/>
+        </p:nvSpPr>
+        <p:spPr>
+          <a:xfrm>
+            <a:off x="1749032" y="3873052"/>
+            <a:ext cx="6744132" cy="2286961"/>
+          </a:xfrm>
+          <a:prstGeom prst="rect">
+            <a:avLst/>
+          </a:prstGeom>
+          <a:solidFill>
+            <a:srgbClr val="FFF2CC"/>
+          </a:solidFill>
+          <a:ln>
+            <a:noFill/>
+          </a:ln>
+        </p:spPr>
+        <p:txBody>
+          <a:bodyPr spcFirstLastPara="1" wrap="square" lIns="91463" tIns="91463" rIns="91463" bIns="91463" anchor="ctr" anchorCtr="0">
+            <a:noAutofit/>
+          </a:bodyPr>
+          <a:lstStyle/>
+          <a:p>
+            <a:pPr defTabSz="457436" fontAlgn="base" hangingPunct="0">
+              <a:lnSpc>
+                <a:spcPct val="69000"/>
+              </a:lnSpc>
+              <a:buClr>
+                <a:srgbClr val="000000"/>
+              </a:buClr>
+              <a:buSzPct val="100000"/>
+            </a:pPr>
+            <a:endParaRPr sz="1801">
+              <a:solidFill>
+                <a:srgbClr val="FFFFFF"/>
+              </a:solidFill>
+              <a:latin typeface="Arial" panose="020B0604020202020204" pitchFamily="34" charset="0"/>
+              <a:cs typeface="Arial" panose="020B0604020202020204" pitchFamily="34" charset="0"/>
+            </a:endParaRPr>
+          </a:p>
+        </p:txBody>
+      </p:sp>
+      <p:grpSp>
+        <p:nvGrpSpPr>
+          <p:cNvPr id="16" name="Google Shape;288;p36">
+            <a:extLst>
+              <a:ext uri="{FF2B5EF4-FFF2-40B4-BE49-F238E27FC236}">
+                <a16:creationId xmlns:a16="http://schemas.microsoft.com/office/drawing/2014/main" id="{8F1C1008-3DBF-264C-95FE-9AF121FAF36C}"/>
+              </a:ext>
+            </a:extLst>
+          </p:cNvPr>
+          <p:cNvGrpSpPr/>
+          <p:nvPr/>
+        </p:nvGrpSpPr>
+        <p:grpSpPr>
+          <a:xfrm>
+            <a:off x="2283234" y="4357130"/>
+            <a:ext cx="6026229" cy="1318803"/>
+            <a:chOff x="2252725" y="3554300"/>
+            <a:chExt cx="6023700" cy="1318250"/>
+          </a:xfrm>
+        </p:grpSpPr>
+        <p:sp>
+          <p:nvSpPr>
+            <p:cNvPr id="17" name="Google Shape;289;p36">
+              <a:extLst>
+                <a:ext uri="{FF2B5EF4-FFF2-40B4-BE49-F238E27FC236}">
+                  <a16:creationId xmlns:a16="http://schemas.microsoft.com/office/drawing/2014/main" id="{27AAD471-FB3A-C94A-B20E-0A1F776F5485}"/>
+                </a:ext>
+              </a:extLst>
+            </p:cNvPr>
+            <p:cNvSpPr/>
+            <p:nvPr/>
+          </p:nvSpPr>
+          <p:spPr>
+            <a:xfrm>
+              <a:off x="2252725" y="3854650"/>
+              <a:ext cx="6023700" cy="1017900"/>
+            </a:xfrm>
+            <a:prstGeom prst="rect">
+              <a:avLst/>
+            </a:prstGeom>
+            <a:solidFill>
+              <a:srgbClr val="CFE2F3"/>
+            </a:solidFill>
+            <a:ln>
+              <a:noFill/>
+            </a:ln>
+          </p:spPr>
+          <p:txBody>
+            <a:bodyPr spcFirstLastPara="1" wrap="square" lIns="91463" tIns="91463" rIns="91463" bIns="91463" anchor="ctr" anchorCtr="0">
+              <a:noAutofit/>
+            </a:bodyPr>
+            <a:lstStyle/>
+            <a:p>
+              <a:pPr defTabSz="457436" fontAlgn="base" hangingPunct="0">
+                <a:lnSpc>
+                  <a:spcPct val="69000"/>
+                </a:lnSpc>
+                <a:buClr>
+                  <a:srgbClr val="000000"/>
+                </a:buClr>
+                <a:buSzPct val="100000"/>
+              </a:pPr>
+              <a:endParaRPr sz="1801">
+                <a:solidFill>
+                  <a:srgbClr val="FFFFFF"/>
+                </a:solidFill>
+                <a:latin typeface="Arial" panose="020B0604020202020204" pitchFamily="34" charset="0"/>
+                <a:cs typeface="Arial" panose="020B0604020202020204" pitchFamily="34" charset="0"/>
+              </a:endParaRPr>
+            </a:p>
+          </p:txBody>
+        </p:sp>
+        <p:sp>
+          <p:nvSpPr>
+            <p:cNvPr id="18" name="Google Shape;290;p36">
+              <a:extLst>
+                <a:ext uri="{FF2B5EF4-FFF2-40B4-BE49-F238E27FC236}">
+                  <a16:creationId xmlns:a16="http://schemas.microsoft.com/office/drawing/2014/main" id="{51D6DFD0-E553-A440-A78D-AFCC2065CCCE}"/>
+                </a:ext>
+              </a:extLst>
+            </p:cNvPr>
+            <p:cNvSpPr/>
+            <p:nvPr/>
+          </p:nvSpPr>
+          <p:spPr>
+            <a:xfrm>
+              <a:off x="4021450" y="3554300"/>
+              <a:ext cx="2386200" cy="300300"/>
+            </a:xfrm>
+            <a:prstGeom prst="rect">
+              <a:avLst/>
+            </a:prstGeom>
+            <a:solidFill>
+              <a:srgbClr val="CFE2F3"/>
+            </a:solidFill>
+            <a:ln>
+              <a:noFill/>
+            </a:ln>
+          </p:spPr>
+          <p:txBody>
+            <a:bodyPr spcFirstLastPara="1" wrap="square" lIns="91463" tIns="91463" rIns="91463" bIns="91463" anchor="ctr" anchorCtr="0">
+              <a:noAutofit/>
+            </a:bodyPr>
+            <a:lstStyle/>
+            <a:p>
+              <a:pPr defTabSz="457436" fontAlgn="base" hangingPunct="0">
+                <a:lnSpc>
+                  <a:spcPct val="69000"/>
+                </a:lnSpc>
+                <a:buClr>
+                  <a:srgbClr val="000000"/>
+                </a:buClr>
+                <a:buSzPct val="100000"/>
+              </a:pPr>
+              <a:endParaRPr sz="1801">
+                <a:solidFill>
+                  <a:srgbClr val="FFFFFF"/>
+                </a:solidFill>
+                <a:latin typeface="Arial" panose="020B0604020202020204" pitchFamily="34" charset="0"/>
+                <a:cs typeface="Arial" panose="020B0604020202020204" pitchFamily="34" charset="0"/>
+              </a:endParaRPr>
+            </a:p>
+          </p:txBody>
+        </p:sp>
+      </p:grpSp>
+      <p:sp>
+        <p:nvSpPr>
+          <p:cNvPr id="19" name="Google Shape;291;p36">
+            <a:extLst>
+              <a:ext uri="{FF2B5EF4-FFF2-40B4-BE49-F238E27FC236}">
+                <a16:creationId xmlns:a16="http://schemas.microsoft.com/office/drawing/2014/main" id="{DA28DC6A-F846-584F-BB85-36DCFC566B06}"/>
+              </a:ext>
+            </a:extLst>
+          </p:cNvPr>
+          <p:cNvSpPr/>
+          <p:nvPr/>
+        </p:nvSpPr>
+        <p:spPr>
+          <a:xfrm>
+            <a:off x="3101175" y="5074682"/>
+            <a:ext cx="4624041" cy="317233"/>
+          </a:xfrm>
+          <a:prstGeom prst="rect">
+            <a:avLst/>
+          </a:prstGeom>
+          <a:solidFill>
+            <a:srgbClr val="E6B8AF"/>
+          </a:solidFill>
+          <a:ln>
+            <a:noFill/>
+          </a:ln>
+        </p:spPr>
+        <p:txBody>
+          <a:bodyPr spcFirstLastPara="1" wrap="square" lIns="91463" tIns="91463" rIns="91463" bIns="91463" anchor="ctr" anchorCtr="0">
+            <a:noAutofit/>
+          </a:bodyPr>
+          <a:lstStyle/>
+          <a:p>
+            <a:pPr defTabSz="457436" fontAlgn="base" hangingPunct="0">
+              <a:lnSpc>
+                <a:spcPct val="69000"/>
+              </a:lnSpc>
+              <a:buClr>
+                <a:srgbClr val="000000"/>
+              </a:buClr>
+              <a:buSzPct val="100000"/>
+            </a:pPr>
+            <a:endParaRPr sz="1801">
+              <a:solidFill>
+                <a:srgbClr val="FFFFFF"/>
+              </a:solidFill>
+              <a:latin typeface="Arial" panose="020B0604020202020204" pitchFamily="34" charset="0"/>
+              <a:cs typeface="Arial" panose="020B0604020202020204" pitchFamily="34" charset="0"/>
+            </a:endParaRPr>
+          </a:p>
+        </p:txBody>
+      </p:sp>
+      <p:sp>
+        <p:nvSpPr>
+          <p:cNvPr id="20" name="Google Shape;292;p36">
+            <a:extLst>
+              <a:ext uri="{FF2B5EF4-FFF2-40B4-BE49-F238E27FC236}">
+                <a16:creationId xmlns:a16="http://schemas.microsoft.com/office/drawing/2014/main" id="{64E38E5B-90D8-164C-8F8D-EA23C7EFA99D}"/>
+              </a:ext>
+            </a:extLst>
+          </p:cNvPr>
+          <p:cNvSpPr txBox="1">
+            <a:spLocks/>
+          </p:cNvSpPr>
+          <p:nvPr/>
+        </p:nvSpPr>
+        <p:spPr bwMode="auto">
+          <a:xfrm>
+            <a:off x="942443" y="2607320"/>
+            <a:ext cx="8644901" cy="3853017"/>
+          </a:xfrm>
+          <a:prstGeom prst="rect">
+            <a:avLst/>
+          </a:prstGeom>
+          <a:noFill/>
+          <a:ln>
+            <a:noFill/>
+          </a:ln>
+          <a:extLst>
+            <a:ext uri="{909E8E84-426E-40DD-AFC4-6F175D3DCCD1}">
+              <a14:hiddenFill xmlns:a14="http://schemas.microsoft.com/office/drawing/2010/main">
+                <a:solidFill>
+                  <a:srgbClr val="FFFFFF"/>
+                </a:solidFill>
+              </a14:hiddenFill>
+            </a:ext>
+            <a:ext uri="{91240B29-F687-4F45-9708-019B960494DF}">
+              <a14:hiddenLine xmlns:a14="http://schemas.microsoft.com/office/drawing/2010/main" w="9525">
+                <a:solidFill>
+                  <a:srgbClr val="000000"/>
+                </a:solidFill>
+                <a:round/>
+                <a:headEnd/>
+                <a:tailEnd/>
+              </a14:hiddenLine>
+            </a:ext>
+          </a:extLst>
+        </p:spPr>
+        <p:txBody>
+          <a:bodyPr spcFirstLastPara="1" vert="horz" wrap="square" lIns="91463" tIns="91463" rIns="91463" bIns="91463" numCol="1" anchor="t" anchorCtr="0" compatLnSpc="1">
+            <a:prstTxWarp prst="textNoShape">
+              <a:avLst/>
+            </a:prstTxWarp>
+            <a:noAutofit/>
+          </a:bodyPr>
+          <a:lstStyle>
+            <a:lvl1pPr marL="457200" indent="-457200" algn="l" defTabSz="457200" rtl="0" eaLnBrk="0" fontAlgn="base" hangingPunct="0">
+              <a:spcBef>
+                <a:spcPct val="0"/>
+              </a:spcBef>
+              <a:spcAft>
+                <a:spcPts val="1425"/>
+              </a:spcAft>
+              <a:buClr>
+                <a:srgbClr val="000000"/>
+              </a:buClr>
+              <a:buSzPct val="100000"/>
+              <a:buFont typeface="Arial" panose="020B0604020202020204" pitchFamily="34" charset="0"/>
+              <a:buChar char="•"/>
+              <a:defRPr sz="3200">
+                <a:solidFill>
+                  <a:srgbClr val="000000"/>
+                </a:solidFill>
+                <a:latin typeface="+mn-lt"/>
+                <a:ea typeface="+mn-ea"/>
+                <a:cs typeface="+mn-cs"/>
+              </a:defRPr>
+            </a:lvl1pPr>
+            <a:lvl2pPr marL="914400" indent="-457200" algn="l" defTabSz="457200" rtl="0" eaLnBrk="0" fontAlgn="base" hangingPunct="0">
+              <a:spcBef>
+                <a:spcPct val="0"/>
+              </a:spcBef>
+              <a:spcAft>
+                <a:spcPts val="1138"/>
+              </a:spcAft>
+              <a:buClr>
+                <a:srgbClr val="000000"/>
+              </a:buClr>
+              <a:buSzPct val="100000"/>
+              <a:buFont typeface="Arial" panose="020B0604020202020204" pitchFamily="34" charset="0"/>
+              <a:buChar char="•"/>
+              <a:defRPr sz="2800">
+                <a:solidFill>
+                  <a:srgbClr val="000000"/>
+                </a:solidFill>
+                <a:latin typeface="+mn-lt"/>
+                <a:cs typeface="+mn-cs"/>
+              </a:defRPr>
+            </a:lvl2pPr>
+            <a:lvl3pPr marL="1257300" indent="-342900" algn="l" defTabSz="457200" rtl="0" eaLnBrk="0" fontAlgn="base" hangingPunct="0">
+              <a:spcBef>
+                <a:spcPct val="0"/>
+              </a:spcBef>
+              <a:spcAft>
+                <a:spcPts val="850"/>
+              </a:spcAft>
+              <a:buClr>
+                <a:srgbClr val="000000"/>
+              </a:buClr>
+              <a:buSzPct val="100000"/>
+              <a:buFont typeface="Arial" panose="020B0604020202020204" pitchFamily="34" charset="0"/>
+              <a:buChar char="•"/>
+              <a:defRPr sz="2400">
+                <a:solidFill>
+                  <a:srgbClr val="000000"/>
+                </a:solidFill>
+                <a:latin typeface="+mn-lt"/>
+                <a:cs typeface="+mn-cs"/>
+              </a:defRPr>
+            </a:lvl3pPr>
+            <a:lvl4pPr marL="1714500" indent="-342900" algn="l" defTabSz="457200" rtl="0" eaLnBrk="0" fontAlgn="base" hangingPunct="0">
+              <a:spcBef>
+                <a:spcPct val="0"/>
+              </a:spcBef>
+              <a:spcAft>
+                <a:spcPts val="575"/>
+              </a:spcAft>
+              <a:buClr>
+                <a:srgbClr val="000000"/>
+              </a:buClr>
+              <a:buSzPct val="100000"/>
+              <a:buFont typeface="Arial" panose="020B0604020202020204" pitchFamily="34" charset="0"/>
+              <a:buChar char="•"/>
+              <a:defRPr sz="2000">
+                <a:solidFill>
+                  <a:srgbClr val="000000"/>
+                </a:solidFill>
+                <a:latin typeface="+mn-lt"/>
+                <a:cs typeface="+mn-cs"/>
+              </a:defRPr>
+            </a:lvl4pPr>
+            <a:lvl5pPr marL="2171700" indent="-342900" algn="l" defTabSz="457200" rtl="0" eaLnBrk="0" fontAlgn="base" hangingPunct="0">
+              <a:spcBef>
+                <a:spcPct val="0"/>
+              </a:spcBef>
+              <a:spcAft>
+                <a:spcPts val="288"/>
+              </a:spcAft>
+              <a:buClr>
+                <a:srgbClr val="000000"/>
+              </a:buClr>
+              <a:buSzPct val="100000"/>
+              <a:buFont typeface="Arial" panose="020B0604020202020204" pitchFamily="34" charset="0"/>
+              <a:buChar char="•"/>
+              <a:defRPr sz="2000">
+                <a:solidFill>
+                  <a:srgbClr val="000000"/>
+                </a:solidFill>
+                <a:latin typeface="+mn-lt"/>
+                <a:cs typeface="+mn-cs"/>
+              </a:defRPr>
+            </a:lvl5pPr>
+            <a:lvl6pPr marL="2514600" indent="-228600" algn="l" defTabSz="457200" rtl="0" fontAlgn="base" hangingPunct="0">
+              <a:lnSpc>
+                <a:spcPct val="69000"/>
+              </a:lnSpc>
+              <a:spcBef>
+                <a:spcPct val="0"/>
+              </a:spcBef>
+              <a:spcAft>
+                <a:spcPts val="288"/>
+              </a:spcAft>
+              <a:buClr>
+                <a:srgbClr val="000000"/>
+              </a:buClr>
+              <a:buSzPct val="100000"/>
+              <a:buFont typeface="Times New Roman" pitchFamily="16" charset="0"/>
+              <a:defRPr sz="2000">
+                <a:solidFill>
+                  <a:srgbClr val="000000"/>
+                </a:solidFill>
+                <a:latin typeface="+mn-lt"/>
+                <a:cs typeface="+mn-cs"/>
+              </a:defRPr>
+            </a:lvl6pPr>
+            <a:lvl7pPr marL="2971800" indent="-228600" algn="l" defTabSz="457200" rtl="0" fontAlgn="base" hangingPunct="0">
+              <a:lnSpc>
+                <a:spcPct val="69000"/>
+              </a:lnSpc>
+              <a:spcBef>
+                <a:spcPct val="0"/>
+              </a:spcBef>
+              <a:spcAft>
+                <a:spcPts val="288"/>
+              </a:spcAft>
+              <a:buClr>
+                <a:srgbClr val="000000"/>
+              </a:buClr>
+              <a:buSzPct val="100000"/>
+              <a:buFont typeface="Times New Roman" pitchFamily="16" charset="0"/>
+              <a:defRPr sz="2000">
+                <a:solidFill>
+                  <a:srgbClr val="000000"/>
+                </a:solidFill>
+                <a:latin typeface="+mn-lt"/>
+                <a:cs typeface="+mn-cs"/>
+              </a:defRPr>
+            </a:lvl7pPr>
+            <a:lvl8pPr marL="3429000" indent="-228600" algn="l" defTabSz="457200" rtl="0" fontAlgn="base" hangingPunct="0">
+              <a:lnSpc>
+                <a:spcPct val="69000"/>
+              </a:lnSpc>
+              <a:spcBef>
+                <a:spcPct val="0"/>
+              </a:spcBef>
+              <a:spcAft>
+                <a:spcPts val="288"/>
+              </a:spcAft>
+              <a:buClr>
+                <a:srgbClr val="000000"/>
+              </a:buClr>
+              <a:buSzPct val="100000"/>
+              <a:buFont typeface="Times New Roman" pitchFamily="16" charset="0"/>
+              <a:defRPr sz="2000">
+                <a:solidFill>
+                  <a:srgbClr val="000000"/>
+                </a:solidFill>
+                <a:latin typeface="+mn-lt"/>
+                <a:cs typeface="+mn-cs"/>
+              </a:defRPr>
+            </a:lvl8pPr>
+            <a:lvl9pPr marL="3886200" indent="-228600" algn="l" defTabSz="457200" rtl="0" fontAlgn="base" hangingPunct="0">
+              <a:lnSpc>
+                <a:spcPct val="69000"/>
+              </a:lnSpc>
+              <a:spcBef>
+                <a:spcPct val="0"/>
+              </a:spcBef>
+              <a:spcAft>
+                <a:spcPts val="288"/>
+              </a:spcAft>
+              <a:buClr>
+                <a:srgbClr val="000000"/>
+              </a:buClr>
+              <a:buSzPct val="100000"/>
+              <a:buFont typeface="Times New Roman" pitchFamily="16" charset="0"/>
+              <a:defRPr sz="2000">
+                <a:solidFill>
+                  <a:srgbClr val="000000"/>
+                </a:solidFill>
+                <a:latin typeface="+mn-lt"/>
+                <a:cs typeface="+mn-cs"/>
+              </a:defRPr>
+            </a:lvl9pPr>
+          </a:lstStyle>
+          <a:p>
+            <a:pPr marL="0" indent="0" defTabSz="457436">
+              <a:spcBef>
+                <a:spcPts val="600"/>
+              </a:spcBef>
+              <a:spcAft>
+                <a:spcPts val="0"/>
+              </a:spcAft>
+              <a:buNone/>
+            </a:pPr>
+            <a:r>
+              <a:rPr lang="en-US" sz="2001" kern="0">
+                <a:solidFill>
+                  <a:srgbClr val="783F04"/>
+                </a:solidFill>
+                <a:latin typeface="Consolas"/>
+                <a:ea typeface="Consolas"/>
+                <a:cs typeface="Consolas"/>
+                <a:sym typeface="Consolas"/>
+              </a:rPr>
+              <a:t>&lt;T extends Comparable&lt;? super T&gt;&gt; void </a:t>
+            </a:r>
+            <a:r>
+              <a:rPr lang="en-US" sz="2001" kern="0" err="1">
+                <a:solidFill>
+                  <a:srgbClr val="783F04"/>
+                </a:solidFill>
+                <a:latin typeface="Consolas"/>
+                <a:ea typeface="Consolas"/>
+                <a:cs typeface="Consolas"/>
+                <a:sym typeface="Consolas"/>
+              </a:rPr>
+              <a:t>bubbleSort</a:t>
+            </a:r>
+            <a:r>
+              <a:rPr lang="en-US" sz="2001" kern="0">
+                <a:solidFill>
+                  <a:srgbClr val="783F04"/>
+                </a:solidFill>
+                <a:latin typeface="Consolas"/>
+                <a:ea typeface="Consolas"/>
+                <a:cs typeface="Consolas"/>
+                <a:sym typeface="Consolas"/>
+              </a:rPr>
+              <a:t>(T [] a) {</a:t>
+            </a:r>
+          </a:p>
+          <a:p>
+            <a:pPr marL="0" indent="0" defTabSz="457436">
+              <a:spcBef>
+                <a:spcPts val="600"/>
+              </a:spcBef>
+              <a:spcAft>
+                <a:spcPts val="0"/>
+              </a:spcAft>
+              <a:buNone/>
+            </a:pPr>
+            <a:r>
+              <a:rPr lang="en-US" sz="2001" kern="0">
+                <a:solidFill>
+                  <a:srgbClr val="783F04"/>
+                </a:solidFill>
+                <a:latin typeface="Consolas"/>
+                <a:ea typeface="Consolas"/>
+                <a:cs typeface="Consolas"/>
+                <a:sym typeface="Consolas"/>
+              </a:rPr>
+              <a:t>	</a:t>
+            </a:r>
+            <a:r>
+              <a:rPr lang="en-US" sz="2001" kern="0" err="1">
+                <a:solidFill>
+                  <a:srgbClr val="783F04"/>
+                </a:solidFill>
+                <a:latin typeface="Consolas"/>
+                <a:ea typeface="Consolas"/>
+                <a:cs typeface="Consolas"/>
+                <a:sym typeface="Consolas"/>
+              </a:rPr>
+              <a:t>boolean</a:t>
+            </a:r>
+            <a:r>
+              <a:rPr lang="en-US" sz="2001" kern="0">
+                <a:solidFill>
+                  <a:srgbClr val="783F04"/>
+                </a:solidFill>
+                <a:latin typeface="Consolas"/>
+                <a:ea typeface="Consolas"/>
+                <a:cs typeface="Consolas"/>
+                <a:sym typeface="Consolas"/>
+              </a:rPr>
+              <a:t> swapped;</a:t>
+            </a:r>
+          </a:p>
+          <a:p>
+            <a:pPr marL="0" indent="457436" defTabSz="457436">
+              <a:spcBef>
+                <a:spcPts val="600"/>
+              </a:spcBef>
+              <a:spcAft>
+                <a:spcPts val="0"/>
+              </a:spcAft>
+              <a:buNone/>
+            </a:pPr>
+            <a:r>
+              <a:rPr lang="en-US" sz="2001" kern="0">
+                <a:solidFill>
+                  <a:srgbClr val="783F04"/>
+                </a:solidFill>
+                <a:latin typeface="Consolas"/>
+                <a:ea typeface="Consolas"/>
+                <a:cs typeface="Consolas"/>
+                <a:sym typeface="Consolas"/>
+              </a:rPr>
+              <a:t>do {</a:t>
+            </a:r>
+          </a:p>
+          <a:p>
+            <a:pPr marL="0" indent="0" defTabSz="457436">
+              <a:spcBef>
+                <a:spcPts val="600"/>
+              </a:spcBef>
+              <a:spcAft>
+                <a:spcPts val="0"/>
+              </a:spcAft>
+              <a:buNone/>
+            </a:pPr>
+            <a:r>
+              <a:rPr lang="en-US" sz="2001" kern="0">
+                <a:solidFill>
+                  <a:srgbClr val="783F04"/>
+                </a:solidFill>
+                <a:latin typeface="Consolas"/>
+                <a:ea typeface="Consolas"/>
+                <a:cs typeface="Consolas"/>
+                <a:sym typeface="Consolas"/>
+              </a:rPr>
+              <a:t>		swapped = false;</a:t>
+            </a:r>
+          </a:p>
+          <a:p>
+            <a:pPr marL="0" indent="0" defTabSz="457436">
+              <a:spcBef>
+                <a:spcPts val="600"/>
+              </a:spcBef>
+              <a:spcAft>
+                <a:spcPts val="0"/>
+              </a:spcAft>
+              <a:buNone/>
+            </a:pPr>
+            <a:r>
+              <a:rPr lang="en-US" sz="2001" kern="0">
+                <a:solidFill>
+                  <a:srgbClr val="783F04"/>
+                </a:solidFill>
+                <a:latin typeface="Consolas"/>
+                <a:ea typeface="Consolas"/>
+                <a:cs typeface="Consolas"/>
+                <a:sym typeface="Consolas"/>
+              </a:rPr>
+              <a:t>		for(int j = 1; j &lt; </a:t>
+            </a:r>
+            <a:r>
+              <a:rPr lang="en-US" sz="2001" kern="0" err="1">
+                <a:solidFill>
+                  <a:srgbClr val="783F04"/>
+                </a:solidFill>
+                <a:latin typeface="Consolas"/>
+                <a:ea typeface="Consolas"/>
+                <a:cs typeface="Consolas"/>
+                <a:sym typeface="Consolas"/>
+              </a:rPr>
+              <a:t>a.length</a:t>
+            </a:r>
+            <a:r>
+              <a:rPr lang="en-US" sz="2001" kern="0">
+                <a:solidFill>
+                  <a:srgbClr val="783F04"/>
+                </a:solidFill>
+                <a:latin typeface="Consolas"/>
+                <a:ea typeface="Consolas"/>
+                <a:cs typeface="Consolas"/>
+                <a:sym typeface="Consolas"/>
+              </a:rPr>
+              <a:t>; </a:t>
+            </a:r>
+            <a:r>
+              <a:rPr lang="en-US" sz="2001" kern="0" err="1">
+                <a:solidFill>
+                  <a:srgbClr val="783F04"/>
+                </a:solidFill>
+                <a:latin typeface="Consolas"/>
+                <a:ea typeface="Consolas"/>
+                <a:cs typeface="Consolas"/>
+                <a:sym typeface="Consolas"/>
+              </a:rPr>
+              <a:t>j++</a:t>
+            </a:r>
+            <a:r>
+              <a:rPr lang="en-US" sz="2001" kern="0">
+                <a:solidFill>
+                  <a:srgbClr val="783F04"/>
+                </a:solidFill>
+                <a:latin typeface="Consolas"/>
+                <a:ea typeface="Consolas"/>
+                <a:cs typeface="Consolas"/>
+                <a:sym typeface="Consolas"/>
+              </a:rPr>
+              <a:t>) {</a:t>
+            </a:r>
+          </a:p>
+          <a:p>
+            <a:pPr marL="0" indent="0" defTabSz="457436">
+              <a:spcBef>
+                <a:spcPts val="600"/>
+              </a:spcBef>
+              <a:spcAft>
+                <a:spcPts val="0"/>
+              </a:spcAft>
+              <a:buNone/>
+            </a:pPr>
+            <a:r>
+              <a:rPr lang="en-US" sz="2001" kern="0">
+                <a:solidFill>
+                  <a:srgbClr val="783F04"/>
+                </a:solidFill>
+                <a:latin typeface="Consolas"/>
+                <a:ea typeface="Consolas"/>
+                <a:cs typeface="Consolas"/>
+                <a:sym typeface="Consolas"/>
+              </a:rPr>
+              <a:t>			if (less(a[j], a[j-1]))</a:t>
+            </a:r>
+          </a:p>
+          <a:p>
+            <a:pPr marL="0" indent="0" defTabSz="457436">
+              <a:spcBef>
+                <a:spcPts val="600"/>
+              </a:spcBef>
+              <a:spcAft>
+                <a:spcPts val="0"/>
+              </a:spcAft>
+              <a:buNone/>
+            </a:pPr>
+            <a:r>
+              <a:rPr lang="en-US" sz="2001" kern="0">
+                <a:solidFill>
+                  <a:srgbClr val="783F04"/>
+                </a:solidFill>
+                <a:latin typeface="Consolas"/>
+                <a:ea typeface="Consolas"/>
+                <a:cs typeface="Consolas"/>
+                <a:sym typeface="Consolas"/>
+              </a:rPr>
+              <a:t>				{ </a:t>
+            </a:r>
+            <a:r>
+              <a:rPr lang="en-US" sz="2001" kern="0" err="1">
+                <a:solidFill>
+                  <a:srgbClr val="783F04"/>
+                </a:solidFill>
+                <a:latin typeface="Consolas"/>
+                <a:ea typeface="Consolas"/>
+                <a:cs typeface="Consolas"/>
+                <a:sym typeface="Consolas"/>
+              </a:rPr>
+              <a:t>exch</a:t>
+            </a:r>
+            <a:r>
+              <a:rPr lang="en-US" sz="2001" kern="0">
+                <a:solidFill>
+                  <a:srgbClr val="783F04"/>
+                </a:solidFill>
+                <a:latin typeface="Consolas"/>
+                <a:ea typeface="Consolas"/>
+                <a:cs typeface="Consolas"/>
+                <a:sym typeface="Consolas"/>
+              </a:rPr>
+              <a:t>(a, j-1, j); swapped = true; }</a:t>
+            </a:r>
+          </a:p>
+          <a:p>
+            <a:pPr marL="0" indent="0" defTabSz="457436">
+              <a:spcBef>
+                <a:spcPts val="600"/>
+              </a:spcBef>
+              <a:spcAft>
+                <a:spcPts val="0"/>
+              </a:spcAft>
+              <a:buNone/>
+            </a:pPr>
+            <a:r>
+              <a:rPr lang="en-US" sz="2001" kern="0">
+                <a:solidFill>
+                  <a:srgbClr val="783F04"/>
+                </a:solidFill>
+                <a:latin typeface="Consolas"/>
+                <a:ea typeface="Consolas"/>
+                <a:cs typeface="Consolas"/>
+                <a:sym typeface="Consolas"/>
+              </a:rPr>
+              <a:t>		}</a:t>
+            </a:r>
+          </a:p>
+          <a:p>
+            <a:pPr marL="0" indent="0" defTabSz="457436">
+              <a:spcBef>
+                <a:spcPts val="600"/>
+              </a:spcBef>
+              <a:spcAft>
+                <a:spcPts val="0"/>
+              </a:spcAft>
+              <a:buNone/>
+            </a:pPr>
+            <a:r>
+              <a:rPr lang="en-US" sz="2001" kern="0">
+                <a:solidFill>
+                  <a:srgbClr val="783F04"/>
+                </a:solidFill>
+                <a:latin typeface="Consolas"/>
+                <a:ea typeface="Consolas"/>
+                <a:cs typeface="Consolas"/>
+                <a:sym typeface="Consolas"/>
+              </a:rPr>
+              <a:t>	} while(swapped);</a:t>
+            </a:r>
+          </a:p>
+          <a:p>
+            <a:pPr marL="0" indent="0" defTabSz="457436">
+              <a:spcBef>
+                <a:spcPts val="600"/>
+              </a:spcBef>
+              <a:spcAft>
+                <a:spcPts val="0"/>
+              </a:spcAft>
+              <a:buNone/>
+            </a:pPr>
+            <a:r>
+              <a:rPr lang="en-US" sz="2001" kern="0">
+                <a:solidFill>
+                  <a:srgbClr val="783F04"/>
+                </a:solidFill>
+                <a:latin typeface="Consolas"/>
+                <a:ea typeface="Consolas"/>
+                <a:cs typeface="Consolas"/>
+                <a:sym typeface="Consolas"/>
+              </a:rPr>
+              <a:t>}</a:t>
+            </a:r>
+          </a:p>
+        </p:txBody>
+      </p:sp>
+      <p:pic>
+        <p:nvPicPr>
+          <p:cNvPr id="5" name="Picture 4">
+            <a:extLst>
+              <a:ext uri="{FF2B5EF4-FFF2-40B4-BE49-F238E27FC236}">
+                <a16:creationId xmlns:a16="http://schemas.microsoft.com/office/drawing/2014/main" id="{F32A00F2-37BD-4EAA-8246-BD992ACFADC3}"/>
+              </a:ext>
+            </a:extLst>
+          </p:cNvPr>
+          <p:cNvPicPr>
+            <a:picLocks noChangeAspect="1"/>
+          </p:cNvPicPr>
+          <p:nvPr/>
+        </p:nvPicPr>
+        <p:blipFill>
+          <a:blip r:embed="rId3"/>
+          <a:stretch>
+            <a:fillRect/>
+          </a:stretch>
+        </p:blipFill>
+        <p:spPr>
+          <a:xfrm>
+            <a:off x="6357154" y="3171878"/>
+            <a:ext cx="3326981" cy="1018327"/>
+          </a:xfrm>
+          <a:prstGeom prst="rect">
+            <a:avLst/>
+          </a:prstGeom>
+        </p:spPr>
+      </p:pic>
+    </p:spTree>
+    <p:extLst>
+      <p:ext uri="{BB962C8B-B14F-4D97-AF65-F5344CB8AC3E}">
+        <p14:creationId xmlns:p14="http://schemas.microsoft.com/office/powerpoint/2010/main" val="1092592367"/>
+      </p:ext>
+    </p:extLst>
+  </p:cSld>
+  <p:clrMapOvr>
+    <a:masterClrMapping/>
+  </p:clrMapOvr>
+  <p:timing>
+    <p:tnLst>
+      <p:par>
+        <p:cTn id="1" dur="indefinite" restart="never" nodeType="tmRoot">
+          <p:childTnLst>
+            <p:seq concurrent="1" nextAc="seek">
+              <p:cTn id="2" dur="indefinite" nodeType="mainSeq">
+                <p:childTnLst>
+                  <p:par>
+                    <p:cTn id="3" fill="hold">
+                      <p:stCondLst>
+                        <p:cond delay="indefinite"/>
+                      </p:stCondLst>
+                      <p:childTnLst>
+                        <p:par>
+                          <p:cTn id="4" fill="hold">
+                            <p:stCondLst>
+                              <p:cond delay="0"/>
+                            </p:stCondLst>
+                            <p:childTnLst>
+                              <p:par>
+                                <p:cTn id="5" presetID="10" presetClass="entr" presetSubtype="0" fill="hold" nodeType="clickEffect">
+                                  <p:stCondLst>
+                                    <p:cond delay="0"/>
+                                  </p:stCondLst>
+                                  <p:childTnLst>
+                                    <p:set>
+                                      <p:cBhvr>
+                                        <p:cTn id="6" dur="1" fill="hold">
+                                          <p:stCondLst>
+                                            <p:cond delay="0"/>
+                                          </p:stCondLst>
+                                        </p:cTn>
+                                        <p:tgtEl>
+                                          <p:spTgt spid="284">
+                                            <p:txEl>
+                                              <p:pRg st="0" end="0"/>
+                                            </p:txEl>
+                                          </p:spTgt>
+                                        </p:tgtEl>
+                                        <p:attrNameLst>
+                                          <p:attrName>style.visibility</p:attrName>
+                                        </p:attrNameLst>
+                                      </p:cBhvr>
+                                      <p:to>
+                                        <p:strVal val="visible"/>
+                                      </p:to>
+                                    </p:set>
+                                    <p:animEffect transition="in" filter="fade">
+                                      <p:cBhvr>
+                                        <p:cTn id="7" dur="100"/>
+                                        <p:tgtEl>
+                                          <p:spTgt spid="284">
+                                            <p:txEl>
+                                              <p:pRg st="0" end="0"/>
+                                            </p:txEl>
+                                          </p:spTgt>
+                                        </p:tgtEl>
+                                      </p:cBhvr>
+                                    </p:animEffect>
+                                  </p:childTnLst>
+                                </p:cTn>
+                              </p:par>
+                            </p:childTnLst>
+                          </p:cTn>
+                        </p:par>
+                      </p:childTnLst>
+                    </p:cTn>
+                  </p:par>
+                  <p:par>
+                    <p:cTn id="8" fill="hold">
+                      <p:stCondLst>
+                        <p:cond delay="indefinite"/>
+                      </p:stCondLst>
+                      <p:childTnLst>
+                        <p:par>
+                          <p:cTn id="9" fill="hold">
+                            <p:stCondLst>
+                              <p:cond delay="0"/>
+                            </p:stCondLst>
+                            <p:childTnLst>
+                              <p:par>
+                                <p:cTn id="10" presetID="10" presetClass="entr" presetSubtype="0" fill="hold" nodeType="clickEffect">
+                                  <p:stCondLst>
+                                    <p:cond delay="0"/>
+                                  </p:stCondLst>
+                                  <p:childTnLst>
+                                    <p:set>
+                                      <p:cBhvr>
+                                        <p:cTn id="11" dur="1" fill="hold">
+                                          <p:stCondLst>
+                                            <p:cond delay="0"/>
+                                          </p:stCondLst>
+                                        </p:cTn>
+                                        <p:tgtEl>
+                                          <p:spTgt spid="284">
+                                            <p:txEl>
+                                              <p:pRg st="1" end="1"/>
+                                            </p:txEl>
+                                          </p:spTgt>
+                                        </p:tgtEl>
+                                        <p:attrNameLst>
+                                          <p:attrName>style.visibility</p:attrName>
+                                        </p:attrNameLst>
+                                      </p:cBhvr>
+                                      <p:to>
+                                        <p:strVal val="visible"/>
+                                      </p:to>
+                                    </p:set>
+                                    <p:animEffect transition="in" filter="fade">
+                                      <p:cBhvr>
+                                        <p:cTn id="12" dur="100"/>
+                                        <p:tgtEl>
+                                          <p:spTgt spid="284">
+                                            <p:txEl>
+                                              <p:pRg st="1" end="1"/>
+                                            </p:txEl>
+                                          </p:spTgt>
+                                        </p:tgtEl>
+                                      </p:cBhvr>
+                                    </p:animEffect>
+                                  </p:childTnLst>
+                                </p:cTn>
+                              </p:par>
+                            </p:childTnLst>
+                          </p:cTn>
+                        </p:par>
+                      </p:childTnLst>
+                    </p:cTn>
+                  </p:par>
+                  <p:par>
+                    <p:cTn id="13" fill="hold">
+                      <p:stCondLst>
+                        <p:cond delay="indefinite"/>
+                      </p:stCondLst>
+                      <p:childTnLst>
+                        <p:par>
+                          <p:cTn id="14" fill="hold">
+                            <p:stCondLst>
+                              <p:cond delay="0"/>
+                            </p:stCondLst>
+                            <p:childTnLst>
+                              <p:par>
+                                <p:cTn id="15" presetID="10" presetClass="entr" presetSubtype="0" fill="hold" nodeType="clickEffect">
+                                  <p:stCondLst>
+                                    <p:cond delay="0"/>
+                                  </p:stCondLst>
+                                  <p:childTnLst>
+                                    <p:set>
+                                      <p:cBhvr>
+                                        <p:cTn id="16" dur="1" fill="hold">
+                                          <p:stCondLst>
+                                            <p:cond delay="0"/>
+                                          </p:stCondLst>
+                                        </p:cTn>
+                                        <p:tgtEl>
+                                          <p:spTgt spid="20"/>
+                                        </p:tgtEl>
+                                        <p:attrNameLst>
+                                          <p:attrName>style.visibility</p:attrName>
+                                        </p:attrNameLst>
+                                      </p:cBhvr>
+                                      <p:to>
+                                        <p:strVal val="visible"/>
+                                      </p:to>
+                                    </p:set>
+                                    <p:animEffect transition="in" filter="fade">
+                                      <p:cBhvr>
+                                        <p:cTn id="17" dur="100"/>
+                                        <p:tgtEl>
+                                          <p:spTgt spid="20"/>
+                                        </p:tgtEl>
+                                      </p:cBhvr>
+                                    </p:animEffect>
+                                  </p:childTnLst>
+                                </p:cTn>
+                              </p:par>
+                            </p:childTnLst>
+                          </p:cTn>
+                        </p:par>
+                      </p:childTnLst>
+                    </p:cTn>
+                  </p:par>
+                  <p:par>
+                    <p:cTn id="18" fill="hold">
+                      <p:stCondLst>
+                        <p:cond delay="indefinite"/>
+                      </p:stCondLst>
+                      <p:childTnLst>
+                        <p:par>
+                          <p:cTn id="19" fill="hold">
+                            <p:stCondLst>
+                              <p:cond delay="0"/>
+                            </p:stCondLst>
+                            <p:childTnLst>
+                              <p:par>
+                                <p:cTn id="20" presetID="10" presetClass="entr" presetSubtype="0" fill="hold" nodeType="clickEffect">
+                                  <p:stCondLst>
+                                    <p:cond delay="0"/>
+                                  </p:stCondLst>
+                                  <p:childTnLst>
+                                    <p:set>
+                                      <p:cBhvr>
+                                        <p:cTn id="21" dur="1" fill="hold">
+                                          <p:stCondLst>
+                                            <p:cond delay="0"/>
+                                          </p:stCondLst>
+                                        </p:cTn>
+                                        <p:tgtEl>
+                                          <p:spTgt spid="14"/>
+                                        </p:tgtEl>
+                                        <p:attrNameLst>
+                                          <p:attrName>style.visibility</p:attrName>
+                                        </p:attrNameLst>
+                                      </p:cBhvr>
+                                      <p:to>
+                                        <p:strVal val="visible"/>
+                                      </p:to>
+                                    </p:set>
+                                    <p:animEffect transition="in" filter="fade">
+                                      <p:cBhvr>
+                                        <p:cTn id="22" dur="100"/>
+                                        <p:tgtEl>
+                                          <p:spTgt spid="14"/>
+                                        </p:tgtEl>
+                                      </p:cBhvr>
+                                    </p:animEffect>
+                                  </p:childTnLst>
+                                </p:cTn>
+                              </p:par>
+                            </p:childTnLst>
+                          </p:cTn>
+                        </p:par>
+                      </p:childTnLst>
+                    </p:cTn>
+                  </p:par>
+                  <p:par>
+                    <p:cTn id="23" fill="hold">
+                      <p:stCondLst>
+                        <p:cond delay="indefinite"/>
+                      </p:stCondLst>
+                      <p:childTnLst>
+                        <p:par>
+                          <p:cTn id="24" fill="hold">
+                            <p:stCondLst>
+                              <p:cond delay="0"/>
+                            </p:stCondLst>
+                            <p:childTnLst>
+                              <p:par>
+                                <p:cTn id="25" presetID="10" presetClass="entr" presetSubtype="0" fill="hold" nodeType="clickEffect">
+                                  <p:stCondLst>
+                                    <p:cond delay="0"/>
+                                  </p:stCondLst>
+                                  <p:childTnLst>
+                                    <p:set>
+                                      <p:cBhvr>
+                                        <p:cTn id="26" dur="1" fill="hold">
+                                          <p:stCondLst>
+                                            <p:cond delay="0"/>
+                                          </p:stCondLst>
+                                        </p:cTn>
+                                        <p:tgtEl>
+                                          <p:spTgt spid="15"/>
+                                        </p:tgtEl>
+                                        <p:attrNameLst>
+                                          <p:attrName>style.visibility</p:attrName>
+                                        </p:attrNameLst>
+                                      </p:cBhvr>
+                                      <p:to>
+                                        <p:strVal val="visible"/>
+                                      </p:to>
+                                    </p:set>
+                                    <p:animEffect transition="in" filter="fade">
+                                      <p:cBhvr>
+                                        <p:cTn id="27" dur="100"/>
+                                        <p:tgtEl>
+                                          <p:spTgt spid="15"/>
+                                        </p:tgtEl>
+                                      </p:cBhvr>
+                                    </p:animEffect>
+                                  </p:childTnLst>
+                                </p:cTn>
+                              </p:par>
+                            </p:childTnLst>
+                          </p:cTn>
+                        </p:par>
+                      </p:childTnLst>
+                    </p:cTn>
+                  </p:par>
+                  <p:par>
+                    <p:cTn id="28" fill="hold">
+                      <p:stCondLst>
+                        <p:cond delay="indefinite"/>
+                      </p:stCondLst>
+                      <p:childTnLst>
+                        <p:par>
+                          <p:cTn id="29" fill="hold">
+                            <p:stCondLst>
+                              <p:cond delay="0"/>
+                            </p:stCondLst>
+                            <p:childTnLst>
+                              <p:par>
+                                <p:cTn id="30" presetID="10" presetClass="entr" presetSubtype="0" fill="hold" nodeType="clickEffect">
+                                  <p:stCondLst>
+                                    <p:cond delay="0"/>
+                                  </p:stCondLst>
+                                  <p:childTnLst>
+                                    <p:set>
+                                      <p:cBhvr>
+                                        <p:cTn id="31" dur="1" fill="hold">
+                                          <p:stCondLst>
+                                            <p:cond delay="0"/>
+                                          </p:stCondLst>
+                                        </p:cTn>
+                                        <p:tgtEl>
+                                          <p:spTgt spid="16"/>
+                                        </p:tgtEl>
+                                        <p:attrNameLst>
+                                          <p:attrName>style.visibility</p:attrName>
+                                        </p:attrNameLst>
+                                      </p:cBhvr>
+                                      <p:to>
+                                        <p:strVal val="visible"/>
+                                      </p:to>
+                                    </p:set>
+                                    <p:animEffect transition="in" filter="fade">
+                                      <p:cBhvr>
+                                        <p:cTn id="32" dur="100"/>
+                                        <p:tgtEl>
+                                          <p:spTgt spid="16"/>
+                                        </p:tgtEl>
+                                      </p:cBhvr>
+                                    </p:animEffect>
+                                  </p:childTnLst>
+                                </p:cTn>
+                              </p:par>
+                            </p:childTnLst>
+                          </p:cTn>
+                        </p:par>
+                      </p:childTnLst>
+                    </p:cTn>
+                  </p:par>
+                  <p:par>
+                    <p:cTn id="33" fill="hold">
+                      <p:stCondLst>
+                        <p:cond delay="indefinite"/>
+                      </p:stCondLst>
+                      <p:childTnLst>
+                        <p:par>
+                          <p:cTn id="34" fill="hold">
+                            <p:stCondLst>
+                              <p:cond delay="0"/>
+                            </p:stCondLst>
+                            <p:childTnLst>
+                              <p:par>
+                                <p:cTn id="35" presetID="10" presetClass="entr" presetSubtype="0" fill="hold" nodeType="clickEffect">
+                                  <p:stCondLst>
+                                    <p:cond delay="0"/>
+                                  </p:stCondLst>
+                                  <p:childTnLst>
+                                    <p:set>
+                                      <p:cBhvr>
+                                        <p:cTn id="36" dur="1" fill="hold">
+                                          <p:stCondLst>
+                                            <p:cond delay="0"/>
+                                          </p:stCondLst>
+                                        </p:cTn>
+                                        <p:tgtEl>
+                                          <p:spTgt spid="19"/>
+                                        </p:tgtEl>
+                                        <p:attrNameLst>
+                                          <p:attrName>style.visibility</p:attrName>
+                                        </p:attrNameLst>
+                                      </p:cBhvr>
+                                      <p:to>
+                                        <p:strVal val="visible"/>
+                                      </p:to>
+                                    </p:set>
+                                    <p:animEffect transition="in" filter="fade">
+                                      <p:cBhvr>
+                                        <p:cTn id="37" dur="100"/>
+                                        <p:tgtEl>
+                                          <p:spTgt spid="19"/>
+                                        </p:tgtEl>
+                                      </p:cBhvr>
+                                    </p:animEffect>
+                                  </p:childTnLst>
+                                </p:cTn>
+                              </p:par>
+                            </p:childTnLst>
+                          </p:cTn>
+                        </p:par>
+                      </p:childTnLst>
+                    </p:cTn>
+                  </p:par>
+                </p:childTnLst>
+              </p:cTn>
+              <p:prevCondLst>
+                <p:cond evt="onPrev" delay="0">
+                  <p:tgtEl>
+                    <p:sldTgt/>
+                  </p:tgtEl>
+                </p:cond>
+              </p:prevCondLst>
+              <p:nextCondLst>
+                <p:cond evt="onNext" delay="0">
+                  <p:tgtEl>
+                    <p:sldTgt/>
+                  </p:tgtEl>
+                </p:cond>
+              </p:nextCondLst>
+            </p:seq>
+          </p:childTnLst>
+        </p:cTn>
+      </p:par>
+    </p:tnLst>
+  </p:timing>
+</p:sld>
+</file>
+
+<file path=ppt/slides/slide9.xml><?xml version="1.0" encoding="utf-8"?>
+<p:sld xmlns:a="http://schemas.openxmlformats.org/drawingml/2006/main" xmlns:r="http://schemas.openxmlformats.org/officeDocument/2006/relationships" xmlns:p="http://schemas.openxmlformats.org/presentationml/2006/main">
+  <p:cSld>
+    <p:spTree>
+      <p:nvGrpSpPr>
+        <p:cNvPr id="1" name="Shape 297"/>
+        <p:cNvGrpSpPr/>
+        <p:nvPr/>
+      </p:nvGrpSpPr>
+      <p:grpSpPr>
+        <a:xfrm>
+          <a:off x="0" y="0"/>
+          <a:ext cx="0" cy="0"/>
+          <a:chOff x="0" y="0"/>
+          <a:chExt cx="0" cy="0"/>
+        </a:xfrm>
+      </p:grpSpPr>
+      <p:sp>
+        <p:nvSpPr>
+          <p:cNvPr id="298" name="Google Shape;298;p37"/>
+          <p:cNvSpPr txBox="1">
+            <a:spLocks noGrp="1"/>
+          </p:cNvSpPr>
+          <p:nvPr>
+            <p:ph type="title"/>
+          </p:nvPr>
+        </p:nvSpPr>
+        <p:spPr>
+          <a:prstGeom prst="rect">
+            <a:avLst/>
+          </a:prstGeom>
+        </p:spPr>
+        <p:txBody>
+          <a:bodyPr spcFirstLastPara="1" vert="horz" wrap="square" lIns="100821" tIns="100821" rIns="100821" bIns="100821" numCol="1" anchor="b" anchorCtr="0" compatLnSpc="1">
+            <a:prstTxWarp prst="textNoShape">
+              <a:avLst/>
+            </a:prstTxWarp>
+            <a:noAutofit/>
+          </a:bodyPr>
+          <a:lstStyle/>
+          <a:p>
+            <a:r>
+              <a:rPr lang="en"/>
+              <a:t>Bubble sort example</a:t>
+            </a:r>
+            <a:endParaRPr/>
+          </a:p>
+        </p:txBody>
+      </p:sp>
+      <p:sp>
+        <p:nvSpPr>
+          <p:cNvPr id="2" name="Content Placeholder 1">
+            <a:extLst>
+              <a:ext uri="{FF2B5EF4-FFF2-40B4-BE49-F238E27FC236}">
+                <a16:creationId xmlns:a16="http://schemas.microsoft.com/office/drawing/2014/main" id="{DB9D6C60-412A-9744-9628-836CD6F18233}"/>
+              </a:ext>
+            </a:extLst>
+          </p:cNvPr>
+          <p:cNvSpPr>
+            <a:spLocks noGrp="1"/>
+          </p:cNvSpPr>
+          <p:nvPr>
+            <p:ph idx="1"/>
+          </p:nvPr>
+        </p:nvSpPr>
+        <p:spPr/>
+        <p:txBody>
+          <a:bodyPr/>
+          <a:lstStyle/>
+          <a:p>
+            <a:endParaRPr lang="en-US"/>
+          </a:p>
+        </p:txBody>
+      </p:sp>
+      <p:sp>
+        <p:nvSpPr>
+          <p:cNvPr id="321" name="Google Shape;321;p37"/>
+          <p:cNvSpPr txBox="1">
+            <a:spLocks noGrp="1"/>
+          </p:cNvSpPr>
+          <p:nvPr>
+            <p:ph type="sldNum" idx="12"/>
+          </p:nvPr>
+        </p:nvSpPr>
+        <p:spPr>
+          <a:prstGeom prst="rect">
+            <a:avLst/>
+          </a:prstGeom>
+        </p:spPr>
+        <p:txBody>
+          <a:bodyPr spcFirstLastPara="1" vert="horz" wrap="square" lIns="100821" tIns="100821" rIns="100821" bIns="100821" numCol="1" anchor="ctr" anchorCtr="0" compatLnSpc="1">
+            <a:prstTxWarp prst="textNoShape">
+              <a:avLst/>
+            </a:prstTxWarp>
+            <a:noAutofit/>
+          </a:bodyPr>
+          <a:lstStyle/>
+          <a:p>
+            <a:pPr defTabSz="1008463">
+              <a:lnSpc>
+                <a:spcPct val="100000"/>
+              </a:lnSpc>
+              <a:buClr>
+                <a:srgbClr val="000000"/>
+              </a:buClr>
+            </a:pPr>
+            <a:fld id="{00000000-1234-1234-1234-123412341234}" type="slidenum">
+              <a:rPr lang="en" kern="0">
+                <a:cs typeface="Arial" panose="020B0604020202020204" pitchFamily="34" charset="0"/>
+              </a:rPr>
+              <a:pPr defTabSz="1008463">
+                <a:lnSpc>
+                  <a:spcPct val="100000"/>
+                </a:lnSpc>
+                <a:buClr>
+                  <a:srgbClr val="000000"/>
+                </a:buClr>
+              </a:pPr>
+              <a:t>9</a:t>
+            </a:fld>
+            <a:endParaRPr kern="0">
+              <a:cs typeface="Arial" panose="020B0604020202020204" pitchFamily="34" charset="0"/>
+            </a:endParaRPr>
+          </a:p>
+        </p:txBody>
+      </p:sp>
+      <p:grpSp>
+        <p:nvGrpSpPr>
+          <p:cNvPr id="299" name="Google Shape;299;p37"/>
+          <p:cNvGrpSpPr/>
+          <p:nvPr/>
+        </p:nvGrpSpPr>
+        <p:grpSpPr>
+          <a:xfrm>
+            <a:off x="898346" y="3174182"/>
+            <a:ext cx="8280758" cy="1214489"/>
+            <a:chOff x="1001275" y="2878350"/>
+            <a:chExt cx="7509000" cy="1101300"/>
+          </a:xfrm>
+        </p:grpSpPr>
+        <p:sp>
+          <p:nvSpPr>
+            <p:cNvPr id="300" name="Google Shape;300;p37"/>
+            <p:cNvSpPr/>
+            <p:nvPr/>
+          </p:nvSpPr>
+          <p:spPr>
+            <a:xfrm>
+              <a:off x="1001275" y="2878350"/>
+              <a:ext cx="1501800" cy="1101300"/>
+            </a:xfrm>
+            <a:prstGeom prst="rect">
+              <a:avLst/>
+            </a:prstGeom>
+            <a:solidFill>
+              <a:schemeClr val="lt2"/>
+            </a:solidFill>
+            <a:ln w="19050" cap="flat" cmpd="sng">
+              <a:solidFill>
+                <a:schemeClr val="dk2"/>
+              </a:solidFill>
+              <a:prstDash val="solid"/>
+              <a:round/>
+              <a:headEnd type="none" w="sm" len="sm"/>
+              <a:tailEnd type="none" w="sm" len="sm"/>
+            </a:ln>
+          </p:spPr>
+          <p:txBody>
+            <a:bodyPr spcFirstLastPara="1" wrap="square" lIns="100821" tIns="100821" rIns="100821" bIns="100821" anchor="ctr" anchorCtr="0">
+              <a:noAutofit/>
+            </a:bodyPr>
+            <a:lstStyle/>
+            <a:p>
+              <a:pPr algn="ctr" defTabSz="1008463">
+                <a:buClr>
+                  <a:srgbClr val="000000"/>
+                </a:buClr>
+              </a:pPr>
+              <a:r>
+                <a:rPr lang="en" sz="3970" kern="0">
+                  <a:solidFill>
+                    <a:srgbClr val="002B5E"/>
+                  </a:solidFill>
+                  <a:latin typeface="Droid Sans"/>
+                  <a:ea typeface="Droid Sans"/>
+                  <a:cs typeface="Droid Sans"/>
+                  <a:sym typeface="Droid Sans"/>
+                </a:rPr>
+                <a:t>5</a:t>
+              </a:r>
+              <a:endParaRPr sz="3970" kern="0">
+                <a:solidFill>
+                  <a:srgbClr val="002B5E"/>
+                </a:solidFill>
+                <a:latin typeface="Droid Sans"/>
+                <a:ea typeface="Droid Sans"/>
+                <a:cs typeface="Droid Sans"/>
+                <a:sym typeface="Droid Sans"/>
+              </a:endParaRPr>
+            </a:p>
+          </p:txBody>
+        </p:sp>
+        <p:sp>
+          <p:nvSpPr>
+            <p:cNvPr id="301" name="Google Shape;301;p37"/>
+            <p:cNvSpPr/>
+            <p:nvPr/>
+          </p:nvSpPr>
+          <p:spPr>
+            <a:xfrm>
+              <a:off x="2503075" y="2878350"/>
+              <a:ext cx="1501800" cy="1101300"/>
+            </a:xfrm>
+            <a:prstGeom prst="rect">
+              <a:avLst/>
+            </a:prstGeom>
+            <a:solidFill>
+              <a:schemeClr val="lt2"/>
+            </a:solidFill>
+            <a:ln w="19050" cap="flat" cmpd="sng">
+              <a:solidFill>
+                <a:schemeClr val="dk2"/>
+              </a:solidFill>
+              <a:prstDash val="solid"/>
+              <a:round/>
+              <a:headEnd type="none" w="sm" len="sm"/>
+              <a:tailEnd type="none" w="sm" len="sm"/>
+            </a:ln>
+          </p:spPr>
+          <p:txBody>
+            <a:bodyPr spcFirstLastPara="1" wrap="square" lIns="100821" tIns="100821" rIns="100821" bIns="100821" anchor="ctr" anchorCtr="0">
+              <a:noAutofit/>
+            </a:bodyPr>
+            <a:lstStyle/>
+            <a:p>
+              <a:pPr algn="ctr" defTabSz="1008463">
+                <a:buClr>
+                  <a:srgbClr val="000000"/>
+                </a:buClr>
+              </a:pPr>
+              <a:r>
+                <a:rPr lang="en" sz="3970" kern="0">
+                  <a:solidFill>
+                    <a:srgbClr val="002B5E"/>
+                  </a:solidFill>
+                  <a:latin typeface="Droid Sans"/>
+                  <a:ea typeface="Droid Sans"/>
+                  <a:cs typeface="Droid Sans"/>
+                  <a:sym typeface="Droid Sans"/>
+                </a:rPr>
+                <a:t>3</a:t>
+              </a:r>
+              <a:endParaRPr sz="3970" kern="0">
+                <a:solidFill>
+                  <a:srgbClr val="002B5E"/>
+                </a:solidFill>
+                <a:latin typeface="Droid Sans"/>
+                <a:ea typeface="Droid Sans"/>
+                <a:cs typeface="Droid Sans"/>
+                <a:sym typeface="Droid Sans"/>
+              </a:endParaRPr>
+            </a:p>
+          </p:txBody>
+        </p:sp>
+        <p:sp>
+          <p:nvSpPr>
+            <p:cNvPr id="302" name="Google Shape;302;p37"/>
+            <p:cNvSpPr/>
+            <p:nvPr/>
+          </p:nvSpPr>
+          <p:spPr>
+            <a:xfrm>
+              <a:off x="4004875" y="2878350"/>
+              <a:ext cx="1501800" cy="1101300"/>
+            </a:xfrm>
+            <a:prstGeom prst="rect">
+              <a:avLst/>
+            </a:prstGeom>
+            <a:solidFill>
+              <a:schemeClr val="lt2"/>
+            </a:solidFill>
+            <a:ln w="19050" cap="flat" cmpd="sng">
+              <a:solidFill>
+                <a:schemeClr val="dk2"/>
+              </a:solidFill>
+              <a:prstDash val="solid"/>
+              <a:round/>
+              <a:headEnd type="none" w="sm" len="sm"/>
+              <a:tailEnd type="none" w="sm" len="sm"/>
+            </a:ln>
+          </p:spPr>
+          <p:txBody>
+            <a:bodyPr spcFirstLastPara="1" wrap="square" lIns="100821" tIns="100821" rIns="100821" bIns="100821" anchor="ctr" anchorCtr="0">
+              <a:noAutofit/>
+            </a:bodyPr>
+            <a:lstStyle/>
+            <a:p>
+              <a:pPr algn="ctr" defTabSz="1008463">
+                <a:buClr>
+                  <a:srgbClr val="000000"/>
+                </a:buClr>
+              </a:pPr>
+              <a:r>
+                <a:rPr lang="en" sz="3970" kern="0">
+                  <a:solidFill>
+                    <a:srgbClr val="002B5E"/>
+                  </a:solidFill>
+                  <a:latin typeface="Droid Sans"/>
+                  <a:ea typeface="Droid Sans"/>
+                  <a:cs typeface="Droid Sans"/>
+                  <a:sym typeface="Droid Sans"/>
+                </a:rPr>
+                <a:t>4</a:t>
+              </a:r>
+              <a:endParaRPr sz="3970" kern="0">
+                <a:solidFill>
+                  <a:srgbClr val="002B5E"/>
+                </a:solidFill>
+                <a:latin typeface="Droid Sans"/>
+                <a:ea typeface="Droid Sans"/>
+                <a:cs typeface="Droid Sans"/>
+                <a:sym typeface="Droid Sans"/>
+              </a:endParaRPr>
+            </a:p>
+          </p:txBody>
+        </p:sp>
+        <p:sp>
+          <p:nvSpPr>
+            <p:cNvPr id="303" name="Google Shape;303;p37"/>
+            <p:cNvSpPr/>
+            <p:nvPr/>
+          </p:nvSpPr>
+          <p:spPr>
+            <a:xfrm>
+              <a:off x="7008475" y="2878350"/>
+              <a:ext cx="1501800" cy="1101300"/>
+            </a:xfrm>
+            <a:prstGeom prst="rect">
+              <a:avLst/>
+            </a:prstGeom>
+            <a:solidFill>
+              <a:schemeClr val="lt2"/>
+            </a:solidFill>
+            <a:ln w="19050" cap="flat" cmpd="sng">
+              <a:solidFill>
+                <a:schemeClr val="dk2"/>
+              </a:solidFill>
+              <a:prstDash val="solid"/>
+              <a:round/>
+              <a:headEnd type="none" w="sm" len="sm"/>
+              <a:tailEnd type="none" w="sm" len="sm"/>
+            </a:ln>
+          </p:spPr>
+          <p:txBody>
+            <a:bodyPr spcFirstLastPara="1" wrap="square" lIns="100821" tIns="100821" rIns="100821" bIns="100821" anchor="ctr" anchorCtr="0">
+              <a:noAutofit/>
+            </a:bodyPr>
+            <a:lstStyle/>
+            <a:p>
+              <a:pPr algn="ctr" defTabSz="1008463">
+                <a:buClr>
+                  <a:srgbClr val="000000"/>
+                </a:buClr>
+              </a:pPr>
+              <a:r>
+                <a:rPr lang="en" sz="3970" kern="0">
+                  <a:solidFill>
+                    <a:srgbClr val="002B5E"/>
+                  </a:solidFill>
+                  <a:latin typeface="Droid Sans"/>
+                  <a:ea typeface="Droid Sans"/>
+                  <a:cs typeface="Droid Sans"/>
+                  <a:sym typeface="Droid Sans"/>
+                </a:rPr>
+                <a:t>10</a:t>
+              </a:r>
+              <a:endParaRPr sz="3970" kern="0">
+                <a:solidFill>
+                  <a:srgbClr val="002B5E"/>
+                </a:solidFill>
+                <a:latin typeface="Droid Sans"/>
+                <a:ea typeface="Droid Sans"/>
+                <a:cs typeface="Droid Sans"/>
+                <a:sym typeface="Droid Sans"/>
+              </a:endParaRPr>
+            </a:p>
+          </p:txBody>
+        </p:sp>
+        <p:sp>
+          <p:nvSpPr>
+            <p:cNvPr id="304" name="Google Shape;304;p37"/>
+            <p:cNvSpPr/>
+            <p:nvPr/>
+          </p:nvSpPr>
+          <p:spPr>
+            <a:xfrm>
+              <a:off x="5506663" y="2878350"/>
+              <a:ext cx="1501800" cy="1101300"/>
+            </a:xfrm>
+            <a:prstGeom prst="rect">
+              <a:avLst/>
+            </a:prstGeom>
+            <a:solidFill>
+              <a:schemeClr val="lt2"/>
+            </a:solidFill>
+            <a:ln w="19050" cap="flat" cmpd="sng">
+              <a:solidFill>
+                <a:schemeClr val="dk2"/>
+              </a:solidFill>
+              <a:prstDash val="solid"/>
+              <a:round/>
+              <a:headEnd type="none" w="sm" len="sm"/>
+              <a:tailEnd type="none" w="sm" len="sm"/>
+            </a:ln>
+          </p:spPr>
+          <p:txBody>
+            <a:bodyPr spcFirstLastPara="1" wrap="square" lIns="100821" tIns="100821" rIns="100821" bIns="100821" anchor="ctr" anchorCtr="0">
+              <a:noAutofit/>
+            </a:bodyPr>
+            <a:lstStyle/>
+            <a:p>
+              <a:pPr algn="ctr" defTabSz="1008463">
+                <a:buClr>
+                  <a:srgbClr val="000000"/>
+                </a:buClr>
+              </a:pPr>
+              <a:r>
+                <a:rPr lang="en" sz="3970" kern="0">
+                  <a:solidFill>
+                    <a:srgbClr val="002B5E"/>
+                  </a:solidFill>
+                  <a:latin typeface="Droid Sans"/>
+                  <a:ea typeface="Droid Sans"/>
+                  <a:cs typeface="Droid Sans"/>
+                  <a:sym typeface="Droid Sans"/>
+                </a:rPr>
+                <a:t>1</a:t>
+              </a:r>
+              <a:endParaRPr sz="3970" kern="0">
+                <a:solidFill>
+                  <a:srgbClr val="002B5E"/>
+                </a:solidFill>
+                <a:latin typeface="Droid Sans"/>
+                <a:ea typeface="Droid Sans"/>
+                <a:cs typeface="Droid Sans"/>
+                <a:sym typeface="Droid Sans"/>
+              </a:endParaRPr>
+            </a:p>
+          </p:txBody>
+        </p:sp>
+      </p:grpSp>
+      <p:grpSp>
+        <p:nvGrpSpPr>
+          <p:cNvPr id="305" name="Google Shape;305;p37"/>
+          <p:cNvGrpSpPr/>
+          <p:nvPr/>
+        </p:nvGrpSpPr>
+        <p:grpSpPr>
+          <a:xfrm>
+            <a:off x="898347" y="3174182"/>
+            <a:ext cx="3312303" cy="1214489"/>
+            <a:chOff x="817500" y="2878350"/>
+            <a:chExt cx="3003600" cy="1101300"/>
+          </a:xfrm>
+        </p:grpSpPr>
+        <p:sp>
+          <p:nvSpPr>
+            <p:cNvPr id="306" name="Google Shape;306;p37"/>
+            <p:cNvSpPr/>
+            <p:nvPr/>
+          </p:nvSpPr>
+          <p:spPr>
+            <a:xfrm>
+              <a:off x="2319300" y="2878350"/>
+              <a:ext cx="1501800" cy="1101300"/>
+            </a:xfrm>
+            <a:prstGeom prst="rect">
+              <a:avLst/>
+            </a:prstGeom>
+            <a:solidFill>
+              <a:schemeClr val="lt2"/>
+            </a:solidFill>
+            <a:ln w="19050" cap="flat" cmpd="sng">
+              <a:solidFill>
+                <a:schemeClr val="dk2"/>
+              </a:solidFill>
+              <a:prstDash val="solid"/>
+              <a:round/>
+              <a:headEnd type="none" w="sm" len="sm"/>
+              <a:tailEnd type="none" w="sm" len="sm"/>
+            </a:ln>
+          </p:spPr>
+          <p:txBody>
+            <a:bodyPr spcFirstLastPara="1" wrap="square" lIns="100821" tIns="100821" rIns="100821" bIns="100821" anchor="ctr" anchorCtr="0">
+              <a:noAutofit/>
+            </a:bodyPr>
+            <a:lstStyle/>
+            <a:p>
+              <a:pPr algn="ctr" defTabSz="1008463">
+                <a:buClr>
+                  <a:srgbClr val="000000"/>
+                </a:buClr>
+              </a:pPr>
+              <a:r>
+                <a:rPr lang="en" sz="3970" kern="0">
+                  <a:solidFill>
+                    <a:srgbClr val="002B5E"/>
+                  </a:solidFill>
+                  <a:latin typeface="Droid Sans"/>
+                  <a:ea typeface="Droid Sans"/>
+                  <a:cs typeface="Droid Sans"/>
+                  <a:sym typeface="Droid Sans"/>
+                </a:rPr>
+                <a:t>5</a:t>
+              </a:r>
+              <a:endParaRPr sz="3970" kern="0">
+                <a:solidFill>
+                  <a:srgbClr val="002B5E"/>
+                </a:solidFill>
+                <a:latin typeface="Droid Sans"/>
+                <a:ea typeface="Droid Sans"/>
+                <a:cs typeface="Droid Sans"/>
+                <a:sym typeface="Droid Sans"/>
+              </a:endParaRPr>
+            </a:p>
+          </p:txBody>
+        </p:sp>
+        <p:sp>
+          <p:nvSpPr>
+            <p:cNvPr id="307" name="Google Shape;307;p37"/>
+            <p:cNvSpPr/>
+            <p:nvPr/>
+          </p:nvSpPr>
+          <p:spPr>
+            <a:xfrm>
+              <a:off x="817500" y="2878350"/>
+              <a:ext cx="1501800" cy="1101300"/>
+            </a:xfrm>
+            <a:prstGeom prst="rect">
+              <a:avLst/>
+            </a:prstGeom>
+            <a:solidFill>
+              <a:schemeClr val="lt2"/>
+            </a:solidFill>
+            <a:ln w="19050" cap="flat" cmpd="sng">
+              <a:solidFill>
+                <a:schemeClr val="dk2"/>
+              </a:solidFill>
+              <a:prstDash val="solid"/>
+              <a:round/>
+              <a:headEnd type="none" w="sm" len="sm"/>
+              <a:tailEnd type="none" w="sm" len="sm"/>
+            </a:ln>
+          </p:spPr>
+          <p:txBody>
+            <a:bodyPr spcFirstLastPara="1" wrap="square" lIns="100821" tIns="100821" rIns="100821" bIns="100821" anchor="ctr" anchorCtr="0">
+              <a:noAutofit/>
+            </a:bodyPr>
+            <a:lstStyle/>
+            <a:p>
+              <a:pPr algn="ctr" defTabSz="1008463">
+                <a:buClr>
+                  <a:srgbClr val="000000"/>
+                </a:buClr>
+              </a:pPr>
+              <a:r>
+                <a:rPr lang="en" sz="3970" kern="0">
+                  <a:solidFill>
+                    <a:srgbClr val="002B5E"/>
+                  </a:solidFill>
+                  <a:latin typeface="Droid Sans"/>
+                  <a:ea typeface="Droid Sans"/>
+                  <a:cs typeface="Droid Sans"/>
+                  <a:sym typeface="Droid Sans"/>
+                </a:rPr>
+                <a:t>3</a:t>
+              </a:r>
+              <a:endParaRPr sz="3970" kern="0">
+                <a:solidFill>
+                  <a:srgbClr val="002B5E"/>
+                </a:solidFill>
+                <a:latin typeface="Droid Sans"/>
+                <a:ea typeface="Droid Sans"/>
+                <a:cs typeface="Droid Sans"/>
+                <a:sym typeface="Droid Sans"/>
+              </a:endParaRPr>
+            </a:p>
+          </p:txBody>
+        </p:sp>
+      </p:grpSp>
+      <p:grpSp>
+        <p:nvGrpSpPr>
+          <p:cNvPr id="308" name="Google Shape;308;p37"/>
+          <p:cNvGrpSpPr/>
+          <p:nvPr/>
+        </p:nvGrpSpPr>
+        <p:grpSpPr>
+          <a:xfrm>
+            <a:off x="2557007" y="3174182"/>
+            <a:ext cx="3312303" cy="1214489"/>
+            <a:chOff x="3356100" y="4849550"/>
+            <a:chExt cx="3003600" cy="1101300"/>
+          </a:xfrm>
+        </p:grpSpPr>
+        <p:sp>
+          <p:nvSpPr>
+            <p:cNvPr id="309" name="Google Shape;309;p37"/>
+            <p:cNvSpPr/>
+            <p:nvPr/>
+          </p:nvSpPr>
+          <p:spPr>
+            <a:xfrm>
+              <a:off x="4857900" y="4849550"/>
+              <a:ext cx="1501800" cy="1101300"/>
+            </a:xfrm>
+            <a:prstGeom prst="rect">
+              <a:avLst/>
+            </a:prstGeom>
+            <a:solidFill>
+              <a:schemeClr val="lt2"/>
+            </a:solidFill>
+            <a:ln w="19050" cap="flat" cmpd="sng">
+              <a:solidFill>
+                <a:schemeClr val="dk2"/>
+              </a:solidFill>
+              <a:prstDash val="solid"/>
+              <a:round/>
+              <a:headEnd type="none" w="sm" len="sm"/>
+              <a:tailEnd type="none" w="sm" len="sm"/>
+            </a:ln>
+          </p:spPr>
+          <p:txBody>
+            <a:bodyPr spcFirstLastPara="1" wrap="square" lIns="100821" tIns="100821" rIns="100821" bIns="100821" anchor="ctr" anchorCtr="0">
+              <a:noAutofit/>
+            </a:bodyPr>
+            <a:lstStyle/>
+            <a:p>
+              <a:pPr algn="ctr" defTabSz="1008463">
+                <a:buClr>
+                  <a:srgbClr val="000000"/>
+                </a:buClr>
+              </a:pPr>
+              <a:r>
+                <a:rPr lang="en" sz="3970" kern="0">
+                  <a:solidFill>
+                    <a:srgbClr val="002B5E"/>
+                  </a:solidFill>
+                  <a:latin typeface="Droid Sans"/>
+                  <a:ea typeface="Droid Sans"/>
+                  <a:cs typeface="Droid Sans"/>
+                  <a:sym typeface="Droid Sans"/>
+                </a:rPr>
+                <a:t>5</a:t>
+              </a:r>
+              <a:endParaRPr sz="3970" kern="0">
+                <a:solidFill>
+                  <a:srgbClr val="002B5E"/>
+                </a:solidFill>
+                <a:latin typeface="Droid Sans"/>
+                <a:ea typeface="Droid Sans"/>
+                <a:cs typeface="Droid Sans"/>
+                <a:sym typeface="Droid Sans"/>
+              </a:endParaRPr>
+            </a:p>
+          </p:txBody>
+        </p:sp>
+        <p:sp>
+          <p:nvSpPr>
+            <p:cNvPr id="310" name="Google Shape;310;p37"/>
+            <p:cNvSpPr/>
+            <p:nvPr/>
+          </p:nvSpPr>
+          <p:spPr>
+            <a:xfrm>
+              <a:off x="3356100" y="4849550"/>
+              <a:ext cx="1501800" cy="1101300"/>
+            </a:xfrm>
+            <a:prstGeom prst="rect">
+              <a:avLst/>
+            </a:prstGeom>
+            <a:solidFill>
+              <a:schemeClr val="lt2"/>
+            </a:solidFill>
+            <a:ln w="19050" cap="flat" cmpd="sng">
+              <a:solidFill>
+                <a:schemeClr val="dk2"/>
+              </a:solidFill>
+              <a:prstDash val="solid"/>
+              <a:round/>
+              <a:headEnd type="none" w="sm" len="sm"/>
+              <a:tailEnd type="none" w="sm" len="sm"/>
+            </a:ln>
+          </p:spPr>
+          <p:txBody>
+            <a:bodyPr spcFirstLastPara="1" wrap="square" lIns="100821" tIns="100821" rIns="100821" bIns="100821" anchor="ctr" anchorCtr="0">
+              <a:noAutofit/>
+            </a:bodyPr>
+            <a:lstStyle/>
+            <a:p>
+              <a:pPr algn="ctr" defTabSz="1008463">
+                <a:buClr>
+                  <a:srgbClr val="000000"/>
+                </a:buClr>
+              </a:pPr>
+              <a:r>
+                <a:rPr lang="en" sz="3970" kern="0">
+                  <a:solidFill>
+                    <a:srgbClr val="002B5E"/>
+                  </a:solidFill>
+                  <a:latin typeface="Droid Sans"/>
+                  <a:ea typeface="Droid Sans"/>
+                  <a:cs typeface="Droid Sans"/>
+                  <a:sym typeface="Droid Sans"/>
+                </a:rPr>
+                <a:t>4</a:t>
+              </a:r>
+              <a:endParaRPr sz="3970" kern="0">
+                <a:solidFill>
+                  <a:srgbClr val="002B5E"/>
+                </a:solidFill>
+                <a:latin typeface="Droid Sans"/>
+                <a:ea typeface="Droid Sans"/>
+                <a:cs typeface="Droid Sans"/>
+                <a:sym typeface="Droid Sans"/>
+              </a:endParaRPr>
+            </a:p>
+          </p:txBody>
+        </p:sp>
+      </p:grpSp>
+      <p:grpSp>
+        <p:nvGrpSpPr>
+          <p:cNvPr id="311" name="Google Shape;311;p37"/>
+          <p:cNvGrpSpPr/>
+          <p:nvPr/>
+        </p:nvGrpSpPr>
+        <p:grpSpPr>
+          <a:xfrm>
+            <a:off x="4210638" y="3174182"/>
+            <a:ext cx="3312318" cy="1214489"/>
+            <a:chOff x="2423888" y="5450250"/>
+            <a:chExt cx="3003613" cy="1101300"/>
+          </a:xfrm>
+        </p:grpSpPr>
+        <p:sp>
+          <p:nvSpPr>
+            <p:cNvPr id="312" name="Google Shape;312;p37"/>
+            <p:cNvSpPr/>
+            <p:nvPr/>
+          </p:nvSpPr>
+          <p:spPr>
+            <a:xfrm>
+              <a:off x="3925700" y="5450250"/>
+              <a:ext cx="1501800" cy="1101300"/>
+            </a:xfrm>
+            <a:prstGeom prst="rect">
+              <a:avLst/>
+            </a:prstGeom>
+            <a:solidFill>
+              <a:schemeClr val="lt2"/>
+            </a:solidFill>
+            <a:ln w="19050" cap="flat" cmpd="sng">
+              <a:solidFill>
+                <a:schemeClr val="dk2"/>
+              </a:solidFill>
+              <a:prstDash val="solid"/>
+              <a:round/>
+              <a:headEnd type="none" w="sm" len="sm"/>
+              <a:tailEnd type="none" w="sm" len="sm"/>
+            </a:ln>
+          </p:spPr>
+          <p:txBody>
+            <a:bodyPr spcFirstLastPara="1" wrap="square" lIns="100821" tIns="100821" rIns="100821" bIns="100821" anchor="ctr" anchorCtr="0">
+              <a:noAutofit/>
+            </a:bodyPr>
+            <a:lstStyle/>
+            <a:p>
+              <a:pPr algn="ctr" defTabSz="1008463">
+                <a:buClr>
+                  <a:srgbClr val="000000"/>
+                </a:buClr>
+              </a:pPr>
+              <a:r>
+                <a:rPr lang="en" sz="3970" kern="0">
+                  <a:solidFill>
+                    <a:srgbClr val="002B5E"/>
+                  </a:solidFill>
+                  <a:latin typeface="Droid Sans"/>
+                  <a:ea typeface="Droid Sans"/>
+                  <a:cs typeface="Droid Sans"/>
+                  <a:sym typeface="Droid Sans"/>
+                </a:rPr>
+                <a:t>5</a:t>
+              </a:r>
+              <a:endParaRPr sz="3970" kern="0">
+                <a:solidFill>
+                  <a:srgbClr val="002B5E"/>
+                </a:solidFill>
+                <a:latin typeface="Droid Sans"/>
+                <a:ea typeface="Droid Sans"/>
+                <a:cs typeface="Droid Sans"/>
+                <a:sym typeface="Droid Sans"/>
+              </a:endParaRPr>
+            </a:p>
+          </p:txBody>
+        </p:sp>
+        <p:sp>
+          <p:nvSpPr>
+            <p:cNvPr id="313" name="Google Shape;313;p37"/>
+            <p:cNvSpPr/>
+            <p:nvPr/>
+          </p:nvSpPr>
+          <p:spPr>
+            <a:xfrm>
+              <a:off x="2423888" y="5450250"/>
+              <a:ext cx="1501800" cy="1101300"/>
+            </a:xfrm>
+            <a:prstGeom prst="rect">
+              <a:avLst/>
+            </a:prstGeom>
+            <a:solidFill>
+              <a:schemeClr val="lt2"/>
+            </a:solidFill>
+            <a:ln w="19050" cap="flat" cmpd="sng">
+              <a:solidFill>
+                <a:schemeClr val="dk2"/>
+              </a:solidFill>
+              <a:prstDash val="solid"/>
+              <a:round/>
+              <a:headEnd type="none" w="sm" len="sm"/>
+              <a:tailEnd type="none" w="sm" len="sm"/>
+            </a:ln>
+          </p:spPr>
+          <p:txBody>
+            <a:bodyPr spcFirstLastPara="1" wrap="square" lIns="100821" tIns="100821" rIns="100821" bIns="100821" anchor="ctr" anchorCtr="0">
+              <a:noAutofit/>
+            </a:bodyPr>
+            <a:lstStyle/>
+            <a:p>
+              <a:pPr algn="ctr" defTabSz="1008463">
+                <a:buClr>
+                  <a:srgbClr val="000000"/>
+                </a:buClr>
+              </a:pPr>
+              <a:r>
+                <a:rPr lang="en" sz="3970" kern="0">
+                  <a:solidFill>
+                    <a:srgbClr val="002B5E"/>
+                  </a:solidFill>
+                  <a:latin typeface="Droid Sans"/>
+                  <a:ea typeface="Droid Sans"/>
+                  <a:cs typeface="Droid Sans"/>
+                  <a:sym typeface="Droid Sans"/>
+                </a:rPr>
+                <a:t>1</a:t>
+              </a:r>
+              <a:endParaRPr sz="3970" kern="0">
+                <a:solidFill>
+                  <a:srgbClr val="002B5E"/>
+                </a:solidFill>
+                <a:latin typeface="Droid Sans"/>
+                <a:ea typeface="Droid Sans"/>
+                <a:cs typeface="Droid Sans"/>
+                <a:sym typeface="Droid Sans"/>
+              </a:endParaRPr>
+            </a:p>
+          </p:txBody>
+        </p:sp>
+      </p:grpSp>
+      <p:grpSp>
+        <p:nvGrpSpPr>
+          <p:cNvPr id="314" name="Google Shape;314;p37"/>
+          <p:cNvGrpSpPr/>
+          <p:nvPr/>
+        </p:nvGrpSpPr>
+        <p:grpSpPr>
+          <a:xfrm>
+            <a:off x="2556994" y="3174182"/>
+            <a:ext cx="3312318" cy="1214489"/>
+            <a:chOff x="905413" y="4649325"/>
+            <a:chExt cx="3003613" cy="1101300"/>
+          </a:xfrm>
+        </p:grpSpPr>
+        <p:sp>
+          <p:nvSpPr>
+            <p:cNvPr id="315" name="Google Shape;315;p37"/>
+            <p:cNvSpPr/>
+            <p:nvPr/>
+          </p:nvSpPr>
+          <p:spPr>
+            <a:xfrm>
+              <a:off x="2407225" y="4649325"/>
+              <a:ext cx="1501800" cy="1101300"/>
+            </a:xfrm>
+            <a:prstGeom prst="rect">
+              <a:avLst/>
+            </a:prstGeom>
+            <a:solidFill>
+              <a:schemeClr val="lt2"/>
+            </a:solidFill>
+            <a:ln w="19050" cap="flat" cmpd="sng">
+              <a:solidFill>
+                <a:schemeClr val="dk2"/>
+              </a:solidFill>
+              <a:prstDash val="solid"/>
+              <a:round/>
+              <a:headEnd type="none" w="sm" len="sm"/>
+              <a:tailEnd type="none" w="sm" len="sm"/>
+            </a:ln>
+          </p:spPr>
+          <p:txBody>
+            <a:bodyPr spcFirstLastPara="1" wrap="square" lIns="100821" tIns="100821" rIns="100821" bIns="100821" anchor="ctr" anchorCtr="0">
+              <a:noAutofit/>
+            </a:bodyPr>
+            <a:lstStyle/>
+            <a:p>
+              <a:pPr algn="ctr" defTabSz="1008463">
+                <a:buClr>
+                  <a:srgbClr val="000000"/>
+                </a:buClr>
+              </a:pPr>
+              <a:r>
+                <a:rPr lang="en" sz="3970" kern="0">
+                  <a:solidFill>
+                    <a:srgbClr val="002B5E"/>
+                  </a:solidFill>
+                  <a:latin typeface="Droid Sans"/>
+                  <a:ea typeface="Droid Sans"/>
+                  <a:cs typeface="Droid Sans"/>
+                  <a:sym typeface="Droid Sans"/>
+                </a:rPr>
+                <a:t>4</a:t>
+              </a:r>
+              <a:endParaRPr sz="3970" kern="0">
+                <a:solidFill>
+                  <a:srgbClr val="002B5E"/>
+                </a:solidFill>
+                <a:latin typeface="Droid Sans"/>
+                <a:ea typeface="Droid Sans"/>
+                <a:cs typeface="Droid Sans"/>
+                <a:sym typeface="Droid Sans"/>
+              </a:endParaRPr>
+            </a:p>
+          </p:txBody>
+        </p:sp>
+        <p:sp>
+          <p:nvSpPr>
+            <p:cNvPr id="316" name="Google Shape;316;p37"/>
+            <p:cNvSpPr/>
+            <p:nvPr/>
+          </p:nvSpPr>
+          <p:spPr>
+            <a:xfrm>
+              <a:off x="905413" y="4649325"/>
+              <a:ext cx="1501800" cy="1101300"/>
+            </a:xfrm>
+            <a:prstGeom prst="rect">
+              <a:avLst/>
+            </a:prstGeom>
+            <a:solidFill>
+              <a:schemeClr val="lt2"/>
+            </a:solidFill>
+            <a:ln w="19050" cap="flat" cmpd="sng">
+              <a:solidFill>
+                <a:schemeClr val="dk2"/>
+              </a:solidFill>
+              <a:prstDash val="solid"/>
+              <a:round/>
+              <a:headEnd type="none" w="sm" len="sm"/>
+              <a:tailEnd type="none" w="sm" len="sm"/>
+            </a:ln>
+          </p:spPr>
+          <p:txBody>
+            <a:bodyPr spcFirstLastPara="1" wrap="square" lIns="100821" tIns="100821" rIns="100821" bIns="100821" anchor="ctr" anchorCtr="0">
+              <a:noAutofit/>
+            </a:bodyPr>
+            <a:lstStyle/>
+            <a:p>
+              <a:pPr algn="ctr" defTabSz="1008463">
+                <a:buClr>
+                  <a:srgbClr val="000000"/>
+                </a:buClr>
+              </a:pPr>
+              <a:r>
+                <a:rPr lang="en" sz="3970" kern="0">
+                  <a:solidFill>
+                    <a:srgbClr val="002B5E"/>
+                  </a:solidFill>
+                  <a:latin typeface="Droid Sans"/>
+                  <a:ea typeface="Droid Sans"/>
+                  <a:cs typeface="Droid Sans"/>
+                  <a:sym typeface="Droid Sans"/>
+                </a:rPr>
+                <a:t>1</a:t>
+              </a:r>
+              <a:endParaRPr sz="3970" kern="0">
+                <a:solidFill>
+                  <a:srgbClr val="002B5E"/>
+                </a:solidFill>
+                <a:latin typeface="Droid Sans"/>
+                <a:ea typeface="Droid Sans"/>
+                <a:cs typeface="Droid Sans"/>
+                <a:sym typeface="Droid Sans"/>
+              </a:endParaRPr>
+            </a:p>
+          </p:txBody>
+        </p:sp>
+      </p:grpSp>
+      <p:grpSp>
+        <p:nvGrpSpPr>
+          <p:cNvPr id="317" name="Google Shape;317;p37"/>
+          <p:cNvGrpSpPr/>
+          <p:nvPr/>
+        </p:nvGrpSpPr>
+        <p:grpSpPr>
+          <a:xfrm>
+            <a:off x="898334" y="3174182"/>
+            <a:ext cx="3312318" cy="1214489"/>
+            <a:chOff x="919788" y="4582550"/>
+            <a:chExt cx="3003613" cy="1101300"/>
+          </a:xfrm>
+        </p:grpSpPr>
+        <p:sp>
+          <p:nvSpPr>
+            <p:cNvPr id="318" name="Google Shape;318;p37"/>
+            <p:cNvSpPr/>
+            <p:nvPr/>
+          </p:nvSpPr>
+          <p:spPr>
+            <a:xfrm>
+              <a:off x="2421600" y="4582550"/>
+              <a:ext cx="1501800" cy="1101300"/>
+            </a:xfrm>
+            <a:prstGeom prst="rect">
+              <a:avLst/>
+            </a:prstGeom>
+            <a:solidFill>
+              <a:schemeClr val="lt2"/>
+            </a:solidFill>
+            <a:ln w="19050" cap="flat" cmpd="sng">
+              <a:solidFill>
+                <a:schemeClr val="dk2"/>
+              </a:solidFill>
+              <a:prstDash val="solid"/>
+              <a:round/>
+              <a:headEnd type="none" w="sm" len="sm"/>
+              <a:tailEnd type="none" w="sm" len="sm"/>
+            </a:ln>
+          </p:spPr>
+          <p:txBody>
+            <a:bodyPr spcFirstLastPara="1" wrap="square" lIns="100821" tIns="100821" rIns="100821" bIns="100821" anchor="ctr" anchorCtr="0">
+              <a:noAutofit/>
+            </a:bodyPr>
+            <a:lstStyle/>
+            <a:p>
+              <a:pPr algn="ctr" defTabSz="1008463">
+                <a:buClr>
+                  <a:srgbClr val="000000"/>
+                </a:buClr>
+              </a:pPr>
+              <a:r>
+                <a:rPr lang="en" sz="3970" kern="0">
+                  <a:solidFill>
+                    <a:srgbClr val="002B5E"/>
+                  </a:solidFill>
+                  <a:latin typeface="Droid Sans"/>
+                  <a:ea typeface="Droid Sans"/>
+                  <a:cs typeface="Droid Sans"/>
+                  <a:sym typeface="Droid Sans"/>
+                </a:rPr>
+                <a:t>3</a:t>
+              </a:r>
+              <a:endParaRPr sz="3970" kern="0">
+                <a:solidFill>
+                  <a:srgbClr val="002B5E"/>
+                </a:solidFill>
+                <a:latin typeface="Droid Sans"/>
+                <a:ea typeface="Droid Sans"/>
+                <a:cs typeface="Droid Sans"/>
+                <a:sym typeface="Droid Sans"/>
+              </a:endParaRPr>
+            </a:p>
+          </p:txBody>
+        </p:sp>
+        <p:sp>
+          <p:nvSpPr>
+            <p:cNvPr id="319" name="Google Shape;319;p37"/>
+            <p:cNvSpPr/>
+            <p:nvPr/>
+          </p:nvSpPr>
+          <p:spPr>
+            <a:xfrm>
+              <a:off x="919788" y="4582550"/>
+              <a:ext cx="1501800" cy="1101300"/>
+            </a:xfrm>
+            <a:prstGeom prst="rect">
+              <a:avLst/>
+            </a:prstGeom>
+            <a:solidFill>
+              <a:schemeClr val="lt2"/>
+            </a:solidFill>
+            <a:ln w="19050" cap="flat" cmpd="sng">
+              <a:solidFill>
+                <a:schemeClr val="dk2"/>
+              </a:solidFill>
+              <a:prstDash val="solid"/>
+              <a:round/>
+              <a:headEnd type="none" w="sm" len="sm"/>
+              <a:tailEnd type="none" w="sm" len="sm"/>
+            </a:ln>
+          </p:spPr>
+          <p:txBody>
+            <a:bodyPr spcFirstLastPara="1" wrap="square" lIns="100821" tIns="100821" rIns="100821" bIns="100821" anchor="ctr" anchorCtr="0">
+              <a:noAutofit/>
+            </a:bodyPr>
+            <a:lstStyle/>
+            <a:p>
+              <a:pPr algn="ctr" defTabSz="1008463">
+                <a:buClr>
+                  <a:srgbClr val="000000"/>
+                </a:buClr>
+              </a:pPr>
+              <a:r>
+                <a:rPr lang="en" sz="3970" kern="0">
+                  <a:solidFill>
+                    <a:srgbClr val="002B5E"/>
+                  </a:solidFill>
+                  <a:latin typeface="Droid Sans"/>
+                  <a:ea typeface="Droid Sans"/>
+                  <a:cs typeface="Droid Sans"/>
+                  <a:sym typeface="Droid Sans"/>
+                </a:rPr>
+                <a:t>1</a:t>
+              </a:r>
+              <a:endParaRPr sz="3970" kern="0">
+                <a:solidFill>
+                  <a:srgbClr val="002B5E"/>
+                </a:solidFill>
+                <a:latin typeface="Droid Sans"/>
+                <a:ea typeface="Droid Sans"/>
+                <a:cs typeface="Droid Sans"/>
+                <a:sym typeface="Droid Sans"/>
+              </a:endParaRPr>
+            </a:p>
+          </p:txBody>
+        </p:sp>
+      </p:grpSp>
+      <p:sp>
+        <p:nvSpPr>
+          <p:cNvPr id="320" name="Google Shape;320;p37"/>
+          <p:cNvSpPr txBox="1"/>
+          <p:nvPr/>
+        </p:nvSpPr>
+        <p:spPr>
+          <a:xfrm>
+            <a:off x="3207894" y="1619458"/>
+            <a:ext cx="3661663" cy="1048742"/>
+          </a:xfrm>
+          <a:prstGeom prst="rect">
+            <a:avLst/>
+          </a:prstGeom>
+          <a:noFill/>
+          <a:ln>
+            <a:noFill/>
+          </a:ln>
+        </p:spPr>
+        <p:txBody>
+          <a:bodyPr spcFirstLastPara="1" wrap="square" lIns="100821" tIns="100821" rIns="100821" bIns="100821" anchor="t" anchorCtr="0">
+            <a:noAutofit/>
+          </a:bodyPr>
+          <a:lstStyle/>
+          <a:p>
+            <a:pPr algn="ctr" defTabSz="1008463">
+              <a:buClr>
+                <a:srgbClr val="000000"/>
+              </a:buClr>
+            </a:pPr>
+            <a:r>
+              <a:rPr lang="en" sz="3970" kern="0">
+                <a:solidFill>
+                  <a:srgbClr val="980000"/>
+                </a:solidFill>
+                <a:latin typeface="Droid Sans"/>
+                <a:ea typeface="Droid Sans"/>
+                <a:cs typeface="Droid Sans"/>
+                <a:sym typeface="Droid Sans"/>
+              </a:rPr>
+              <a:t>SWAPPED!</a:t>
+            </a:r>
+            <a:endParaRPr sz="3970" kern="0">
+              <a:solidFill>
+                <a:srgbClr val="980000"/>
+              </a:solidFill>
+              <a:latin typeface="Droid Sans"/>
+              <a:ea typeface="Droid Sans"/>
+              <a:cs typeface="Droid Sans"/>
+              <a:sym typeface="Droid Sans"/>
+            </a:endParaRPr>
+          </a:p>
+        </p:txBody>
+      </p:sp>
+      <p:sp>
+        <p:nvSpPr>
+          <p:cNvPr id="4" name="Footer Placeholder 3">
+            <a:extLst>
+              <a:ext uri="{FF2B5EF4-FFF2-40B4-BE49-F238E27FC236}">
+                <a16:creationId xmlns:a16="http://schemas.microsoft.com/office/drawing/2014/main" id="{98A77443-4060-3C48-BCD2-144C9C69D23A}"/>
+              </a:ext>
+            </a:extLst>
+          </p:cNvPr>
+          <p:cNvSpPr>
+            <a:spLocks noGrp="1"/>
+          </p:cNvSpPr>
+          <p:nvPr>
+            <p:ph type="ftr" idx="11"/>
+          </p:nvPr>
+        </p:nvSpPr>
+        <p:spPr/>
+        <p:txBody>
+          <a:bodyPr/>
+          <a:lstStyle/>
+          <a:p>
+            <a:pPr defTabSz="457436" fontAlgn="base" hangingPunct="0">
+              <a:spcBef>
+                <a:spcPct val="0"/>
+              </a:spcBef>
+              <a:spcAft>
+                <a:spcPct val="0"/>
+              </a:spcAft>
+              <a:buClr>
+                <a:srgbClr val="000000"/>
+              </a:buClr>
+              <a:buSzPct val="100000"/>
+              <a:defRPr/>
+            </a:pPr>
+            <a:r>
+              <a:rPr lang="en-US">
+                <a:latin typeface="Arial"/>
+              </a:rPr>
+              <a:t>CS 1501 – Algorithms &amp; Data Structures 2 – Sherif Khattab</a:t>
+            </a:r>
+            <a:endParaRPr lang="en-GB"/>
+          </a:p>
+        </p:txBody>
+      </p:sp>
+    </p:spTree>
+    <p:extLst>
+      <p:ext uri="{BB962C8B-B14F-4D97-AF65-F5344CB8AC3E}">
+        <p14:creationId xmlns:p14="http://schemas.microsoft.com/office/powerpoint/2010/main" val="2865696446"/>
+      </p:ext>
+    </p:extLst>
+  </p:cSld>
+  <p:clrMapOvr>
+    <a:masterClrMapping/>
+  </p:clrMapOvr>
+  <p:timing>
+    <p:tnLst>
+      <p:par>
+        <p:cTn id="1" dur="indefinite" restart="never" nodeType="tmRoot">
+          <p:childTnLst>
+            <p:seq concurrent="1" nextAc="seek">
+              <p:cTn id="2" dur="indefinite" nodeType="mainSeq">
+                <p:childTnLst>
+                  <p:par>
+                    <p:cTn id="3" fill="hold">
+                      <p:stCondLst>
+                        <p:cond delay="indefinite"/>
+                      </p:stCondLst>
+                      <p:childTnLst>
+                        <p:par>
+                          <p:cTn id="4" fill="hold">
+                            <p:stCondLst>
+                              <p:cond delay="0"/>
+                            </p:stCondLst>
+                            <p:childTnLst>
+                              <p:par>
+                                <p:cTn id="5" presetID="10" presetClass="entr" presetSubtype="0" fill="hold" nodeType="clickEffect">
+                                  <p:stCondLst>
+                                    <p:cond delay="0"/>
+                                  </p:stCondLst>
+                                  <p:childTnLst>
+                                    <p:set>
+                                      <p:cBhvr>
+                                        <p:cTn id="6" dur="1" fill="hold">
+                                          <p:stCondLst>
+                                            <p:cond delay="0"/>
+                                          </p:stCondLst>
+                                        </p:cTn>
+                                        <p:tgtEl>
+                                          <p:spTgt spid="305"/>
+                                        </p:tgtEl>
+                                        <p:attrNameLst>
+                                          <p:attrName>style.visibility</p:attrName>
+                                        </p:attrNameLst>
+                                      </p:cBhvr>
+                                      <p:to>
+                                        <p:strVal val="visible"/>
+                                      </p:to>
+                                    </p:set>
+                                    <p:animEffect transition="in" filter="fade">
+                                      <p:cBhvr>
+                                        <p:cTn id="7" dur="100"/>
+                                        <p:tgtEl>
+                                          <p:spTgt spid="305"/>
+                                        </p:tgtEl>
+                                      </p:cBhvr>
+                                    </p:animEffect>
+                                  </p:childTnLst>
+                                </p:cTn>
+                              </p:par>
+                              <p:par>
+                                <p:cTn id="8" presetID="10" presetClass="entr" presetSubtype="0" fill="hold" nodeType="withEffect">
+                                  <p:stCondLst>
+                                    <p:cond delay="0"/>
+                                  </p:stCondLst>
+                                  <p:childTnLst>
+                                    <p:set>
+                                      <p:cBhvr>
+                                        <p:cTn id="9" dur="1" fill="hold">
+                                          <p:stCondLst>
+                                            <p:cond delay="0"/>
+                                          </p:stCondLst>
+                                        </p:cTn>
+                                        <p:tgtEl>
+                                          <p:spTgt spid="320"/>
+                                        </p:tgtEl>
+                                        <p:attrNameLst>
+                                          <p:attrName>style.visibility</p:attrName>
+                                        </p:attrNameLst>
+                                      </p:cBhvr>
+                                      <p:to>
+                                        <p:strVal val="visible"/>
+                                      </p:to>
+                                    </p:set>
+                                    <p:animEffect transition="in" filter="fade">
+                                      <p:cBhvr>
+                                        <p:cTn id="10" dur="100"/>
+                                        <p:tgtEl>
+                                          <p:spTgt spid="320"/>
+                                        </p:tgtEl>
+                                      </p:cBhvr>
+                                    </p:animEffect>
+                                  </p:childTnLst>
+                                </p:cTn>
+                              </p:par>
+                            </p:childTnLst>
+                          </p:cTn>
+                        </p:par>
+                      </p:childTnLst>
+                    </p:cTn>
+                  </p:par>
+                  <p:par>
+                    <p:cTn id="11" fill="hold">
+                      <p:stCondLst>
+                        <p:cond delay="indefinite"/>
+                      </p:stCondLst>
+                      <p:childTnLst>
+                        <p:par>
+                          <p:cTn id="12" fill="hold">
+                            <p:stCondLst>
+                              <p:cond delay="0"/>
+                            </p:stCondLst>
+                            <p:childTnLst>
+                              <p:par>
+                                <p:cTn id="13" presetID="10" presetClass="entr" presetSubtype="0" fill="hold" nodeType="clickEffect">
+                                  <p:stCondLst>
+                                    <p:cond delay="0"/>
+                                  </p:stCondLst>
+                                  <p:childTnLst>
+                                    <p:set>
+                                      <p:cBhvr>
+                                        <p:cTn id="14" dur="1" fill="hold">
+                                          <p:stCondLst>
+                                            <p:cond delay="0"/>
+                                          </p:stCondLst>
+                                        </p:cTn>
+                                        <p:tgtEl>
+                                          <p:spTgt spid="308"/>
+                                        </p:tgtEl>
+                                        <p:attrNameLst>
+                                          <p:attrName>style.visibility</p:attrName>
+                                        </p:attrNameLst>
+                                      </p:cBhvr>
+                                      <p:to>
+                                        <p:strVal val="visible"/>
+                                      </p:to>
+                                    </p:set>
+                                    <p:animEffect transition="in" filter="fade">
+                                      <p:cBhvr>
+                                        <p:cTn id="15" dur="100"/>
+                                        <p:tgtEl>
+                                          <p:spTgt spid="308"/>
+                                        </p:tgtEl>
+                                      </p:cBhvr>
+                                    </p:animEffect>
+                                  </p:childTnLst>
+                                </p:cTn>
+                              </p:par>
+                            </p:childTnLst>
+                          </p:cTn>
+                        </p:par>
+                      </p:childTnLst>
+                    </p:cTn>
+                  </p:par>
+                  <p:par>
+                    <p:cTn id="16" fill="hold">
+                      <p:stCondLst>
+                        <p:cond delay="indefinite"/>
+                      </p:stCondLst>
+                      <p:childTnLst>
+                        <p:par>
+                          <p:cTn id="17" fill="hold">
+                            <p:stCondLst>
+                              <p:cond delay="0"/>
+                            </p:stCondLst>
+                            <p:childTnLst>
+                              <p:par>
+                                <p:cTn id="18" presetID="10" presetClass="entr" presetSubtype="0" fill="hold" nodeType="clickEffect">
+                                  <p:stCondLst>
+                                    <p:cond delay="0"/>
+                                  </p:stCondLst>
+                                  <p:childTnLst>
+                                    <p:set>
+                                      <p:cBhvr>
+                                        <p:cTn id="19" dur="1" fill="hold">
+                                          <p:stCondLst>
+                                            <p:cond delay="0"/>
+                                          </p:stCondLst>
+                                        </p:cTn>
+                                        <p:tgtEl>
+                                          <p:spTgt spid="311"/>
+                                        </p:tgtEl>
+                                        <p:attrNameLst>
+                                          <p:attrName>style.visibility</p:attrName>
+                                        </p:attrNameLst>
+                                      </p:cBhvr>
+                                      <p:to>
+                                        <p:strVal val="visible"/>
+                                      </p:to>
+                                    </p:set>
+                                    <p:animEffect transition="in" filter="fade">
+                                      <p:cBhvr>
+                                        <p:cTn id="20" dur="100"/>
+                                        <p:tgtEl>
+                                          <p:spTgt spid="311"/>
+                                        </p:tgtEl>
+                                      </p:cBhvr>
+                                    </p:animEffect>
+                                  </p:childTnLst>
+                                </p:cTn>
+                              </p:par>
+                            </p:childTnLst>
+                          </p:cTn>
+                        </p:par>
+                      </p:childTnLst>
+                    </p:cTn>
+                  </p:par>
+                  <p:par>
+                    <p:cTn id="21" fill="hold">
+                      <p:stCondLst>
+                        <p:cond delay="indefinite"/>
+                      </p:stCondLst>
+                      <p:childTnLst>
+                        <p:par>
+                          <p:cTn id="22" fill="hold">
+                            <p:stCondLst>
+                              <p:cond delay="0"/>
+                            </p:stCondLst>
+                            <p:childTnLst>
+                              <p:par>
+                                <p:cTn id="23" presetID="10" presetClass="exit" presetSubtype="0" fill="hold" nodeType="clickEffect">
+                                  <p:stCondLst>
+                                    <p:cond delay="0"/>
+                                  </p:stCondLst>
+                                  <p:childTnLst>
+                                    <p:animEffect transition="out" filter="fade">
+                                      <p:cBhvr>
+                                        <p:cTn id="24" dur="100"/>
+                                        <p:tgtEl>
+                                          <p:spTgt spid="320"/>
+                                        </p:tgtEl>
+                                      </p:cBhvr>
+                                    </p:animEffect>
+                                    <p:set>
+                                      <p:cBhvr>
+                                        <p:cTn id="25" dur="1" fill="hold">
+                                          <p:stCondLst>
+                                            <p:cond delay="100"/>
+                                          </p:stCondLst>
+                                        </p:cTn>
+                                        <p:tgtEl>
+                                          <p:spTgt spid="320"/>
+                                        </p:tgtEl>
+                                        <p:attrNameLst>
+                                          <p:attrName>style.visibility</p:attrName>
+                                        </p:attrNameLst>
+                                      </p:cBhvr>
+                                      <p:to>
+                                        <p:strVal val="hidden"/>
+                                      </p:to>
+                                    </p:set>
+                                  </p:childTnLst>
+                                </p:cTn>
+                              </p:par>
+                            </p:childTnLst>
+                          </p:cTn>
+                        </p:par>
+                      </p:childTnLst>
+                    </p:cTn>
+                  </p:par>
+                  <p:par>
+                    <p:cTn id="26" fill="hold">
+                      <p:stCondLst>
+                        <p:cond delay="indefinite"/>
+                      </p:stCondLst>
+                      <p:childTnLst>
+                        <p:par>
+                          <p:cTn id="27" fill="hold">
+                            <p:stCondLst>
+                              <p:cond delay="0"/>
+                            </p:stCondLst>
+                            <p:childTnLst>
+                              <p:par>
+                                <p:cTn id="28" presetID="10" presetClass="entr" presetSubtype="0" fill="hold" nodeType="clickEffect">
+                                  <p:stCondLst>
+                                    <p:cond delay="0"/>
+                                  </p:stCondLst>
+                                  <p:childTnLst>
+                                    <p:set>
+                                      <p:cBhvr>
+                                        <p:cTn id="29" dur="1" fill="hold">
+                                          <p:stCondLst>
+                                            <p:cond delay="0"/>
+                                          </p:stCondLst>
+                                        </p:cTn>
+                                        <p:tgtEl>
+                                          <p:spTgt spid="314"/>
+                                        </p:tgtEl>
+                                        <p:attrNameLst>
+                                          <p:attrName>style.visibility</p:attrName>
+                                        </p:attrNameLst>
+                                      </p:cBhvr>
+                                      <p:to>
+                                        <p:strVal val="visible"/>
+                                      </p:to>
+                                    </p:set>
+                                    <p:animEffect transition="in" filter="fade">
+                                      <p:cBhvr>
+                                        <p:cTn id="30" dur="100"/>
+                                        <p:tgtEl>
+                                          <p:spTgt spid="314"/>
+                                        </p:tgtEl>
+                                      </p:cBhvr>
+                                    </p:animEffect>
+                                  </p:childTnLst>
+                                </p:cTn>
+                              </p:par>
+                              <p:par>
+                                <p:cTn id="31" presetID="10" presetClass="entr" presetSubtype="0" fill="hold" nodeType="withEffect">
+                                  <p:stCondLst>
+                                    <p:cond delay="0"/>
+                                  </p:stCondLst>
+                                  <p:childTnLst>
+                                    <p:set>
+                                      <p:cBhvr>
+                                        <p:cTn id="32" dur="1" fill="hold">
+                                          <p:stCondLst>
+                                            <p:cond delay="0"/>
+                                          </p:stCondLst>
+                                        </p:cTn>
+                                        <p:tgtEl>
+                                          <p:spTgt spid="320"/>
+                                        </p:tgtEl>
+                                        <p:attrNameLst>
+                                          <p:attrName>style.visibility</p:attrName>
+                                        </p:attrNameLst>
+                                      </p:cBhvr>
+                                      <p:to>
+                                        <p:strVal val="visible"/>
+                                      </p:to>
+                                    </p:set>
+                                    <p:animEffect transition="in" filter="fade">
+                                      <p:cBhvr>
+                                        <p:cTn id="33" dur="100"/>
+                                        <p:tgtEl>
+                                          <p:spTgt spid="320"/>
+                                        </p:tgtEl>
+                                      </p:cBhvr>
+                                    </p:animEffect>
+                                  </p:childTnLst>
+                                </p:cTn>
+                              </p:par>
+                            </p:childTnLst>
+                          </p:cTn>
+                        </p:par>
+                      </p:childTnLst>
+                    </p:cTn>
+                  </p:par>
+                  <p:par>
+                    <p:cTn id="34" fill="hold">
+                      <p:stCondLst>
+                        <p:cond delay="indefinite"/>
+                      </p:stCondLst>
+                      <p:childTnLst>
+                        <p:par>
+                          <p:cTn id="35" fill="hold">
+                            <p:stCondLst>
+                              <p:cond delay="0"/>
+                            </p:stCondLst>
+                            <p:childTnLst>
+                              <p:par>
+                                <p:cTn id="36" presetID="10" presetClass="exit" presetSubtype="0" fill="hold" nodeType="clickEffect">
+                                  <p:stCondLst>
+                                    <p:cond delay="0"/>
+                                  </p:stCondLst>
+                                  <p:childTnLst>
+                                    <p:animEffect transition="out" filter="fade">
+                                      <p:cBhvr>
+                                        <p:cTn id="37" dur="100"/>
+                                        <p:tgtEl>
+                                          <p:spTgt spid="320"/>
+                                        </p:tgtEl>
+                                      </p:cBhvr>
+                                    </p:animEffect>
+                                    <p:set>
+                                      <p:cBhvr>
+                                        <p:cTn id="38" dur="1" fill="hold">
+                                          <p:stCondLst>
+                                            <p:cond delay="100"/>
+                                          </p:stCondLst>
+                                        </p:cTn>
+                                        <p:tgtEl>
+                                          <p:spTgt spid="320"/>
+                                        </p:tgtEl>
+                                        <p:attrNameLst>
+                                          <p:attrName>style.visibility</p:attrName>
+                                        </p:attrNameLst>
+                                      </p:cBhvr>
+                                      <p:to>
+                                        <p:strVal val="hidden"/>
+                                      </p:to>
+                                    </p:set>
+                                  </p:childTnLst>
+                                </p:cTn>
+                              </p:par>
+                            </p:childTnLst>
+                          </p:cTn>
+                        </p:par>
+                      </p:childTnLst>
+                    </p:cTn>
+                  </p:par>
+                  <p:par>
+                    <p:cTn id="39" fill="hold">
+                      <p:stCondLst>
+                        <p:cond delay="indefinite"/>
+                      </p:stCondLst>
+                      <p:childTnLst>
+                        <p:par>
+                          <p:cTn id="40" fill="hold">
+                            <p:stCondLst>
+                              <p:cond delay="0"/>
+                            </p:stCondLst>
+                            <p:childTnLst>
+                              <p:par>
+                                <p:cTn id="41" presetID="10" presetClass="entr" presetSubtype="0" fill="hold" nodeType="clickEffect">
+                                  <p:stCondLst>
+                                    <p:cond delay="0"/>
+                                  </p:stCondLst>
+                                  <p:childTnLst>
+                                    <p:set>
+                                      <p:cBhvr>
+                                        <p:cTn id="42" dur="1" fill="hold">
+                                          <p:stCondLst>
+                                            <p:cond delay="0"/>
+                                          </p:stCondLst>
+                                        </p:cTn>
+                                        <p:tgtEl>
+                                          <p:spTgt spid="317"/>
+                                        </p:tgtEl>
+                                        <p:attrNameLst>
+                                          <p:attrName>style.visibility</p:attrName>
+                                        </p:attrNameLst>
+                                      </p:cBhvr>
+                                      <p:to>
+                                        <p:strVal val="visible"/>
+                                      </p:to>
+                                    </p:set>
+                                    <p:animEffect transition="in" filter="fade">
+                                      <p:cBhvr>
+                                        <p:cTn id="43" dur="100"/>
+                                        <p:tgtEl>
+                                          <p:spTgt spid="317"/>
+                                        </p:tgtEl>
+                                      </p:cBhvr>
+                                    </p:animEffect>
+                                  </p:childTnLst>
+                                </p:cTn>
+                              </p:par>
+                              <p:par>
+                                <p:cTn id="44" presetID="10" presetClass="entr" presetSubtype="0" fill="hold" nodeType="withEffect">
+                                  <p:stCondLst>
+                                    <p:cond delay="0"/>
+                                  </p:stCondLst>
+                                  <p:childTnLst>
+                                    <p:set>
+                                      <p:cBhvr>
+                                        <p:cTn id="45" dur="1" fill="hold">
+                                          <p:stCondLst>
+                                            <p:cond delay="0"/>
+                                          </p:stCondLst>
+                                        </p:cTn>
+                                        <p:tgtEl>
+                                          <p:spTgt spid="320"/>
+                                        </p:tgtEl>
+                                        <p:attrNameLst>
+                                          <p:attrName>style.visibility</p:attrName>
+                                        </p:attrNameLst>
+                                      </p:cBhvr>
+                                      <p:to>
+                                        <p:strVal val="visible"/>
+                                      </p:to>
+                                    </p:set>
+                                    <p:animEffect transition="in" filter="fade">
+                                      <p:cBhvr>
+                                        <p:cTn id="46" dur="100"/>
+                                        <p:tgtEl>
+                                          <p:spTgt spid="320"/>
+                                        </p:tgtEl>
+                                      </p:cBhvr>
+                                    </p:animEffect>
+                                  </p:childTnLst>
+                                </p:cTn>
+                              </p:par>
+                            </p:childTnLst>
+                          </p:cTn>
+                        </p:par>
+                      </p:childTnLst>
+                    </p:cTn>
+                  </p:par>
+                  <p:par>
+                    <p:cTn id="47" fill="hold">
+                      <p:stCondLst>
+                        <p:cond delay="indefinite"/>
+                      </p:stCondLst>
+                      <p:childTnLst>
+                        <p:par>
+                          <p:cTn id="48" fill="hold">
+                            <p:stCondLst>
+                              <p:cond delay="0"/>
+                            </p:stCondLst>
+                            <p:childTnLst>
+                              <p:par>
+                                <p:cTn id="49" presetID="10" presetClass="exit" presetSubtype="0" fill="hold" nodeType="clickEffect">
+                                  <p:stCondLst>
+                                    <p:cond delay="0"/>
+                                  </p:stCondLst>
+                                  <p:childTnLst>
+                                    <p:animEffect transition="out" filter="fade">
+                                      <p:cBhvr>
+                                        <p:cTn id="50" dur="100"/>
+                                        <p:tgtEl>
+                                          <p:spTgt spid="320"/>
+                                        </p:tgtEl>
+                                      </p:cBhvr>
+                                    </p:animEffect>
+                                    <p:set>
+                                      <p:cBhvr>
+                                        <p:cTn id="51" dur="1" fill="hold">
+                                          <p:stCondLst>
+                                            <p:cond delay="100"/>
+                                          </p:stCondLst>
+                                        </p:cTn>
+                                        <p:tgtEl>
+                                          <p:spTgt spid="320"/>
+                                        </p:tgtEl>
+                                        <p:attrNameLst>
+                                          <p:attrName>style.visibility</p:attrName>
+                                        </p:attrNameLst>
+                                      </p:cBhvr>
+                                      <p:to>
+                                        <p:strVal val="hidden"/>
+                                      </p:to>
+                                    </p:set>
                                   </p:childTnLst>
                                 </p:cTn>
                               </p:par>
